--- a/materials/challenge_of_inference/challenge_of_inference.pptx
+++ b/materials/challenge_of_inference/challenge_of_inference.pptx
@@ -2,26 +2,21 @@
 <file path=ppt/presentation.xml><?xml version="1.0" encoding="utf-8"?>
 <p:presentation xmlns:a="http://schemas.openxmlformats.org/drawingml/2006/main" xmlns:r="http://schemas.openxmlformats.org/officeDocument/2006/relationships" xmlns:p="http://schemas.openxmlformats.org/presentationml/2006/main">
   <p:sldMasterIdLst>
-    <p:sldMasterId id="2147483648" r:id="rId5"/>
+    <p:sldMasterId id="2147483648" r:id="rId1"/>
   </p:sldMasterIdLst>
   <p:notesMasterIdLst>
-    <p:notesMasterId r:id="rId7"/>
+    <p:notesMasterId r:id="rId11"/>
   </p:notesMasterIdLst>
   <p:sldIdLst>
-    <p:sldId id="256" r:id="rId8"/>
-    <p:sldId id="257" r:id="rId9"/>
-    <p:sldId id="258" r:id="rId10"/>
-    <p:sldId id="259" r:id="rId11"/>
-    <p:sldId id="260" r:id="rId12"/>
-    <p:sldId id="261" r:id="rId13"/>
-    <p:sldId id="262" r:id="rId14"/>
-    <p:sldId id="263" r:id="rId15"/>
-    <p:sldId id="264" r:id="rId16"/>
-    <p:sldId id="265" r:id="rId17"/>
-    <p:sldId id="266" r:id="rId18"/>
-    <p:sldId id="267" r:id="rId19"/>
-    <p:sldId id="268" r:id="rId20"/>
-    <p:sldId id="269" r:id="rId21"/>
+    <p:sldId id="261" r:id="rId2"/>
+    <p:sldId id="262" r:id="rId3"/>
+    <p:sldId id="263" r:id="rId4"/>
+    <p:sldId id="264" r:id="rId5"/>
+    <p:sldId id="265" r:id="rId6"/>
+    <p:sldId id="266" r:id="rId7"/>
+    <p:sldId id="267" r:id="rId8"/>
+    <p:sldId id="268" r:id="rId9"/>
+    <p:sldId id="269" r:id="rId10"/>
   </p:sldIdLst>
   <p:sldSz cx="13004800" cy="9753600"/>
   <p:notesSz cx="6858000" cy="9144000"/>
@@ -102,13 +97,14 @@
 </p:presentation>
 </file>
 
-<file path=ppt/commentAuthors.xml><?xml version="1.0" encoding="utf-8"?>
-<p:cmAuthorLst xmlns:a="http://schemas.openxmlformats.org/drawingml/2006/main" xmlns:r="http://schemas.openxmlformats.org/officeDocument/2006/relationships" xmlns:p="http://schemas.openxmlformats.org/presentationml/2006/main"/>
-</file>
-
 <file path=ppt/notesMasters/notesMaster1.xml><?xml version="1.0" encoding="utf-8"?>
 <p:notesMaster xmlns:a="http://schemas.openxmlformats.org/drawingml/2006/main" xmlns:r="http://schemas.openxmlformats.org/officeDocument/2006/relationships" xmlns:p="http://schemas.openxmlformats.org/presentationml/2006/main">
   <p:cSld>
+    <p:bg>
+      <p:bgRef idx="1001">
+        <a:schemeClr val="bg1"/>
+      </p:bgRef>
+    </p:bg>
     <p:spTree>
       <p:nvGrpSpPr>
         <p:cNvPr id="1" name=""/>
@@ -126,7 +122,9 @@
       <p:sp>
         <p:nvSpPr>
           <p:cNvPr id="29" name="Shape 29"/>
-          <p:cNvSpPr/>
+          <p:cNvSpPr>
+            <a:spLocks noGrp="1" noRot="1" noChangeAspect="1"/>
+          </p:cNvSpPr>
           <p:nvPr>
             <p:ph type="sldImg"/>
           </p:nvPr>
@@ -145,13 +143,16 @@
           <a:lstStyle/>
           <a:p>
             <a:pPr lvl="0"/>
+            <a:endParaRPr/>
           </a:p>
         </p:txBody>
       </p:sp>
       <p:sp>
         <p:nvSpPr>
           <p:cNvPr id="30" name="Shape 30"/>
-          <p:cNvSpPr/>
+          <p:cNvSpPr>
+            <a:spLocks noGrp="1"/>
+          </p:cNvSpPr>
           <p:nvPr>
             <p:ph type="body" sz="quarter" idx="1"/>
           </p:nvPr>
@@ -170,10 +171,16 @@
           <a:lstStyle/>
           <a:p>
             <a:pPr lvl="0"/>
+            <a:endParaRPr/>
           </a:p>
         </p:txBody>
       </p:sp>
     </p:spTree>
+    <p:extLst>
+      <p:ext uri="{BB962C8B-B14F-4D97-AF65-F5344CB8AC3E}">
+        <p14:creationId xmlns:p14="http://schemas.microsoft.com/office/powerpoint/2010/main" val="2928843312"/>
+      </p:ext>
+    </p:extLst>
   </p:cSld>
   <p:clrMap bg1="lt1" tx1="dk1" bg2="lt2" tx2="dk2" accent1="accent1" accent2="accent2" accent3="accent3" accent4="accent4" accent5="accent5" accent6="accent6" hlink="hlink" folHlink="folHlink"/>
   <p:notesStyle>
@@ -281,8 +288,8 @@
 </file>
 
 <file path=ppt/slideLayouts/slideLayout1.xml><?xml version="1.0" encoding="utf-8"?>
-<p:sldLayout xmlns:a="http://schemas.openxmlformats.org/drawingml/2006/main" xmlns:r="http://schemas.openxmlformats.org/officeDocument/2006/relationships" xmlns:p="http://schemas.openxmlformats.org/presentationml/2006/main" type="tx" showMasterSp="1" showMasterPhAnim="1">
-  <p:cSld name="Title &amp; Subtitle">
+<p:sldLayout xmlns:a="http://schemas.openxmlformats.org/drawingml/2006/main" xmlns:r="http://schemas.openxmlformats.org/officeDocument/2006/relationships" xmlns:p="http://schemas.openxmlformats.org/presentationml/2006/main" type="tx">
+  <p:cSld name="Title - Center">
     <p:spTree>
       <p:nvGrpSpPr>
         <p:cNvPr id="1" name=""/>
@@ -299,15 +306,17 @@
       </p:grpSpPr>
       <p:sp>
         <p:nvSpPr>
-          <p:cNvPr id="5" name="Shape 5"/>
-          <p:cNvSpPr/>
+          <p:cNvPr id="11" name="Shape 11"/>
+          <p:cNvSpPr>
+            <a:spLocks noGrp="1"/>
+          </p:cNvSpPr>
           <p:nvPr>
             <p:ph type="title"/>
           </p:nvPr>
         </p:nvSpPr>
         <p:spPr>
           <a:xfrm>
-            <a:off x="1270000" y="1638300"/>
+            <a:off x="1270000" y="3225800"/>
             <a:ext cx="10464800" cy="3302000"/>
           </a:xfrm>
           <a:prstGeom prst="rect">
@@ -315,7 +324,7 @@
           </a:prstGeom>
         </p:spPr>
         <p:txBody>
-          <a:bodyPr anchor="b"/>
+          <a:bodyPr/>
           <a:lstStyle/>
           <a:p>
             <a:pPr lvl="0">
@@ -324,118 +333,6 @@
             <a:r>
               <a:rPr sz="8000"/>
               <a:t>Title Text</a:t>
-            </a:r>
-          </a:p>
-        </p:txBody>
-      </p:sp>
-      <p:sp>
-        <p:nvSpPr>
-          <p:cNvPr id="6" name="Shape 6"/>
-          <p:cNvSpPr/>
-          <p:nvPr>
-            <p:ph type="body" idx="1"/>
-          </p:nvPr>
-        </p:nvSpPr>
-        <p:spPr>
-          <a:xfrm>
-            <a:off x="1270000" y="5029200"/>
-            <a:ext cx="10464800" cy="1130300"/>
-          </a:xfrm>
-          <a:prstGeom prst="rect">
-            <a:avLst/>
-          </a:prstGeom>
-        </p:spPr>
-        <p:txBody>
-          <a:bodyPr anchor="t"/>
-          <a:lstStyle>
-            <a:lvl1pPr marL="0" indent="0" algn="ctr">
-              <a:spcBef>
-                <a:spcPts val="0"/>
-              </a:spcBef>
-              <a:buSzTx/>
-              <a:buNone/>
-              <a:defRPr sz="3200"/>
-            </a:lvl1pPr>
-            <a:lvl2pPr marL="0" indent="228600" algn="ctr">
-              <a:spcBef>
-                <a:spcPts val="0"/>
-              </a:spcBef>
-              <a:buSzTx/>
-              <a:buNone/>
-              <a:defRPr sz="3200"/>
-            </a:lvl2pPr>
-            <a:lvl3pPr marL="0" indent="457200" algn="ctr">
-              <a:spcBef>
-                <a:spcPts val="0"/>
-              </a:spcBef>
-              <a:buSzTx/>
-              <a:buNone/>
-              <a:defRPr sz="3200"/>
-            </a:lvl3pPr>
-            <a:lvl4pPr marL="0" indent="685800" algn="ctr">
-              <a:spcBef>
-                <a:spcPts val="0"/>
-              </a:spcBef>
-              <a:buSzTx/>
-              <a:buNone/>
-              <a:defRPr sz="3200"/>
-            </a:lvl4pPr>
-            <a:lvl5pPr marL="0" indent="914400" algn="ctr">
-              <a:spcBef>
-                <a:spcPts val="0"/>
-              </a:spcBef>
-              <a:buSzTx/>
-              <a:buNone/>
-              <a:defRPr sz="3200"/>
-            </a:lvl5pPr>
-          </a:lstStyle>
-          <a:p>
-            <a:pPr lvl="0">
-              <a:defRPr sz="1800"/>
-            </a:pPr>
-            <a:r>
-              <a:rPr sz="3200"/>
-              <a:t>Body Level One</a:t>
-            </a:r>
-            <a:endParaRPr sz="3200"/>
-          </a:p>
-          <a:p>
-            <a:pPr lvl="1">
-              <a:defRPr sz="1800"/>
-            </a:pPr>
-            <a:r>
-              <a:rPr sz="3200"/>
-              <a:t>Body Level Two</a:t>
-            </a:r>
-            <a:endParaRPr sz="3200"/>
-          </a:p>
-          <a:p>
-            <a:pPr lvl="2">
-              <a:defRPr sz="1800"/>
-            </a:pPr>
-            <a:r>
-              <a:rPr sz="3200"/>
-              <a:t>Body Level Three</a:t>
-            </a:r>
-            <a:endParaRPr sz="3200"/>
-          </a:p>
-          <a:p>
-            <a:pPr lvl="3">
-              <a:defRPr sz="1800"/>
-            </a:pPr>
-            <a:r>
-              <a:rPr sz="3200"/>
-              <a:t>Body Level Four</a:t>
-            </a:r>
-            <a:endParaRPr sz="3200"/>
-          </a:p>
-          <a:p>
-            <a:pPr lvl="4">
-              <a:defRPr sz="1800"/>
-            </a:pPr>
-            <a:r>
-              <a:rPr sz="3200"/>
-              <a:t>Body Level Five</a:t>
             </a:r>
           </a:p>
         </p:txBody>
@@ -445,64 +342,12 @@
   <p:clrMapOvr>
     <a:masterClrMapping/>
   </p:clrMapOvr>
-  <p:transition spd="med" advClick="1"/>
+  <p:transition xmlns:p14="http://schemas.microsoft.com/office/powerpoint/2010/main" spd="med"/>
 </p:sldLayout>
 </file>
 
 <file path=ppt/slideLayouts/slideLayout10.xml><?xml version="1.0" encoding="utf-8"?>
-<p:sldLayout xmlns:a="http://schemas.openxmlformats.org/drawingml/2006/main" xmlns:r="http://schemas.openxmlformats.org/officeDocument/2006/relationships" xmlns:p="http://schemas.openxmlformats.org/presentationml/2006/main" type="tx" showMasterSp="1" showMasterPhAnim="1">
-  <p:cSld name="Quote">
-    <p:spTree>
-      <p:nvGrpSpPr>
-        <p:cNvPr id="1" name=""/>
-        <p:cNvGrpSpPr/>
-        <p:nvPr/>
-      </p:nvGrpSpPr>
-      <p:grpSpPr>
-        <a:xfrm>
-          <a:off x="0" y="0"/>
-          <a:ext cx="0" cy="0"/>
-          <a:chOff x="0" y="0"/>
-          <a:chExt cx="0" cy="0"/>
-        </a:xfrm>
-      </p:grpSpPr>
-    </p:spTree>
-  </p:cSld>
-  <p:clrMapOvr>
-    <a:masterClrMapping/>
-  </p:clrMapOvr>
-  <p:transition spd="med" advClick="1"/>
-</p:sldLayout>
-</file>
-
-<file path=ppt/slideLayouts/slideLayout11.xml><?xml version="1.0" encoding="utf-8"?>
-<p:sldLayout xmlns:a="http://schemas.openxmlformats.org/drawingml/2006/main" xmlns:r="http://schemas.openxmlformats.org/officeDocument/2006/relationships" xmlns:p="http://schemas.openxmlformats.org/presentationml/2006/main" type="tx" showMasterSp="1" showMasterPhAnim="1">
-  <p:cSld name="Photo">
-    <p:spTree>
-      <p:nvGrpSpPr>
-        <p:cNvPr id="1" name=""/>
-        <p:cNvGrpSpPr/>
-        <p:nvPr/>
-      </p:nvGrpSpPr>
-      <p:grpSpPr>
-        <a:xfrm>
-          <a:off x="0" y="0"/>
-          <a:ext cx="0" cy="0"/>
-          <a:chOff x="0" y="0"/>
-          <a:chExt cx="0" cy="0"/>
-        </a:xfrm>
-      </p:grpSpPr>
-    </p:spTree>
-  </p:cSld>
-  <p:clrMapOvr>
-    <a:masterClrMapping/>
-  </p:clrMapOvr>
-  <p:transition spd="med" advClick="1"/>
-</p:sldLayout>
-</file>
-
-<file path=ppt/slideLayouts/slideLayout12.xml><?xml version="1.0" encoding="utf-8"?>
-<p:sldLayout xmlns:a="http://schemas.openxmlformats.org/drawingml/2006/main" xmlns:r="http://schemas.openxmlformats.org/officeDocument/2006/relationships" xmlns:p="http://schemas.openxmlformats.org/presentationml/2006/main" type="tx" showMasterSp="1" showMasterPhAnim="1">
+<p:sldLayout xmlns:a="http://schemas.openxmlformats.org/drawingml/2006/main" xmlns:r="http://schemas.openxmlformats.org/officeDocument/2006/relationships" xmlns:p="http://schemas.openxmlformats.org/presentationml/2006/main" type="tx">
   <p:cSld name="Blank">
     <p:spTree>
       <p:nvGrpSpPr>
@@ -523,238 +368,12 @@
   <p:clrMapOvr>
     <a:masterClrMapping/>
   </p:clrMapOvr>
-  <p:transition spd="med" advClick="1"/>
+  <p:transition xmlns:p14="http://schemas.microsoft.com/office/powerpoint/2010/main" spd="med"/>
 </p:sldLayout>
 </file>
 
 <file path=ppt/slideLayouts/slideLayout2.xml><?xml version="1.0" encoding="utf-8"?>
-<p:sldLayout xmlns:a="http://schemas.openxmlformats.org/drawingml/2006/main" xmlns:r="http://schemas.openxmlformats.org/officeDocument/2006/relationships" xmlns:p="http://schemas.openxmlformats.org/presentationml/2006/main" type="tx" showMasterSp="1" showMasterPhAnim="1">
-  <p:cSld name="Photo - Horizontal">
-    <p:spTree>
-      <p:nvGrpSpPr>
-        <p:cNvPr id="1" name=""/>
-        <p:cNvGrpSpPr/>
-        <p:nvPr/>
-      </p:nvGrpSpPr>
-      <p:grpSpPr>
-        <a:xfrm>
-          <a:off x="0" y="0"/>
-          <a:ext cx="0" cy="0"/>
-          <a:chOff x="0" y="0"/>
-          <a:chExt cx="0" cy="0"/>
-        </a:xfrm>
-      </p:grpSpPr>
-      <p:sp>
-        <p:nvSpPr>
-          <p:cNvPr id="8" name="Shape 8"/>
-          <p:cNvSpPr/>
-          <p:nvPr>
-            <p:ph type="title"/>
-          </p:nvPr>
-        </p:nvSpPr>
-        <p:spPr>
-          <a:xfrm>
-            <a:off x="1270000" y="6718300"/>
-            <a:ext cx="10464800" cy="1422400"/>
-          </a:xfrm>
-          <a:prstGeom prst="rect">
-            <a:avLst/>
-          </a:prstGeom>
-        </p:spPr>
-        <p:txBody>
-          <a:bodyPr anchor="b"/>
-          <a:lstStyle/>
-          <a:p>
-            <a:pPr lvl="0">
-              <a:defRPr sz="1800"/>
-            </a:pPr>
-            <a:r>
-              <a:rPr sz="8000"/>
-              <a:t>Title Text</a:t>
-            </a:r>
-          </a:p>
-        </p:txBody>
-      </p:sp>
-      <p:sp>
-        <p:nvSpPr>
-          <p:cNvPr id="9" name="Shape 9"/>
-          <p:cNvSpPr/>
-          <p:nvPr>
-            <p:ph type="body" idx="1"/>
-          </p:nvPr>
-        </p:nvSpPr>
-        <p:spPr>
-          <a:xfrm>
-            <a:off x="1270000" y="8191500"/>
-            <a:ext cx="10464800" cy="1130300"/>
-          </a:xfrm>
-          <a:prstGeom prst="rect">
-            <a:avLst/>
-          </a:prstGeom>
-        </p:spPr>
-        <p:txBody>
-          <a:bodyPr anchor="t"/>
-          <a:lstStyle>
-            <a:lvl1pPr marL="0" indent="0" algn="ctr">
-              <a:spcBef>
-                <a:spcPts val="0"/>
-              </a:spcBef>
-              <a:buSzTx/>
-              <a:buNone/>
-              <a:defRPr sz="3200"/>
-            </a:lvl1pPr>
-            <a:lvl2pPr marL="0" indent="228600" algn="ctr">
-              <a:spcBef>
-                <a:spcPts val="0"/>
-              </a:spcBef>
-              <a:buSzTx/>
-              <a:buNone/>
-              <a:defRPr sz="3200"/>
-            </a:lvl2pPr>
-            <a:lvl3pPr marL="0" indent="457200" algn="ctr">
-              <a:spcBef>
-                <a:spcPts val="0"/>
-              </a:spcBef>
-              <a:buSzTx/>
-              <a:buNone/>
-              <a:defRPr sz="3200"/>
-            </a:lvl3pPr>
-            <a:lvl4pPr marL="0" indent="685800" algn="ctr">
-              <a:spcBef>
-                <a:spcPts val="0"/>
-              </a:spcBef>
-              <a:buSzTx/>
-              <a:buNone/>
-              <a:defRPr sz="3200"/>
-            </a:lvl4pPr>
-            <a:lvl5pPr marL="0" indent="914400" algn="ctr">
-              <a:spcBef>
-                <a:spcPts val="0"/>
-              </a:spcBef>
-              <a:buSzTx/>
-              <a:buNone/>
-              <a:defRPr sz="3200"/>
-            </a:lvl5pPr>
-          </a:lstStyle>
-          <a:p>
-            <a:pPr lvl="0">
-              <a:defRPr sz="1800"/>
-            </a:pPr>
-            <a:r>
-              <a:rPr sz="3200"/>
-              <a:t>Body Level One</a:t>
-            </a:r>
-            <a:endParaRPr sz="3200"/>
-          </a:p>
-          <a:p>
-            <a:pPr lvl="1">
-              <a:defRPr sz="1800"/>
-            </a:pPr>
-            <a:r>
-              <a:rPr sz="3200"/>
-              <a:t>Body Level Two</a:t>
-            </a:r>
-            <a:endParaRPr sz="3200"/>
-          </a:p>
-          <a:p>
-            <a:pPr lvl="2">
-              <a:defRPr sz="1800"/>
-            </a:pPr>
-            <a:r>
-              <a:rPr sz="3200"/>
-              <a:t>Body Level Three</a:t>
-            </a:r>
-            <a:endParaRPr sz="3200"/>
-          </a:p>
-          <a:p>
-            <a:pPr lvl="3">
-              <a:defRPr sz="1800"/>
-            </a:pPr>
-            <a:r>
-              <a:rPr sz="3200"/>
-              <a:t>Body Level Four</a:t>
-            </a:r>
-            <a:endParaRPr sz="3200"/>
-          </a:p>
-          <a:p>
-            <a:pPr lvl="4">
-              <a:defRPr sz="1800"/>
-            </a:pPr>
-            <a:r>
-              <a:rPr sz="3200"/>
-              <a:t>Body Level Five</a:t>
-            </a:r>
-          </a:p>
-        </p:txBody>
-      </p:sp>
-    </p:spTree>
-  </p:cSld>
-  <p:clrMapOvr>
-    <a:masterClrMapping/>
-  </p:clrMapOvr>
-  <p:transition spd="med" advClick="1"/>
-</p:sldLayout>
-</file>
-
-<file path=ppt/slideLayouts/slideLayout3.xml><?xml version="1.0" encoding="utf-8"?>
-<p:sldLayout xmlns:a="http://schemas.openxmlformats.org/drawingml/2006/main" xmlns:r="http://schemas.openxmlformats.org/officeDocument/2006/relationships" xmlns:p="http://schemas.openxmlformats.org/presentationml/2006/main" type="tx" showMasterSp="1" showMasterPhAnim="1">
-  <p:cSld name="Title - Center">
-    <p:spTree>
-      <p:nvGrpSpPr>
-        <p:cNvPr id="1" name=""/>
-        <p:cNvGrpSpPr/>
-        <p:nvPr/>
-      </p:nvGrpSpPr>
-      <p:grpSpPr>
-        <a:xfrm>
-          <a:off x="0" y="0"/>
-          <a:ext cx="0" cy="0"/>
-          <a:chOff x="0" y="0"/>
-          <a:chExt cx="0" cy="0"/>
-        </a:xfrm>
-      </p:grpSpPr>
-      <p:sp>
-        <p:nvSpPr>
-          <p:cNvPr id="11" name="Shape 11"/>
-          <p:cNvSpPr/>
-          <p:nvPr>
-            <p:ph type="title"/>
-          </p:nvPr>
-        </p:nvSpPr>
-        <p:spPr>
-          <a:xfrm>
-            <a:off x="1270000" y="3225800"/>
-            <a:ext cx="10464800" cy="3302000"/>
-          </a:xfrm>
-          <a:prstGeom prst="rect">
-            <a:avLst/>
-          </a:prstGeom>
-        </p:spPr>
-        <p:txBody>
-          <a:bodyPr/>
-          <a:lstStyle/>
-          <a:p>
-            <a:pPr lvl="0">
-              <a:defRPr sz="1800"/>
-            </a:pPr>
-            <a:r>
-              <a:rPr sz="8000"/>
-              <a:t>Title Text</a:t>
-            </a:r>
-          </a:p>
-        </p:txBody>
-      </p:sp>
-    </p:spTree>
-  </p:cSld>
-  <p:clrMapOvr>
-    <a:masterClrMapping/>
-  </p:clrMapOvr>
-  <p:transition spd="med" advClick="1"/>
-</p:sldLayout>
-</file>
-
-<file path=ppt/slideLayouts/slideLayout4.xml><?xml version="1.0" encoding="utf-8"?>
-<p:sldLayout xmlns:a="http://schemas.openxmlformats.org/drawingml/2006/main" xmlns:r="http://schemas.openxmlformats.org/officeDocument/2006/relationships" xmlns:p="http://schemas.openxmlformats.org/presentationml/2006/main" type="tx" showMasterSp="1" showMasterPhAnim="1">
+<p:sldLayout xmlns:a="http://schemas.openxmlformats.org/drawingml/2006/main" xmlns:r="http://schemas.openxmlformats.org/officeDocument/2006/relationships" xmlns:p="http://schemas.openxmlformats.org/presentationml/2006/main" type="tx">
   <p:cSld name="Photo - Vertical">
     <p:spTree>
       <p:nvGrpSpPr>
@@ -773,7 +392,9 @@
       <p:sp>
         <p:nvSpPr>
           <p:cNvPr id="13" name="Shape 13"/>
-          <p:cNvSpPr/>
+          <p:cNvSpPr>
+            <a:spLocks noGrp="1"/>
+          </p:cNvSpPr>
           <p:nvPr>
             <p:ph type="title"/>
           </p:nvPr>
@@ -808,7 +429,9 @@
       <p:sp>
         <p:nvSpPr>
           <p:cNvPr id="14" name="Shape 14"/>
-          <p:cNvSpPr/>
+          <p:cNvSpPr>
+            <a:spLocks noGrp="1"/>
+          </p:cNvSpPr>
           <p:nvPr>
             <p:ph type="body" idx="1"/>
           </p:nvPr>
@@ -874,7 +497,6 @@
               <a:rPr sz="3200"/>
               <a:t>Body Level One</a:t>
             </a:r>
-            <a:endParaRPr sz="3200"/>
           </a:p>
           <a:p>
             <a:pPr lvl="1">
@@ -884,7 +506,6 @@
               <a:rPr sz="3200"/>
               <a:t>Body Level Two</a:t>
             </a:r>
-            <a:endParaRPr sz="3200"/>
           </a:p>
           <a:p>
             <a:pPr lvl="2">
@@ -894,7 +515,6 @@
               <a:rPr sz="3200"/>
               <a:t>Body Level Three</a:t>
             </a:r>
-            <a:endParaRPr sz="3200"/>
           </a:p>
           <a:p>
             <a:pPr lvl="3">
@@ -904,7 +524,6 @@
               <a:rPr sz="3200"/>
               <a:t>Body Level Four</a:t>
             </a:r>
-            <a:endParaRPr sz="3200"/>
           </a:p>
           <a:p>
             <a:pPr lvl="4">
@@ -922,12 +541,12 @@
   <p:clrMapOvr>
     <a:masterClrMapping/>
   </p:clrMapOvr>
-  <p:transition spd="med" advClick="1"/>
+  <p:transition xmlns:p14="http://schemas.microsoft.com/office/powerpoint/2010/main" spd="med"/>
 </p:sldLayout>
 </file>
 
-<file path=ppt/slideLayouts/slideLayout5.xml><?xml version="1.0" encoding="utf-8"?>
-<p:sldLayout xmlns:a="http://schemas.openxmlformats.org/drawingml/2006/main" xmlns:r="http://schemas.openxmlformats.org/officeDocument/2006/relationships" xmlns:p="http://schemas.openxmlformats.org/presentationml/2006/main" type="tx" showMasterSp="1" showMasterPhAnim="1">
+<file path=ppt/slideLayouts/slideLayout3.xml><?xml version="1.0" encoding="utf-8"?>
+<p:sldLayout xmlns:a="http://schemas.openxmlformats.org/drawingml/2006/main" xmlns:r="http://schemas.openxmlformats.org/officeDocument/2006/relationships" xmlns:p="http://schemas.openxmlformats.org/presentationml/2006/main" type="tx">
   <p:cSld name="Title - Top">
     <p:spTree>
       <p:nvGrpSpPr>
@@ -946,7 +565,9 @@
       <p:sp>
         <p:nvSpPr>
           <p:cNvPr id="16" name="Shape 16"/>
-          <p:cNvSpPr/>
+          <p:cNvSpPr>
+            <a:spLocks noGrp="1"/>
+          </p:cNvSpPr>
           <p:nvPr>
             <p:ph type="title"/>
           </p:nvPr>
@@ -975,12 +596,12 @@
   <p:clrMapOvr>
     <a:masterClrMapping/>
   </p:clrMapOvr>
-  <p:transition spd="med" advClick="1"/>
+  <p:transition xmlns:p14="http://schemas.microsoft.com/office/powerpoint/2010/main" spd="med"/>
 </p:sldLayout>
 </file>
 
-<file path=ppt/slideLayouts/slideLayout6.xml><?xml version="1.0" encoding="utf-8"?>
-<p:sldLayout xmlns:a="http://schemas.openxmlformats.org/drawingml/2006/main" xmlns:r="http://schemas.openxmlformats.org/officeDocument/2006/relationships" xmlns:p="http://schemas.openxmlformats.org/presentationml/2006/main" type="tx" showMasterSp="1" showMasterPhAnim="1">
+<file path=ppt/slideLayouts/slideLayout4.xml><?xml version="1.0" encoding="utf-8"?>
+<p:sldLayout xmlns:a="http://schemas.openxmlformats.org/drawingml/2006/main" xmlns:r="http://schemas.openxmlformats.org/officeDocument/2006/relationships" xmlns:p="http://schemas.openxmlformats.org/presentationml/2006/main" type="tx">
   <p:cSld name="Title &amp; Bullets">
     <p:spTree>
       <p:nvGrpSpPr>
@@ -999,7 +620,9 @@
       <p:sp>
         <p:nvSpPr>
           <p:cNvPr id="18" name="Shape 18"/>
-          <p:cNvSpPr/>
+          <p:cNvSpPr>
+            <a:spLocks noGrp="1"/>
+          </p:cNvSpPr>
           <p:nvPr>
             <p:ph type="title"/>
           </p:nvPr>
@@ -1026,7 +649,9 @@
       <p:sp>
         <p:nvSpPr>
           <p:cNvPr id="19" name="Shape 19"/>
-          <p:cNvSpPr/>
+          <p:cNvSpPr>
+            <a:spLocks noGrp="1"/>
+          </p:cNvSpPr>
           <p:nvPr>
             <p:ph type="body" idx="1"/>
           </p:nvPr>
@@ -1047,7 +672,6 @@
               <a:rPr sz="3600"/>
               <a:t>Body Level One</a:t>
             </a:r>
-            <a:endParaRPr sz="3600"/>
           </a:p>
           <a:p>
             <a:pPr lvl="1">
@@ -1057,7 +681,6 @@
               <a:rPr sz="3600"/>
               <a:t>Body Level Two</a:t>
             </a:r>
-            <a:endParaRPr sz="3600"/>
           </a:p>
           <a:p>
             <a:pPr lvl="2">
@@ -1067,7 +690,6 @@
               <a:rPr sz="3600"/>
               <a:t>Body Level Three</a:t>
             </a:r>
-            <a:endParaRPr sz="3600"/>
           </a:p>
           <a:p>
             <a:pPr lvl="3">
@@ -1077,7 +699,6 @@
               <a:rPr sz="3600"/>
               <a:t>Body Level Four</a:t>
             </a:r>
-            <a:endParaRPr sz="3600"/>
           </a:p>
           <a:p>
             <a:pPr lvl="4">
@@ -1095,12 +716,12 @@
   <p:clrMapOvr>
     <a:masterClrMapping/>
   </p:clrMapOvr>
-  <p:transition spd="med" advClick="1"/>
+  <p:transition xmlns:p14="http://schemas.microsoft.com/office/powerpoint/2010/main" spd="med"/>
 </p:sldLayout>
 </file>
 
-<file path=ppt/slideLayouts/slideLayout7.xml><?xml version="1.0" encoding="utf-8"?>
-<p:sldLayout xmlns:a="http://schemas.openxmlformats.org/drawingml/2006/main" xmlns:r="http://schemas.openxmlformats.org/officeDocument/2006/relationships" xmlns:p="http://schemas.openxmlformats.org/presentationml/2006/main" type="tx" showMasterSp="1" showMasterPhAnim="1">
+<file path=ppt/slideLayouts/slideLayout5.xml><?xml version="1.0" encoding="utf-8"?>
+<p:sldLayout xmlns:a="http://schemas.openxmlformats.org/drawingml/2006/main" xmlns:r="http://schemas.openxmlformats.org/officeDocument/2006/relationships" xmlns:p="http://schemas.openxmlformats.org/presentationml/2006/main" type="tx">
   <p:cSld name="Title, Bullets &amp; Photo">
     <p:spTree>
       <p:nvGrpSpPr>
@@ -1119,7 +740,9 @@
       <p:sp>
         <p:nvSpPr>
           <p:cNvPr id="21" name="Shape 21"/>
-          <p:cNvSpPr/>
+          <p:cNvSpPr>
+            <a:spLocks noGrp="1"/>
+          </p:cNvSpPr>
           <p:nvPr>
             <p:ph type="title"/>
           </p:nvPr>
@@ -1146,7 +769,9 @@
       <p:sp>
         <p:nvSpPr>
           <p:cNvPr id="22" name="Shape 22"/>
-          <p:cNvSpPr/>
+          <p:cNvSpPr>
+            <a:spLocks noGrp="1"/>
+          </p:cNvSpPr>
           <p:nvPr>
             <p:ph type="body" idx="1"/>
           </p:nvPr>
@@ -1202,7 +827,6 @@
               <a:rPr sz="2800"/>
               <a:t>Body Level One</a:t>
             </a:r>
-            <a:endParaRPr sz="2800"/>
           </a:p>
           <a:p>
             <a:pPr lvl="1">
@@ -1212,7 +836,6 @@
               <a:rPr sz="2800"/>
               <a:t>Body Level Two</a:t>
             </a:r>
-            <a:endParaRPr sz="2800"/>
           </a:p>
           <a:p>
             <a:pPr lvl="2">
@@ -1222,7 +845,6 @@
               <a:rPr sz="2800"/>
               <a:t>Body Level Three</a:t>
             </a:r>
-            <a:endParaRPr sz="2800"/>
           </a:p>
           <a:p>
             <a:pPr lvl="3">
@@ -1232,7 +854,6 @@
               <a:rPr sz="2800"/>
               <a:t>Body Level Four</a:t>
             </a:r>
-            <a:endParaRPr sz="2800"/>
           </a:p>
           <a:p>
             <a:pPr lvl="4">
@@ -1250,12 +871,12 @@
   <p:clrMapOvr>
     <a:masterClrMapping/>
   </p:clrMapOvr>
-  <p:transition spd="med" advClick="1"/>
+  <p:transition xmlns:p14="http://schemas.microsoft.com/office/powerpoint/2010/main" spd="med"/>
 </p:sldLayout>
 </file>
 
-<file path=ppt/slideLayouts/slideLayout8.xml><?xml version="1.0" encoding="utf-8"?>
-<p:sldLayout xmlns:a="http://schemas.openxmlformats.org/drawingml/2006/main" xmlns:r="http://schemas.openxmlformats.org/officeDocument/2006/relationships" xmlns:p="http://schemas.openxmlformats.org/presentationml/2006/main" type="tx" showMasterSp="1" showMasterPhAnim="1">
+<file path=ppt/slideLayouts/slideLayout6.xml><?xml version="1.0" encoding="utf-8"?>
+<p:sldLayout xmlns:a="http://schemas.openxmlformats.org/drawingml/2006/main" xmlns:r="http://schemas.openxmlformats.org/officeDocument/2006/relationships" xmlns:p="http://schemas.openxmlformats.org/presentationml/2006/main" type="tx">
   <p:cSld name="Bullets">
     <p:spTree>
       <p:nvGrpSpPr>
@@ -1274,7 +895,9 @@
       <p:sp>
         <p:nvSpPr>
           <p:cNvPr id="24" name="Shape 24"/>
-          <p:cNvSpPr/>
+          <p:cNvSpPr>
+            <a:spLocks noGrp="1"/>
+          </p:cNvSpPr>
           <p:nvPr>
             <p:ph type="body" idx="1"/>
           </p:nvPr>
@@ -1299,7 +922,6 @@
               <a:rPr sz="3600"/>
               <a:t>Body Level One</a:t>
             </a:r>
-            <a:endParaRPr sz="3600"/>
           </a:p>
           <a:p>
             <a:pPr lvl="1">
@@ -1309,7 +931,6 @@
               <a:rPr sz="3600"/>
               <a:t>Body Level Two</a:t>
             </a:r>
-            <a:endParaRPr sz="3600"/>
           </a:p>
           <a:p>
             <a:pPr lvl="2">
@@ -1319,7 +940,6 @@
               <a:rPr sz="3600"/>
               <a:t>Body Level Three</a:t>
             </a:r>
-            <a:endParaRPr sz="3600"/>
           </a:p>
           <a:p>
             <a:pPr lvl="3">
@@ -1329,7 +949,6 @@
               <a:rPr sz="3600"/>
               <a:t>Body Level Four</a:t>
             </a:r>
-            <a:endParaRPr sz="3600"/>
           </a:p>
           <a:p>
             <a:pPr lvl="4">
@@ -1347,12 +966,12 @@
   <p:clrMapOvr>
     <a:masterClrMapping/>
   </p:clrMapOvr>
-  <p:transition spd="med" advClick="1"/>
+  <p:transition xmlns:p14="http://schemas.microsoft.com/office/powerpoint/2010/main" spd="med"/>
 </p:sldLayout>
 </file>
 
-<file path=ppt/slideLayouts/slideLayout9.xml><?xml version="1.0" encoding="utf-8"?>
-<p:sldLayout xmlns:a="http://schemas.openxmlformats.org/drawingml/2006/main" xmlns:r="http://schemas.openxmlformats.org/officeDocument/2006/relationships" xmlns:p="http://schemas.openxmlformats.org/presentationml/2006/main" type="tx" showMasterSp="1" showMasterPhAnim="1">
+<file path=ppt/slideLayouts/slideLayout7.xml><?xml version="1.0" encoding="utf-8"?>
+<p:sldLayout xmlns:a="http://schemas.openxmlformats.org/drawingml/2006/main" xmlns:r="http://schemas.openxmlformats.org/officeDocument/2006/relationships" xmlns:p="http://schemas.openxmlformats.org/presentationml/2006/main" type="tx">
   <p:cSld name="Photo - 3 Up">
     <p:spTree>
       <p:nvGrpSpPr>
@@ -1373,7 +992,59 @@
   <p:clrMapOvr>
     <a:masterClrMapping/>
   </p:clrMapOvr>
-  <p:transition spd="med" advClick="1"/>
+  <p:transition xmlns:p14="http://schemas.microsoft.com/office/powerpoint/2010/main" spd="med"/>
+</p:sldLayout>
+</file>
+
+<file path=ppt/slideLayouts/slideLayout8.xml><?xml version="1.0" encoding="utf-8"?>
+<p:sldLayout xmlns:a="http://schemas.openxmlformats.org/drawingml/2006/main" xmlns:r="http://schemas.openxmlformats.org/officeDocument/2006/relationships" xmlns:p="http://schemas.openxmlformats.org/presentationml/2006/main" type="tx">
+  <p:cSld name="Quote">
+    <p:spTree>
+      <p:nvGrpSpPr>
+        <p:cNvPr id="1" name=""/>
+        <p:cNvGrpSpPr/>
+        <p:nvPr/>
+      </p:nvGrpSpPr>
+      <p:grpSpPr>
+        <a:xfrm>
+          <a:off x="0" y="0"/>
+          <a:ext cx="0" cy="0"/>
+          <a:chOff x="0" y="0"/>
+          <a:chExt cx="0" cy="0"/>
+        </a:xfrm>
+      </p:grpSpPr>
+    </p:spTree>
+  </p:cSld>
+  <p:clrMapOvr>
+    <a:masterClrMapping/>
+  </p:clrMapOvr>
+  <p:transition xmlns:p14="http://schemas.microsoft.com/office/powerpoint/2010/main" spd="med"/>
+</p:sldLayout>
+</file>
+
+<file path=ppt/slideLayouts/slideLayout9.xml><?xml version="1.0" encoding="utf-8"?>
+<p:sldLayout xmlns:a="http://schemas.openxmlformats.org/drawingml/2006/main" xmlns:r="http://schemas.openxmlformats.org/officeDocument/2006/relationships" xmlns:p="http://schemas.openxmlformats.org/presentationml/2006/main" type="tx">
+  <p:cSld name="Photo">
+    <p:spTree>
+      <p:nvGrpSpPr>
+        <p:cNvPr id="1" name=""/>
+        <p:cNvGrpSpPr/>
+        <p:nvPr/>
+      </p:nvGrpSpPr>
+      <p:grpSpPr>
+        <a:xfrm>
+          <a:off x="0" y="0"/>
+          <a:ext cx="0" cy="0"/>
+          <a:chOff x="0" y="0"/>
+          <a:chExt cx="0" cy="0"/>
+        </a:xfrm>
+      </p:grpSpPr>
+    </p:spTree>
+  </p:cSld>
+  <p:clrMapOvr>
+    <a:masterClrMapping/>
+  </p:clrMapOvr>
+  <p:transition xmlns:p14="http://schemas.microsoft.com/office/powerpoint/2010/main" spd="med"/>
 </p:sldLayout>
 </file>
 
@@ -1385,6 +1056,7 @@
         <a:solidFill>
           <a:srgbClr val="FFFFFF"/>
         </a:solidFill>
+        <a:effectLst/>
       </p:bgPr>
     </p:bg>
     <p:spTree>
@@ -1404,7 +1076,9 @@
       <p:sp>
         <p:nvSpPr>
           <p:cNvPr id="2" name="Shape 2"/>
-          <p:cNvSpPr/>
+          <p:cNvSpPr>
+            <a:spLocks noGrp="1"/>
+          </p:cNvSpPr>
           <p:nvPr>
             <p:ph type="title"/>
           </p:nvPr>
@@ -1428,7 +1102,7 @@
         </p:spPr>
         <p:txBody>
           <a:bodyPr lIns="0" tIns="0" rIns="0" bIns="0" anchor="ctr">
-            <a:normAutofit fontScale="100000" lnSpcReduction="0"/>
+            <a:normAutofit/>
           </a:bodyPr>
           <a:lstStyle/>
           <a:p>
@@ -1445,7 +1119,9 @@
       <p:sp>
         <p:nvSpPr>
           <p:cNvPr id="3" name="Shape 3"/>
-          <p:cNvSpPr/>
+          <p:cNvSpPr>
+            <a:spLocks noGrp="1"/>
+          </p:cNvSpPr>
           <p:nvPr>
             <p:ph type="body" idx="1"/>
           </p:nvPr>
@@ -1469,7 +1145,7 @@
         </p:spPr>
         <p:txBody>
           <a:bodyPr lIns="0" tIns="0" rIns="0" bIns="0" anchor="ctr">
-            <a:normAutofit fontScale="100000" lnSpcReduction="0"/>
+            <a:normAutofit/>
           </a:bodyPr>
           <a:lstStyle/>
           <a:p>
@@ -1480,7 +1156,6 @@
               <a:rPr sz="3600"/>
               <a:t>Body Level One</a:t>
             </a:r>
-            <a:endParaRPr sz="3600"/>
           </a:p>
           <a:p>
             <a:pPr lvl="1">
@@ -1490,7 +1165,6 @@
               <a:rPr sz="3600"/>
               <a:t>Body Level Two</a:t>
             </a:r>
-            <a:endParaRPr sz="3600"/>
           </a:p>
           <a:p>
             <a:pPr lvl="2">
@@ -1500,7 +1174,6 @@
               <a:rPr sz="3600"/>
               <a:t>Body Level Three</a:t>
             </a:r>
-            <a:endParaRPr sz="3600"/>
           </a:p>
           <a:p>
             <a:pPr lvl="3">
@@ -1510,7 +1183,6 @@
               <a:rPr sz="3600"/>
               <a:t>Body Level Four</a:t>
             </a:r>
-            <a:endParaRPr sz="3600"/>
           </a:p>
           <a:p>
             <a:pPr lvl="4">
@@ -1527,20 +1199,18 @@
   </p:cSld>
   <p:clrMap bg1="lt1" tx1="dk1" bg2="lt2" tx2="dk2" accent1="accent1" accent2="accent2" accent3="accent3" accent4="accent4" accent5="accent5" accent6="accent6" hlink="hlink" folHlink="folHlink"/>
   <p:sldLayoutIdLst>
-    <p:sldLayoutId id="2147483649" r:id="rId2"/>
-    <p:sldLayoutId id="2147483650" r:id="rId3"/>
-    <p:sldLayoutId id="2147483651" r:id="rId4"/>
-    <p:sldLayoutId id="2147483652" r:id="rId5"/>
-    <p:sldLayoutId id="2147483653" r:id="rId6"/>
-    <p:sldLayoutId id="2147483654" r:id="rId7"/>
-    <p:sldLayoutId id="2147483655" r:id="rId8"/>
-    <p:sldLayoutId id="2147483656" r:id="rId9"/>
-    <p:sldLayoutId id="2147483657" r:id="rId10"/>
-    <p:sldLayoutId id="2147483658" r:id="rId11"/>
-    <p:sldLayoutId id="2147483659" r:id="rId12"/>
-    <p:sldLayoutId id="2147483660" r:id="rId13"/>
+    <p:sldLayoutId id="2147483651" r:id="rId1"/>
+    <p:sldLayoutId id="2147483652" r:id="rId2"/>
+    <p:sldLayoutId id="2147483653" r:id="rId3"/>
+    <p:sldLayoutId id="2147483654" r:id="rId4"/>
+    <p:sldLayoutId id="2147483655" r:id="rId5"/>
+    <p:sldLayoutId id="2147483656" r:id="rId6"/>
+    <p:sldLayoutId id="2147483657" r:id="rId7"/>
+    <p:sldLayoutId id="2147483658" r:id="rId8"/>
+    <p:sldLayoutId id="2147483659" r:id="rId9"/>
+    <p:sldLayoutId id="2147483660" r:id="rId10"/>
   </p:sldLayoutIdLst>
-  <p:transition spd="med" advClick="1"/>
+  <p:transition xmlns:p14="http://schemas.microsoft.com/office/powerpoint/2010/main" spd="med"/>
   <p:txStyles>
     <p:titleStyle>
       <a:lvl1pPr algn="ctr" defTabSz="584200">
@@ -1841,13 +1511,1004 @@
 </file>
 
 <file path=ppt/slides/slide1.xml><?xml version="1.0" encoding="utf-8"?>
-<p:sld xmlns:a="http://schemas.openxmlformats.org/drawingml/2006/main" xmlns:r="http://schemas.openxmlformats.org/officeDocument/2006/relationships" xmlns:p="http://schemas.openxmlformats.org/presentationml/2006/main" showMasterSp="1" showMasterPhAnim="1">
+<p:sld xmlns:a="http://schemas.openxmlformats.org/drawingml/2006/main" xmlns:r="http://schemas.openxmlformats.org/officeDocument/2006/relationships" xmlns:p="http://schemas.openxmlformats.org/presentationml/2006/main">
+  <p:cSld>
+    <p:spTree>
+      <p:nvGrpSpPr>
+        <p:cNvPr id="1" name=""/>
+        <p:cNvGrpSpPr/>
+        <p:nvPr/>
+      </p:nvGrpSpPr>
+      <p:grpSpPr>
+        <a:xfrm>
+          <a:off x="0" y="0"/>
+          <a:ext cx="0" cy="0"/>
+          <a:chOff x="0" y="0"/>
+          <a:chExt cx="0" cy="0"/>
+        </a:xfrm>
+      </p:grpSpPr>
+      <p:sp>
+        <p:nvSpPr>
+          <p:cNvPr id="48" name="Shape 48"/>
+          <p:cNvSpPr>
+            <a:spLocks noGrp="1"/>
+          </p:cNvSpPr>
+          <p:nvPr>
+            <p:ph type="title"/>
+          </p:nvPr>
+        </p:nvSpPr>
+        <p:spPr>
+          <a:prstGeom prst="rect">
+            <a:avLst/>
+          </a:prstGeom>
+        </p:spPr>
+        <p:txBody>
+          <a:bodyPr/>
+          <a:lstStyle/>
+          <a:p>
+            <a:pPr lvl="0">
+              <a:defRPr sz="1800"/>
+            </a:pPr>
+            <a:r>
+              <a:rPr sz="8000"/>
+              <a:t>Causal Inference</a:t>
+            </a:r>
+          </a:p>
+        </p:txBody>
+      </p:sp>
+      <p:sp>
+        <p:nvSpPr>
+          <p:cNvPr id="49" name="Shape 49"/>
+          <p:cNvSpPr>
+            <a:spLocks noGrp="1"/>
+          </p:cNvSpPr>
+          <p:nvPr>
+            <p:ph type="body" idx="1"/>
+          </p:nvPr>
+        </p:nvSpPr>
+        <p:spPr>
+          <a:prstGeom prst="rect">
+            <a:avLst/>
+          </a:prstGeom>
+        </p:spPr>
+        <p:txBody>
+          <a:bodyPr/>
+          <a:lstStyle/>
+          <a:p>
+            <a:pPr marL="346709" lvl="0" indent="-346709" defTabSz="455675">
+              <a:spcBef>
+                <a:spcPts val="3200"/>
+              </a:spcBef>
+              <a:defRPr sz="1800"/>
+            </a:pPr>
+            <a:r>
+              <a:rPr sz="2807"/>
+              <a:t>A </a:t>
+            </a:r>
+            <a:r>
+              <a:rPr sz="2807" b="1">
+                <a:latin typeface="Helvetica"/>
+                <a:ea typeface="Helvetica"/>
+                <a:cs typeface="Helvetica"/>
+                <a:sym typeface="Helvetica"/>
+              </a:rPr>
+              <a:t>causal inference</a:t>
+            </a:r>
+            <a:r>
+              <a:rPr sz="2807"/>
+              <a:t> is a statement about why something happens.</a:t>
+            </a:r>
+          </a:p>
+          <a:p>
+            <a:pPr marL="693419" lvl="1" indent="-346709" defTabSz="455675">
+              <a:spcBef>
+                <a:spcPts val="3200"/>
+              </a:spcBef>
+              <a:defRPr sz="1800"/>
+            </a:pPr>
+            <a:r>
+              <a:rPr sz="2807"/>
+              <a:t>A causal inference therefore states the existence of a relationship between at least two variables.</a:t>
+            </a:r>
+          </a:p>
+          <a:p>
+            <a:pPr marL="346709" lvl="0" indent="-346709" defTabSz="455675">
+              <a:spcBef>
+                <a:spcPts val="3200"/>
+              </a:spcBef>
+              <a:defRPr sz="1800"/>
+            </a:pPr>
+            <a:r>
+              <a:rPr sz="2807"/>
+              <a:t>The </a:t>
+            </a:r>
+            <a:r>
+              <a:rPr sz="2807" b="1">
+                <a:latin typeface="Helvetica"/>
+                <a:ea typeface="Helvetica"/>
+                <a:cs typeface="Helvetica"/>
+                <a:sym typeface="Helvetica"/>
+              </a:rPr>
+              <a:t>dependent variable</a:t>
+            </a:r>
+            <a:r>
+              <a:rPr sz="2807"/>
+              <a:t> measures that variation which we would like to explain (find a cause for).</a:t>
+            </a:r>
+          </a:p>
+          <a:p>
+            <a:pPr marL="693419" lvl="1" indent="-346709" defTabSz="455675">
+              <a:spcBef>
+                <a:spcPts val="3200"/>
+              </a:spcBef>
+              <a:defRPr sz="1800"/>
+            </a:pPr>
+            <a:r>
+              <a:rPr sz="2340"/>
+              <a:t>Also called </a:t>
+            </a:r>
+            <a:r>
+              <a:rPr sz="2340" b="1" i="1">
+                <a:latin typeface="Helvetica"/>
+                <a:ea typeface="Helvetica"/>
+                <a:cs typeface="Helvetica"/>
+                <a:sym typeface="Helvetica"/>
+              </a:rPr>
+              <a:t>Y</a:t>
+            </a:r>
+            <a:r>
+              <a:rPr sz="2340" i="1"/>
+              <a:t>, </a:t>
+            </a:r>
+            <a:r>
+              <a:rPr sz="2340"/>
+              <a:t>or the “outcome” or “response” or variable.</a:t>
+            </a:r>
+          </a:p>
+          <a:p>
+            <a:pPr marL="346709" lvl="0" indent="-346709" defTabSz="455675">
+              <a:spcBef>
+                <a:spcPts val="3200"/>
+              </a:spcBef>
+              <a:defRPr sz="1800"/>
+            </a:pPr>
+            <a:r>
+              <a:rPr sz="2807"/>
+              <a:t>The </a:t>
+            </a:r>
+            <a:r>
+              <a:rPr sz="2807" b="1">
+                <a:latin typeface="Helvetica"/>
+                <a:ea typeface="Helvetica"/>
+                <a:cs typeface="Helvetica"/>
+                <a:sym typeface="Helvetica"/>
+              </a:rPr>
+              <a:t>independent variable</a:t>
+            </a:r>
+            <a:r>
+              <a:rPr sz="2807"/>
+              <a:t> measures that variation which we think explains variation in the dependent variable.</a:t>
+            </a:r>
+          </a:p>
+          <a:p>
+            <a:pPr marL="693419" lvl="1" indent="-346709" defTabSz="455675">
+              <a:spcBef>
+                <a:spcPts val="3200"/>
+              </a:spcBef>
+              <a:defRPr sz="1800"/>
+            </a:pPr>
+            <a:r>
+              <a:rPr sz="2340"/>
+              <a:t>Also called </a:t>
+            </a:r>
+            <a:r>
+              <a:rPr sz="2340" b="1" i="1">
+                <a:latin typeface="Helvetica"/>
+                <a:ea typeface="Helvetica"/>
+                <a:cs typeface="Helvetica"/>
+                <a:sym typeface="Helvetica"/>
+              </a:rPr>
+              <a:t>X</a:t>
+            </a:r>
+            <a:r>
+              <a:rPr sz="2340" i="1"/>
+              <a:t>, </a:t>
+            </a:r>
+            <a:r>
+              <a:rPr sz="2340"/>
+              <a:t>or the “treatment” or “study” variable.</a:t>
+            </a:r>
+          </a:p>
+        </p:txBody>
+      </p:sp>
+    </p:spTree>
+  </p:cSld>
+  <p:clrMapOvr>
+    <a:masterClrMapping/>
+  </p:clrMapOvr>
+  <p:transition xmlns:p14="http://schemas.microsoft.com/office/powerpoint/2010/main" spd="med"/>
+  <p:timing>
+    <p:tnLst>
+      <p:par>
+        <p:cTn xmlns:p14="http://schemas.microsoft.com/office/powerpoint/2010/main" id="1" dur="indefinite" restart="never" fill="hold" nodeType="tmRoot">
+          <p:childTnLst>
+            <p:seq concurrent="1" prevAc="none" nextAc="seek">
+              <p:cTn id="2" dur="indefinite" fill="hold" nodeType="mainSeq">
+                <p:childTnLst>
+                  <p:par>
+                    <p:cTn id="3" fill="hold">
+                      <p:stCondLst>
+                        <p:cond delay="indefinite"/>
+                      </p:stCondLst>
+                      <p:childTnLst>
+                        <p:par>
+                          <p:cTn id="4" fill="hold">
+                            <p:stCondLst>
+                              <p:cond delay="0"/>
+                            </p:stCondLst>
+                            <p:childTnLst>
+                              <p:par>
+                                <p:cTn id="5" presetID="1" presetClass="entr" presetSubtype="0" fill="hold" grpId="1" nodeType="clickEffect">
+                                  <p:stCondLst>
+                                    <p:cond delay="0"/>
+                                  </p:stCondLst>
+                                  <p:iterate>
+                                    <p:tmAbs val="0"/>
+                                  </p:iterate>
+                                  <p:childTnLst>
+                                    <p:set>
+                                      <p:cBhvr>
+                                        <p:cTn id="6" fill="hold"/>
+                                        <p:tgtEl>
+                                          <p:spTgt spid="49">
+                                            <p:bg/>
+                                          </p:spTgt>
+                                        </p:tgtEl>
+                                        <p:attrNameLst>
+                                          <p:attrName>style.visibility</p:attrName>
+                                        </p:attrNameLst>
+                                      </p:cBhvr>
+                                      <p:to>
+                                        <p:strVal val="visible"/>
+                                      </p:to>
+                                    </p:set>
+                                  </p:childTnLst>
+                                </p:cTn>
+                              </p:par>
+                              <p:par>
+                                <p:cTn id="7" presetID="1" presetClass="entr" presetSubtype="0" fill="hold" grpId="1">
+                                  <p:stCondLst>
+                                    <p:cond delay="0"/>
+                                  </p:stCondLst>
+                                  <p:iterate>
+                                    <p:tmAbs val="0"/>
+                                  </p:iterate>
+                                  <p:childTnLst>
+                                    <p:set>
+                                      <p:cBhvr>
+                                        <p:cTn id="8" fill="hold"/>
+                                        <p:tgtEl>
+                                          <p:spTgt spid="49">
+                                            <p:txEl>
+                                              <p:pRg st="0" end="0"/>
+                                            </p:txEl>
+                                          </p:spTgt>
+                                        </p:tgtEl>
+                                        <p:attrNameLst>
+                                          <p:attrName>style.visibility</p:attrName>
+                                        </p:attrNameLst>
+                                      </p:cBhvr>
+                                      <p:to>
+                                        <p:strVal val="visible"/>
+                                      </p:to>
+                                    </p:set>
+                                  </p:childTnLst>
+                                </p:cTn>
+                              </p:par>
+                            </p:childTnLst>
+                          </p:cTn>
+                        </p:par>
+                      </p:childTnLst>
+                    </p:cTn>
+                  </p:par>
+                  <p:par>
+                    <p:cTn id="9" fill="hold">
+                      <p:stCondLst>
+                        <p:cond delay="indefinite"/>
+                      </p:stCondLst>
+                      <p:childTnLst>
+                        <p:par>
+                          <p:cTn id="10" fill="hold">
+                            <p:stCondLst>
+                              <p:cond delay="0"/>
+                            </p:stCondLst>
+                            <p:childTnLst>
+                              <p:par>
+                                <p:cTn id="11" presetID="1" presetClass="entr" presetSubtype="0" fill="hold" grpId="1" nodeType="clickEffect">
+                                  <p:stCondLst>
+                                    <p:cond delay="0"/>
+                                  </p:stCondLst>
+                                  <p:iterate>
+                                    <p:tmAbs val="0"/>
+                                  </p:iterate>
+                                  <p:childTnLst>
+                                    <p:set>
+                                      <p:cBhvr>
+                                        <p:cTn id="12" fill="hold"/>
+                                        <p:tgtEl>
+                                          <p:spTgt spid="49">
+                                            <p:txEl>
+                                              <p:pRg st="1" end="1"/>
+                                            </p:txEl>
+                                          </p:spTgt>
+                                        </p:tgtEl>
+                                        <p:attrNameLst>
+                                          <p:attrName>style.visibility</p:attrName>
+                                        </p:attrNameLst>
+                                      </p:cBhvr>
+                                      <p:to>
+                                        <p:strVal val="visible"/>
+                                      </p:to>
+                                    </p:set>
+                                  </p:childTnLst>
+                                </p:cTn>
+                              </p:par>
+                            </p:childTnLst>
+                          </p:cTn>
+                        </p:par>
+                      </p:childTnLst>
+                    </p:cTn>
+                  </p:par>
+                  <p:par>
+                    <p:cTn id="13" fill="hold">
+                      <p:stCondLst>
+                        <p:cond delay="indefinite"/>
+                      </p:stCondLst>
+                      <p:childTnLst>
+                        <p:par>
+                          <p:cTn id="14" fill="hold">
+                            <p:stCondLst>
+                              <p:cond delay="0"/>
+                            </p:stCondLst>
+                            <p:childTnLst>
+                              <p:par>
+                                <p:cTn id="15" presetID="1" presetClass="entr" presetSubtype="0" fill="hold" grpId="1" nodeType="clickEffect">
+                                  <p:stCondLst>
+                                    <p:cond delay="0"/>
+                                  </p:stCondLst>
+                                  <p:iterate>
+                                    <p:tmAbs val="0"/>
+                                  </p:iterate>
+                                  <p:childTnLst>
+                                    <p:set>
+                                      <p:cBhvr>
+                                        <p:cTn id="16" fill="hold"/>
+                                        <p:tgtEl>
+                                          <p:spTgt spid="49">
+                                            <p:txEl>
+                                              <p:pRg st="2" end="2"/>
+                                            </p:txEl>
+                                          </p:spTgt>
+                                        </p:tgtEl>
+                                        <p:attrNameLst>
+                                          <p:attrName>style.visibility</p:attrName>
+                                        </p:attrNameLst>
+                                      </p:cBhvr>
+                                      <p:to>
+                                        <p:strVal val="visible"/>
+                                      </p:to>
+                                    </p:set>
+                                  </p:childTnLst>
+                                </p:cTn>
+                              </p:par>
+                            </p:childTnLst>
+                          </p:cTn>
+                        </p:par>
+                      </p:childTnLst>
+                    </p:cTn>
+                  </p:par>
+                  <p:par>
+                    <p:cTn id="17" fill="hold">
+                      <p:stCondLst>
+                        <p:cond delay="indefinite"/>
+                      </p:stCondLst>
+                      <p:childTnLst>
+                        <p:par>
+                          <p:cTn id="18" fill="hold">
+                            <p:stCondLst>
+                              <p:cond delay="0"/>
+                            </p:stCondLst>
+                            <p:childTnLst>
+                              <p:par>
+                                <p:cTn id="19" presetID="1" presetClass="entr" presetSubtype="0" fill="hold" grpId="1" nodeType="clickEffect">
+                                  <p:stCondLst>
+                                    <p:cond delay="0"/>
+                                  </p:stCondLst>
+                                  <p:iterate>
+                                    <p:tmAbs val="0"/>
+                                  </p:iterate>
+                                  <p:childTnLst>
+                                    <p:set>
+                                      <p:cBhvr>
+                                        <p:cTn id="20" fill="hold"/>
+                                        <p:tgtEl>
+                                          <p:spTgt spid="49">
+                                            <p:txEl>
+                                              <p:pRg st="3" end="3"/>
+                                            </p:txEl>
+                                          </p:spTgt>
+                                        </p:tgtEl>
+                                        <p:attrNameLst>
+                                          <p:attrName>style.visibility</p:attrName>
+                                        </p:attrNameLst>
+                                      </p:cBhvr>
+                                      <p:to>
+                                        <p:strVal val="visible"/>
+                                      </p:to>
+                                    </p:set>
+                                  </p:childTnLst>
+                                </p:cTn>
+                              </p:par>
+                            </p:childTnLst>
+                          </p:cTn>
+                        </p:par>
+                      </p:childTnLst>
+                    </p:cTn>
+                  </p:par>
+                  <p:par>
+                    <p:cTn id="21" fill="hold">
+                      <p:stCondLst>
+                        <p:cond delay="indefinite"/>
+                      </p:stCondLst>
+                      <p:childTnLst>
+                        <p:par>
+                          <p:cTn id="22" fill="hold">
+                            <p:stCondLst>
+                              <p:cond delay="0"/>
+                            </p:stCondLst>
+                            <p:childTnLst>
+                              <p:par>
+                                <p:cTn id="23" presetID="1" presetClass="entr" presetSubtype="0" fill="hold" grpId="1" nodeType="clickEffect">
+                                  <p:stCondLst>
+                                    <p:cond delay="0"/>
+                                  </p:stCondLst>
+                                  <p:iterate>
+                                    <p:tmAbs val="0"/>
+                                  </p:iterate>
+                                  <p:childTnLst>
+                                    <p:set>
+                                      <p:cBhvr>
+                                        <p:cTn id="24" fill="hold"/>
+                                        <p:tgtEl>
+                                          <p:spTgt spid="49">
+                                            <p:txEl>
+                                              <p:pRg st="4" end="4"/>
+                                            </p:txEl>
+                                          </p:spTgt>
+                                        </p:tgtEl>
+                                        <p:attrNameLst>
+                                          <p:attrName>style.visibility</p:attrName>
+                                        </p:attrNameLst>
+                                      </p:cBhvr>
+                                      <p:to>
+                                        <p:strVal val="visible"/>
+                                      </p:to>
+                                    </p:set>
+                                  </p:childTnLst>
+                                </p:cTn>
+                              </p:par>
+                            </p:childTnLst>
+                          </p:cTn>
+                        </p:par>
+                      </p:childTnLst>
+                    </p:cTn>
+                  </p:par>
+                  <p:par>
+                    <p:cTn id="25" fill="hold">
+                      <p:stCondLst>
+                        <p:cond delay="indefinite"/>
+                      </p:stCondLst>
+                      <p:childTnLst>
+                        <p:par>
+                          <p:cTn id="26" fill="hold">
+                            <p:stCondLst>
+                              <p:cond delay="0"/>
+                            </p:stCondLst>
+                            <p:childTnLst>
+                              <p:par>
+                                <p:cTn id="27" presetID="1" presetClass="entr" presetSubtype="0" fill="hold" grpId="1" nodeType="clickEffect">
+                                  <p:stCondLst>
+                                    <p:cond delay="0"/>
+                                  </p:stCondLst>
+                                  <p:iterate>
+                                    <p:tmAbs val="0"/>
+                                  </p:iterate>
+                                  <p:childTnLst>
+                                    <p:set>
+                                      <p:cBhvr>
+                                        <p:cTn id="28" fill="hold"/>
+                                        <p:tgtEl>
+                                          <p:spTgt spid="49">
+                                            <p:txEl>
+                                              <p:pRg st="5" end="5"/>
+                                            </p:txEl>
+                                          </p:spTgt>
+                                        </p:tgtEl>
+                                        <p:attrNameLst>
+                                          <p:attrName>style.visibility</p:attrName>
+                                        </p:attrNameLst>
+                                      </p:cBhvr>
+                                      <p:to>
+                                        <p:strVal val="visible"/>
+                                      </p:to>
+                                    </p:set>
+                                  </p:childTnLst>
+                                </p:cTn>
+                              </p:par>
+                            </p:childTnLst>
+                          </p:cTn>
+                        </p:par>
+                      </p:childTnLst>
+                    </p:cTn>
+                  </p:par>
+                </p:childTnLst>
+              </p:cTn>
+              <p:prevCondLst>
+                <p:cond evt="onPrev" delay="0">
+                  <p:tgtEl>
+                    <p:sldTgt/>
+                  </p:tgtEl>
+                </p:cond>
+              </p:prevCondLst>
+              <p:nextCondLst>
+                <p:cond evt="onNext" delay="0">
+                  <p:tgtEl>
+                    <p:sldTgt/>
+                  </p:tgtEl>
+                </p:cond>
+              </p:nextCondLst>
+            </p:seq>
+          </p:childTnLst>
+        </p:cTn>
+      </p:par>
+    </p:tnLst>
+    <p:bldLst>
+      <p:bldP spid="49" grpId="1" build="p" bldLvl="5" animBg="1" advAuto="0"/>
+    </p:bldLst>
+  </p:timing>
+</p:sld>
+</file>
+
+<file path=ppt/slides/slide2.xml><?xml version="1.0" encoding="utf-8"?>
+<p:sld xmlns:a="http://schemas.openxmlformats.org/drawingml/2006/main" xmlns:r="http://schemas.openxmlformats.org/officeDocument/2006/relationships" xmlns:p="http://schemas.openxmlformats.org/presentationml/2006/main">
+  <p:cSld>
+    <p:spTree>
+      <p:nvGrpSpPr>
+        <p:cNvPr id="1" name=""/>
+        <p:cNvGrpSpPr/>
+        <p:nvPr/>
+      </p:nvGrpSpPr>
+      <p:grpSpPr>
+        <a:xfrm>
+          <a:off x="0" y="0"/>
+          <a:ext cx="0" cy="0"/>
+          <a:chOff x="0" y="0"/>
+          <a:chExt cx="0" cy="0"/>
+        </a:xfrm>
+      </p:grpSpPr>
+      <p:sp>
+        <p:nvSpPr>
+          <p:cNvPr id="51" name="Shape 51"/>
+          <p:cNvSpPr>
+            <a:spLocks noGrp="1"/>
+          </p:cNvSpPr>
+          <p:nvPr>
+            <p:ph type="title"/>
+          </p:nvPr>
+        </p:nvSpPr>
+        <p:spPr>
+          <a:prstGeom prst="rect">
+            <a:avLst/>
+          </a:prstGeom>
+        </p:spPr>
+        <p:txBody>
+          <a:bodyPr/>
+          <a:lstStyle/>
+          <a:p>
+            <a:pPr lvl="0">
+              <a:defRPr sz="1800"/>
+            </a:pPr>
+            <a:r>
+              <a:rPr sz="8000"/>
+              <a:t>What is Causation?</a:t>
+            </a:r>
+          </a:p>
+        </p:txBody>
+      </p:sp>
+      <p:sp>
+        <p:nvSpPr>
+          <p:cNvPr id="52" name="Shape 52"/>
+          <p:cNvSpPr>
+            <a:spLocks noGrp="1"/>
+          </p:cNvSpPr>
+          <p:nvPr>
+            <p:ph type="body" idx="1"/>
+          </p:nvPr>
+        </p:nvSpPr>
+        <p:spPr>
+          <a:prstGeom prst="rect">
+            <a:avLst/>
+          </a:prstGeom>
+        </p:spPr>
+        <p:txBody>
+          <a:bodyPr/>
+          <a:lstStyle/>
+          <a:p>
+            <a:pPr lvl="0">
+              <a:defRPr sz="1800"/>
+            </a:pPr>
+            <a:r>
+              <a:rPr sz="3600"/>
+              <a:t>What does it mean to say “X causes Y” and how are we able to know this?</a:t>
+            </a:r>
+          </a:p>
+          <a:p>
+            <a:pPr lvl="0">
+              <a:defRPr sz="1800"/>
+            </a:pPr>
+            <a:r>
+              <a:rPr sz="3600"/>
+              <a:t>This is more complicated than it seems and there are many philosophies of causation.</a:t>
+            </a:r>
+          </a:p>
+          <a:p>
+            <a:pPr lvl="0">
+              <a:defRPr sz="1800"/>
+            </a:pPr>
+            <a:r>
+              <a:rPr sz="3600"/>
+              <a:t>We’ll use the “counterfactual” framework.</a:t>
+            </a:r>
+          </a:p>
+          <a:p>
+            <a:pPr lvl="1">
+              <a:defRPr sz="1800"/>
+            </a:pPr>
+            <a:r>
+              <a:rPr sz="3000"/>
+              <a:t>AKA: “potential outcomes” or “Neyman-Rubin” framework.</a:t>
+            </a:r>
+          </a:p>
+          <a:p>
+            <a:pPr lvl="1">
+              <a:defRPr sz="1800"/>
+            </a:pPr>
+            <a:r>
+              <a:rPr sz="3000"/>
+              <a:t>Dominant framework in the social sciences today.</a:t>
+            </a:r>
+          </a:p>
+        </p:txBody>
+      </p:sp>
+    </p:spTree>
+  </p:cSld>
+  <p:clrMapOvr>
+    <a:masterClrMapping/>
+  </p:clrMapOvr>
+  <p:transition xmlns:p14="http://schemas.microsoft.com/office/powerpoint/2010/main" spd="med"/>
+  <p:timing>
+    <p:tnLst>
+      <p:par>
+        <p:cTn xmlns:p14="http://schemas.microsoft.com/office/powerpoint/2010/main" id="1" dur="indefinite" restart="never" fill="hold" nodeType="tmRoot">
+          <p:childTnLst>
+            <p:seq concurrent="1" prevAc="none" nextAc="seek">
+              <p:cTn id="2" dur="indefinite" fill="hold" nodeType="mainSeq">
+                <p:childTnLst>
+                  <p:par>
+                    <p:cTn id="3" fill="hold">
+                      <p:stCondLst>
+                        <p:cond delay="indefinite"/>
+                      </p:stCondLst>
+                      <p:childTnLst>
+                        <p:par>
+                          <p:cTn id="4" fill="hold">
+                            <p:stCondLst>
+                              <p:cond delay="0"/>
+                            </p:stCondLst>
+                            <p:childTnLst>
+                              <p:par>
+                                <p:cTn id="5" presetID="1" presetClass="entr" presetSubtype="0" fill="hold" grpId="1" nodeType="clickEffect">
+                                  <p:stCondLst>
+                                    <p:cond delay="0"/>
+                                  </p:stCondLst>
+                                  <p:iterate>
+                                    <p:tmAbs val="0"/>
+                                  </p:iterate>
+                                  <p:childTnLst>
+                                    <p:set>
+                                      <p:cBhvr>
+                                        <p:cTn id="6" fill="hold"/>
+                                        <p:tgtEl>
+                                          <p:spTgt spid="52">
+                                            <p:bg/>
+                                          </p:spTgt>
+                                        </p:tgtEl>
+                                        <p:attrNameLst>
+                                          <p:attrName>style.visibility</p:attrName>
+                                        </p:attrNameLst>
+                                      </p:cBhvr>
+                                      <p:to>
+                                        <p:strVal val="visible"/>
+                                      </p:to>
+                                    </p:set>
+                                  </p:childTnLst>
+                                </p:cTn>
+                              </p:par>
+                              <p:par>
+                                <p:cTn id="7" presetID="1" presetClass="entr" presetSubtype="0" fill="hold" grpId="1">
+                                  <p:stCondLst>
+                                    <p:cond delay="0"/>
+                                  </p:stCondLst>
+                                  <p:iterate>
+                                    <p:tmAbs val="0"/>
+                                  </p:iterate>
+                                  <p:childTnLst>
+                                    <p:set>
+                                      <p:cBhvr>
+                                        <p:cTn id="8" fill="hold"/>
+                                        <p:tgtEl>
+                                          <p:spTgt spid="52">
+                                            <p:txEl>
+                                              <p:pRg st="0" end="0"/>
+                                            </p:txEl>
+                                          </p:spTgt>
+                                        </p:tgtEl>
+                                        <p:attrNameLst>
+                                          <p:attrName>style.visibility</p:attrName>
+                                        </p:attrNameLst>
+                                      </p:cBhvr>
+                                      <p:to>
+                                        <p:strVal val="visible"/>
+                                      </p:to>
+                                    </p:set>
+                                  </p:childTnLst>
+                                </p:cTn>
+                              </p:par>
+                            </p:childTnLst>
+                          </p:cTn>
+                        </p:par>
+                      </p:childTnLst>
+                    </p:cTn>
+                  </p:par>
+                  <p:par>
+                    <p:cTn id="9" fill="hold">
+                      <p:stCondLst>
+                        <p:cond delay="indefinite"/>
+                      </p:stCondLst>
+                      <p:childTnLst>
+                        <p:par>
+                          <p:cTn id="10" fill="hold">
+                            <p:stCondLst>
+                              <p:cond delay="0"/>
+                            </p:stCondLst>
+                            <p:childTnLst>
+                              <p:par>
+                                <p:cTn id="11" presetID="1" presetClass="entr" presetSubtype="0" fill="hold" grpId="1" nodeType="clickEffect">
+                                  <p:stCondLst>
+                                    <p:cond delay="0"/>
+                                  </p:stCondLst>
+                                  <p:iterate>
+                                    <p:tmAbs val="0"/>
+                                  </p:iterate>
+                                  <p:childTnLst>
+                                    <p:set>
+                                      <p:cBhvr>
+                                        <p:cTn id="12" fill="hold"/>
+                                        <p:tgtEl>
+                                          <p:spTgt spid="52">
+                                            <p:txEl>
+                                              <p:pRg st="1" end="1"/>
+                                            </p:txEl>
+                                          </p:spTgt>
+                                        </p:tgtEl>
+                                        <p:attrNameLst>
+                                          <p:attrName>style.visibility</p:attrName>
+                                        </p:attrNameLst>
+                                      </p:cBhvr>
+                                      <p:to>
+                                        <p:strVal val="visible"/>
+                                      </p:to>
+                                    </p:set>
+                                  </p:childTnLst>
+                                </p:cTn>
+                              </p:par>
+                            </p:childTnLst>
+                          </p:cTn>
+                        </p:par>
+                      </p:childTnLst>
+                    </p:cTn>
+                  </p:par>
+                  <p:par>
+                    <p:cTn id="13" fill="hold">
+                      <p:stCondLst>
+                        <p:cond delay="indefinite"/>
+                      </p:stCondLst>
+                      <p:childTnLst>
+                        <p:par>
+                          <p:cTn id="14" fill="hold">
+                            <p:stCondLst>
+                              <p:cond delay="0"/>
+                            </p:stCondLst>
+                            <p:childTnLst>
+                              <p:par>
+                                <p:cTn id="15" presetID="1" presetClass="entr" presetSubtype="0" fill="hold" grpId="1" nodeType="clickEffect">
+                                  <p:stCondLst>
+                                    <p:cond delay="0"/>
+                                  </p:stCondLst>
+                                  <p:iterate>
+                                    <p:tmAbs val="0"/>
+                                  </p:iterate>
+                                  <p:childTnLst>
+                                    <p:set>
+                                      <p:cBhvr>
+                                        <p:cTn id="16" fill="hold"/>
+                                        <p:tgtEl>
+                                          <p:spTgt spid="52">
+                                            <p:txEl>
+                                              <p:pRg st="2" end="2"/>
+                                            </p:txEl>
+                                          </p:spTgt>
+                                        </p:tgtEl>
+                                        <p:attrNameLst>
+                                          <p:attrName>style.visibility</p:attrName>
+                                        </p:attrNameLst>
+                                      </p:cBhvr>
+                                      <p:to>
+                                        <p:strVal val="visible"/>
+                                      </p:to>
+                                    </p:set>
+                                  </p:childTnLst>
+                                </p:cTn>
+                              </p:par>
+                            </p:childTnLst>
+                          </p:cTn>
+                        </p:par>
+                      </p:childTnLst>
+                    </p:cTn>
+                  </p:par>
+                  <p:par>
+                    <p:cTn id="17" fill="hold">
+                      <p:stCondLst>
+                        <p:cond delay="indefinite"/>
+                      </p:stCondLst>
+                      <p:childTnLst>
+                        <p:par>
+                          <p:cTn id="18" fill="hold">
+                            <p:stCondLst>
+                              <p:cond delay="0"/>
+                            </p:stCondLst>
+                            <p:childTnLst>
+                              <p:par>
+                                <p:cTn id="19" presetID="1" presetClass="entr" presetSubtype="0" fill="hold" grpId="1" nodeType="clickEffect">
+                                  <p:stCondLst>
+                                    <p:cond delay="0"/>
+                                  </p:stCondLst>
+                                  <p:iterate>
+                                    <p:tmAbs val="0"/>
+                                  </p:iterate>
+                                  <p:childTnLst>
+                                    <p:set>
+                                      <p:cBhvr>
+                                        <p:cTn id="20" fill="hold"/>
+                                        <p:tgtEl>
+                                          <p:spTgt spid="52">
+                                            <p:txEl>
+                                              <p:pRg st="3" end="3"/>
+                                            </p:txEl>
+                                          </p:spTgt>
+                                        </p:tgtEl>
+                                        <p:attrNameLst>
+                                          <p:attrName>style.visibility</p:attrName>
+                                        </p:attrNameLst>
+                                      </p:cBhvr>
+                                      <p:to>
+                                        <p:strVal val="visible"/>
+                                      </p:to>
+                                    </p:set>
+                                  </p:childTnLst>
+                                </p:cTn>
+                              </p:par>
+                            </p:childTnLst>
+                          </p:cTn>
+                        </p:par>
+                      </p:childTnLst>
+                    </p:cTn>
+                  </p:par>
+                  <p:par>
+                    <p:cTn id="21" fill="hold">
+                      <p:stCondLst>
+                        <p:cond delay="indefinite"/>
+                      </p:stCondLst>
+                      <p:childTnLst>
+                        <p:par>
+                          <p:cTn id="22" fill="hold">
+                            <p:stCondLst>
+                              <p:cond delay="0"/>
+                            </p:stCondLst>
+                            <p:childTnLst>
+                              <p:par>
+                                <p:cTn id="23" presetID="1" presetClass="entr" presetSubtype="0" fill="hold" grpId="1" nodeType="clickEffect">
+                                  <p:stCondLst>
+                                    <p:cond delay="0"/>
+                                  </p:stCondLst>
+                                  <p:iterate>
+                                    <p:tmAbs val="0"/>
+                                  </p:iterate>
+                                  <p:childTnLst>
+                                    <p:set>
+                                      <p:cBhvr>
+                                        <p:cTn id="24" fill="hold"/>
+                                        <p:tgtEl>
+                                          <p:spTgt spid="52">
+                                            <p:txEl>
+                                              <p:pRg st="4" end="4"/>
+                                            </p:txEl>
+                                          </p:spTgt>
+                                        </p:tgtEl>
+                                        <p:attrNameLst>
+                                          <p:attrName>style.visibility</p:attrName>
+                                        </p:attrNameLst>
+                                      </p:cBhvr>
+                                      <p:to>
+                                        <p:strVal val="visible"/>
+                                      </p:to>
+                                    </p:set>
+                                  </p:childTnLst>
+                                </p:cTn>
+                              </p:par>
+                            </p:childTnLst>
+                          </p:cTn>
+                        </p:par>
+                      </p:childTnLst>
+                    </p:cTn>
+                  </p:par>
+                </p:childTnLst>
+              </p:cTn>
+              <p:prevCondLst>
+                <p:cond evt="onPrev" delay="0">
+                  <p:tgtEl>
+                    <p:sldTgt/>
+                  </p:tgtEl>
+                </p:cond>
+              </p:prevCondLst>
+              <p:nextCondLst>
+                <p:cond evt="onNext" delay="0">
+                  <p:tgtEl>
+                    <p:sldTgt/>
+                  </p:tgtEl>
+                </p:cond>
+              </p:nextCondLst>
+            </p:seq>
+          </p:childTnLst>
+        </p:cTn>
+      </p:par>
+    </p:tnLst>
+    <p:bldLst>
+      <p:bldP spid="52" grpId="1" build="p" bldLvl="5" animBg="1" advAuto="0"/>
+    </p:bldLst>
+  </p:timing>
+</p:sld>
+</file>
+
+<file path=ppt/slides/slide3.xml><?xml version="1.0" encoding="utf-8"?>
+<p:sld xmlns:a="http://schemas.openxmlformats.org/drawingml/2006/main" xmlns:r="http://schemas.openxmlformats.org/officeDocument/2006/relationships" xmlns:p="http://schemas.openxmlformats.org/presentationml/2006/main">
   <p:cSld>
     <p:bg>
       <p:bgPr>
         <a:solidFill>
-          <a:srgbClr val="510602"/>
+          <a:srgbClr val="510803"/>
         </a:solidFill>
+        <a:effectLst/>
       </p:bgPr>
     </p:bg>
     <p:spTree>
@@ -1866,8 +2527,89 @@
       </p:grpSpPr>
       <p:sp>
         <p:nvSpPr>
-          <p:cNvPr id="32" name="Shape 32"/>
-          <p:cNvSpPr/>
+          <p:cNvPr id="54" name="Shape 54"/>
+          <p:cNvSpPr>
+            <a:spLocks noGrp="1"/>
+          </p:cNvSpPr>
+          <p:nvPr>
+            <p:ph type="title"/>
+          </p:nvPr>
+        </p:nvSpPr>
+        <p:spPr>
+          <a:xfrm>
+            <a:off x="1270000" y="579388"/>
+            <a:ext cx="10655232" cy="8806136"/>
+          </a:xfrm>
+          <a:prstGeom prst="rect">
+            <a:avLst/>
+          </a:prstGeom>
+        </p:spPr>
+        <p:txBody>
+          <a:bodyPr/>
+          <a:lstStyle>
+            <a:lvl1pPr defTabSz="257047">
+              <a:defRPr sz="6600" b="1">
+                <a:solidFill>
+                  <a:srgbClr val="FFFFFF"/>
+                </a:solidFill>
+                <a:latin typeface="Helvetica"/>
+                <a:ea typeface="Helvetica"/>
+                <a:cs typeface="Helvetica"/>
+                <a:sym typeface="Helvetica"/>
+              </a:defRPr>
+            </a:lvl1pPr>
+          </a:lstStyle>
+          <a:p>
+            <a:pPr lvl="0">
+              <a:defRPr sz="1800" b="0">
+                <a:solidFill>
+                  <a:srgbClr val="000000"/>
+                </a:solidFill>
+              </a:defRPr>
+            </a:pPr>
+            <a:r>
+              <a:rPr sz="6600" b="1">
+                <a:solidFill>
+                  <a:srgbClr val="FFFFFF"/>
+                </a:solidFill>
+              </a:rPr>
+              <a:t>The causal effect of a treatment is the difference between what happens to a unit after that treatment and what would have happened had the unit not been treated.</a:t>
+            </a:r>
+          </a:p>
+        </p:txBody>
+      </p:sp>
+    </p:spTree>
+  </p:cSld>
+  <p:clrMapOvr>
+    <a:masterClrMapping/>
+  </p:clrMapOvr>
+  <p:transition xmlns:p14="http://schemas.microsoft.com/office/powerpoint/2010/main" spd="med"/>
+</p:sld>
+</file>
+
+<file path=ppt/slides/slide4.xml><?xml version="1.0" encoding="utf-8"?>
+<p:sld xmlns:a="http://schemas.openxmlformats.org/drawingml/2006/main" xmlns:r="http://schemas.openxmlformats.org/officeDocument/2006/relationships" xmlns:p="http://schemas.openxmlformats.org/presentationml/2006/main">
+  <p:cSld>
+    <p:spTree>
+      <p:nvGrpSpPr>
+        <p:cNvPr id="1" name=""/>
+        <p:cNvGrpSpPr/>
+        <p:nvPr/>
+      </p:nvGrpSpPr>
+      <p:grpSpPr>
+        <a:xfrm>
+          <a:off x="0" y="0"/>
+          <a:ext cx="0" cy="0"/>
+          <a:chOff x="0" y="0"/>
+          <a:chExt cx="0" cy="0"/>
+        </a:xfrm>
+      </p:grpSpPr>
+      <p:sp>
+        <p:nvSpPr>
+          <p:cNvPr id="56" name="Shape 56"/>
+          <p:cNvSpPr>
+            <a:spLocks noGrp="1"/>
+          </p:cNvSpPr>
           <p:nvPr>
             <p:ph type="title"/>
           </p:nvPr>
@@ -1880,50 +2622,32 @@
         <p:txBody>
           <a:bodyPr/>
           <a:lstStyle>
-            <a:lvl1pPr defTabSz="514095">
-              <a:defRPr b="1" sz="7040">
-                <a:solidFill>
-                  <a:srgbClr val="FFFFFF"/>
-                </a:solidFill>
-                <a:latin typeface="Helvetica"/>
-                <a:ea typeface="Helvetica"/>
-                <a:cs typeface="Helvetica"/>
-                <a:sym typeface="Helvetica"/>
-              </a:defRPr>
+            <a:lvl1pPr>
+              <a:defRPr sz="6000"/>
             </a:lvl1pPr>
           </a:lstStyle>
           <a:p>
             <a:pPr lvl="0">
-              <a:defRPr b="0" sz="1800">
-                <a:solidFill>
-                  <a:srgbClr val="000000"/>
-                </a:solidFill>
-              </a:defRPr>
+              <a:defRPr sz="1800"/>
             </a:pPr>
             <a:r>
-              <a:rPr b="1" sz="7040">
-                <a:solidFill>
-                  <a:srgbClr val="FFFFFF"/>
-                </a:solidFill>
-              </a:rPr>
-              <a:t>The Challenge of Causal Inference in the Social Sciences</a:t>
+              <a:rPr sz="6000"/>
+              <a:t>The Consistency Assumption</a:t>
             </a:r>
           </a:p>
         </p:txBody>
       </p:sp>
       <p:sp>
         <p:nvSpPr>
-          <p:cNvPr id="33" name="Shape 33"/>
-          <p:cNvSpPr/>
+          <p:cNvPr id="57" name="Shape 57"/>
+          <p:cNvSpPr>
+            <a:spLocks noGrp="1"/>
+          </p:cNvSpPr>
           <p:nvPr>
             <p:ph type="body" idx="1"/>
           </p:nvPr>
         </p:nvSpPr>
         <p:spPr>
-          <a:xfrm>
-            <a:off x="1270000" y="5740400"/>
-            <a:ext cx="10656392" cy="1723629"/>
-          </a:xfrm>
           <a:prstGeom prst="rect">
             <a:avLst/>
           </a:prstGeom>
@@ -1936,91 +2660,364 @@
               <a:defRPr sz="1800"/>
             </a:pPr>
             <a:r>
-              <a:rPr b="1" sz="2400">
-                <a:solidFill>
-                  <a:srgbClr val="FFFFFF"/>
-                </a:solidFill>
-                <a:latin typeface="Helvetica"/>
-                <a:ea typeface="Helvetica"/>
-                <a:cs typeface="Helvetica"/>
-                <a:sym typeface="Helvetica"/>
-              </a:rPr>
-              <a:t>Justin Murphy, PhD</a:t>
-            </a:r>
-            <a:endParaRPr b="1" sz="2400">
-              <a:solidFill>
-                <a:srgbClr val="FFFFFF"/>
-              </a:solidFill>
-              <a:latin typeface="Helvetica"/>
-              <a:ea typeface="Helvetica"/>
-              <a:cs typeface="Helvetica"/>
-              <a:sym typeface="Helvetica"/>
-            </a:endParaRPr>
+              <a:rPr sz="3600"/>
+              <a:t>AKA the “SUTVA”: The Stable Unit Treatment Value Assumption</a:t>
+            </a:r>
           </a:p>
           <a:p>
             <a:pPr lvl="0">
               <a:defRPr sz="1800"/>
             </a:pPr>
             <a:r>
-              <a:rPr b="1" sz="2400" u="sng">
-                <a:solidFill>
-                  <a:srgbClr val="FFFFFF"/>
-                </a:solidFill>
-                <a:latin typeface="Helvetica"/>
-                <a:ea typeface="Helvetica"/>
-                <a:cs typeface="Helvetica"/>
-                <a:sym typeface="Helvetica"/>
-                <a:hlinkClick r:id="rId2" invalidUrl="" action="" tgtFrame="" tooltip="" history="1" highlightClick="0" endSnd="0"/>
-              </a:rPr>
-              <a:t>jmrphy.net</a:t>
-            </a:r>
-            <a:endParaRPr b="1" sz="2400">
-              <a:solidFill>
-                <a:srgbClr val="FFFFFF"/>
-              </a:solidFill>
-              <a:latin typeface="Helvetica"/>
-              <a:ea typeface="Helvetica"/>
-              <a:cs typeface="Helvetica"/>
-              <a:sym typeface="Helvetica"/>
-            </a:endParaRPr>
+              <a:rPr sz="3600"/>
+              <a:t>"the [potential outcome] observation on one unit should be unaffected by the particular assignment of treatments to the other units" (Cox 1958)</a:t>
+            </a:r>
           </a:p>
           <a:p>
             <a:pPr lvl="0">
               <a:defRPr sz="1800"/>
             </a:pPr>
             <a:r>
-              <a:rPr b="1" sz="2400" u="sng">
-                <a:solidFill>
-                  <a:srgbClr val="FFFFFF"/>
-                </a:solidFill>
-                <a:latin typeface="Helvetica"/>
-                <a:ea typeface="Helvetica"/>
-                <a:cs typeface="Helvetica"/>
-                <a:sym typeface="Helvetica"/>
-                <a:hlinkClick r:id="rId3" invalidUrl="" action="" tgtFrame="" tooltip="" history="1" highlightClick="0" endSnd="0"/>
-              </a:rPr>
-              <a:t>@jmrphy</a:t>
+              <a:rPr sz="3600"/>
+              <a:t>                      if </a:t>
+            </a:r>
+          </a:p>
+          <a:p>
+            <a:pPr lvl="0">
+              <a:defRPr sz="1800"/>
+            </a:pPr>
+            <a:r>
+              <a:rPr sz="3600"/>
+              <a:t>Very important/tricky in social research (hint: strategic interactions, time, etc.)</a:t>
             </a:r>
           </a:p>
         </p:txBody>
       </p:sp>
+      <p:pic>
+        <p:nvPicPr>
+          <p:cNvPr id="58" name="pasted-image.pdf"/>
+          <p:cNvPicPr/>
+          <p:nvPr/>
+        </p:nvPicPr>
+        <p:blipFill>
+          <a:blip r:embed="rId2">
+            <a:extLst/>
+          </a:blip>
+          <a:stretch>
+            <a:fillRect/>
+          </a:stretch>
+        </p:blipFill>
+        <p:spPr>
+          <a:xfrm>
+            <a:off x="1472009" y="6625133"/>
+            <a:ext cx="2019301" cy="469901"/>
+          </a:xfrm>
+          <a:prstGeom prst="rect">
+            <a:avLst/>
+          </a:prstGeom>
+          <a:ln w="12700">
+            <a:miter lim="400000"/>
+          </a:ln>
+        </p:spPr>
+      </p:pic>
+      <p:pic>
+        <p:nvPicPr>
+          <p:cNvPr id="59" name="pasted-image.pdf"/>
+          <p:cNvPicPr/>
+          <p:nvPr/>
+        </p:nvPicPr>
+        <p:blipFill>
+          <a:blip r:embed="rId3">
+            <a:extLst/>
+          </a:blip>
+          <a:stretch>
+            <a:fillRect/>
+          </a:stretch>
+        </p:blipFill>
+        <p:spPr>
+          <a:xfrm>
+            <a:off x="5145782" y="6663233"/>
+            <a:ext cx="1371601" cy="393701"/>
+          </a:xfrm>
+          <a:prstGeom prst="rect">
+            <a:avLst/>
+          </a:prstGeom>
+          <a:ln w="12700">
+            <a:miter lim="400000"/>
+          </a:ln>
+        </p:spPr>
+      </p:pic>
     </p:spTree>
   </p:cSld>
   <p:clrMapOvr>
     <a:masterClrMapping/>
   </p:clrMapOvr>
-  <p:transition spd="med" advClick="1"/>
+  <p:transition xmlns:p14="http://schemas.microsoft.com/office/powerpoint/2010/main" spd="med"/>
+  <p:timing>
+    <p:tnLst>
+      <p:par>
+        <p:cTn xmlns:p14="http://schemas.microsoft.com/office/powerpoint/2010/main" id="1" dur="indefinite" restart="never" fill="hold" nodeType="tmRoot">
+          <p:childTnLst>
+            <p:seq concurrent="1" prevAc="none" nextAc="seek">
+              <p:cTn id="2" dur="indefinite" fill="hold" nodeType="mainSeq">
+                <p:childTnLst>
+                  <p:par>
+                    <p:cTn id="3" fill="hold">
+                      <p:stCondLst>
+                        <p:cond delay="indefinite"/>
+                      </p:stCondLst>
+                      <p:childTnLst>
+                        <p:par>
+                          <p:cTn id="4" fill="hold">
+                            <p:stCondLst>
+                              <p:cond delay="0"/>
+                            </p:stCondLst>
+                            <p:childTnLst>
+                              <p:par>
+                                <p:cTn id="5" presetID="1" presetClass="entr" presetSubtype="0" fill="hold" grpId="1" nodeType="clickEffect">
+                                  <p:stCondLst>
+                                    <p:cond delay="0"/>
+                                  </p:stCondLst>
+                                  <p:iterate>
+                                    <p:tmAbs val="0"/>
+                                  </p:iterate>
+                                  <p:childTnLst>
+                                    <p:set>
+                                      <p:cBhvr>
+                                        <p:cTn id="6" fill="hold"/>
+                                        <p:tgtEl>
+                                          <p:spTgt spid="57">
+                                            <p:bg/>
+                                          </p:spTgt>
+                                        </p:tgtEl>
+                                        <p:attrNameLst>
+                                          <p:attrName>style.visibility</p:attrName>
+                                        </p:attrNameLst>
+                                      </p:cBhvr>
+                                      <p:to>
+                                        <p:strVal val="visible"/>
+                                      </p:to>
+                                    </p:set>
+                                  </p:childTnLst>
+                                </p:cTn>
+                              </p:par>
+                              <p:par>
+                                <p:cTn id="7" presetID="1" presetClass="entr" presetSubtype="0" fill="hold" grpId="1">
+                                  <p:stCondLst>
+                                    <p:cond delay="0"/>
+                                  </p:stCondLst>
+                                  <p:iterate>
+                                    <p:tmAbs val="0"/>
+                                  </p:iterate>
+                                  <p:childTnLst>
+                                    <p:set>
+                                      <p:cBhvr>
+                                        <p:cTn id="8" fill="hold"/>
+                                        <p:tgtEl>
+                                          <p:spTgt spid="57">
+                                            <p:txEl>
+                                              <p:pRg st="0" end="0"/>
+                                            </p:txEl>
+                                          </p:spTgt>
+                                        </p:tgtEl>
+                                        <p:attrNameLst>
+                                          <p:attrName>style.visibility</p:attrName>
+                                        </p:attrNameLst>
+                                      </p:cBhvr>
+                                      <p:to>
+                                        <p:strVal val="visible"/>
+                                      </p:to>
+                                    </p:set>
+                                  </p:childTnLst>
+                                </p:cTn>
+                              </p:par>
+                            </p:childTnLst>
+                          </p:cTn>
+                        </p:par>
+                      </p:childTnLst>
+                    </p:cTn>
+                  </p:par>
+                  <p:par>
+                    <p:cTn id="9" fill="hold">
+                      <p:stCondLst>
+                        <p:cond delay="indefinite"/>
+                      </p:stCondLst>
+                      <p:childTnLst>
+                        <p:par>
+                          <p:cTn id="10" fill="hold">
+                            <p:stCondLst>
+                              <p:cond delay="0"/>
+                            </p:stCondLst>
+                            <p:childTnLst>
+                              <p:par>
+                                <p:cTn id="11" presetID="1" presetClass="entr" presetSubtype="0" fill="hold" grpId="1" nodeType="clickEffect">
+                                  <p:stCondLst>
+                                    <p:cond delay="0"/>
+                                  </p:stCondLst>
+                                  <p:iterate>
+                                    <p:tmAbs val="0"/>
+                                  </p:iterate>
+                                  <p:childTnLst>
+                                    <p:set>
+                                      <p:cBhvr>
+                                        <p:cTn id="12" fill="hold"/>
+                                        <p:tgtEl>
+                                          <p:spTgt spid="57">
+                                            <p:txEl>
+                                              <p:pRg st="1" end="1"/>
+                                            </p:txEl>
+                                          </p:spTgt>
+                                        </p:tgtEl>
+                                        <p:attrNameLst>
+                                          <p:attrName>style.visibility</p:attrName>
+                                        </p:attrNameLst>
+                                      </p:cBhvr>
+                                      <p:to>
+                                        <p:strVal val="visible"/>
+                                      </p:to>
+                                    </p:set>
+                                  </p:childTnLst>
+                                </p:cTn>
+                              </p:par>
+                            </p:childTnLst>
+                          </p:cTn>
+                        </p:par>
+                      </p:childTnLst>
+                    </p:cTn>
+                  </p:par>
+                  <p:par>
+                    <p:cTn id="13" fill="hold">
+                      <p:stCondLst>
+                        <p:cond delay="indefinite"/>
+                      </p:stCondLst>
+                      <p:childTnLst>
+                        <p:par>
+                          <p:cTn id="14" fill="hold">
+                            <p:stCondLst>
+                              <p:cond delay="0"/>
+                            </p:stCondLst>
+                            <p:childTnLst>
+                              <p:par>
+                                <p:cTn id="15" presetID="1" presetClass="entr" presetSubtype="0" fill="hold" grpId="1" nodeType="clickEffect">
+                                  <p:stCondLst>
+                                    <p:cond delay="0"/>
+                                  </p:stCondLst>
+                                  <p:iterate>
+                                    <p:tmAbs val="0"/>
+                                  </p:iterate>
+                                  <p:childTnLst>
+                                    <p:set>
+                                      <p:cBhvr>
+                                        <p:cTn id="16" fill="hold"/>
+                                        <p:tgtEl>
+                                          <p:spTgt spid="57">
+                                            <p:txEl>
+                                              <p:pRg st="2" end="2"/>
+                                            </p:txEl>
+                                          </p:spTgt>
+                                        </p:tgtEl>
+                                        <p:attrNameLst>
+                                          <p:attrName>style.visibility</p:attrName>
+                                        </p:attrNameLst>
+                                      </p:cBhvr>
+                                      <p:to>
+                                        <p:strVal val="visible"/>
+                                      </p:to>
+                                    </p:set>
+                                  </p:childTnLst>
+                                </p:cTn>
+                              </p:par>
+                            </p:childTnLst>
+                          </p:cTn>
+                        </p:par>
+                      </p:childTnLst>
+                    </p:cTn>
+                  </p:par>
+                  <p:par>
+                    <p:cTn id="17" fill="hold">
+                      <p:stCondLst>
+                        <p:cond delay="indefinite"/>
+                      </p:stCondLst>
+                      <p:childTnLst>
+                        <p:par>
+                          <p:cTn id="18" fill="hold">
+                            <p:stCondLst>
+                              <p:cond delay="0"/>
+                            </p:stCondLst>
+                            <p:childTnLst>
+                              <p:par>
+                                <p:cTn id="19" presetID="1" presetClass="entr" presetSubtype="0" fill="hold" grpId="1" nodeType="clickEffect">
+                                  <p:stCondLst>
+                                    <p:cond delay="0"/>
+                                  </p:stCondLst>
+                                  <p:iterate>
+                                    <p:tmAbs val="0"/>
+                                  </p:iterate>
+                                  <p:childTnLst>
+                                    <p:set>
+                                      <p:cBhvr>
+                                        <p:cTn id="20" fill="hold"/>
+                                        <p:tgtEl>
+                                          <p:spTgt spid="57">
+                                            <p:txEl>
+                                              <p:pRg st="3" end="3"/>
+                                            </p:txEl>
+                                          </p:spTgt>
+                                        </p:tgtEl>
+                                        <p:attrNameLst>
+                                          <p:attrName>style.visibility</p:attrName>
+                                        </p:attrNameLst>
+                                      </p:cBhvr>
+                                      <p:to>
+                                        <p:strVal val="visible"/>
+                                      </p:to>
+                                    </p:set>
+                                  </p:childTnLst>
+                                </p:cTn>
+                              </p:par>
+                            </p:childTnLst>
+                          </p:cTn>
+                        </p:par>
+                      </p:childTnLst>
+                    </p:cTn>
+                  </p:par>
+                </p:childTnLst>
+              </p:cTn>
+              <p:prevCondLst>
+                <p:cond evt="onPrev" delay="0">
+                  <p:tgtEl>
+                    <p:sldTgt/>
+                  </p:tgtEl>
+                </p:cond>
+              </p:prevCondLst>
+              <p:nextCondLst>
+                <p:cond evt="onNext" delay="0">
+                  <p:tgtEl>
+                    <p:sldTgt/>
+                  </p:tgtEl>
+                </p:cond>
+              </p:nextCondLst>
+            </p:seq>
+          </p:childTnLst>
+        </p:cTn>
+      </p:par>
+    </p:tnLst>
+    <p:bldLst>
+      <p:bldP spid="57" grpId="1" build="p" bldLvl="5" animBg="1" advAuto="0"/>
+    </p:bldLst>
+  </p:timing>
 </p:sld>
 </file>
 
-<file path=ppt/slides/slide10.xml><?xml version="1.0" encoding="utf-8"?>
-<p:sld xmlns:a="http://schemas.openxmlformats.org/drawingml/2006/main" xmlns:r="http://schemas.openxmlformats.org/officeDocument/2006/relationships" xmlns:p="http://schemas.openxmlformats.org/presentationml/2006/main" showMasterSp="1" showMasterPhAnim="1">
+<file path=ppt/slides/slide5.xml><?xml version="1.0" encoding="utf-8"?>
+<p:sld xmlns:a="http://schemas.openxmlformats.org/drawingml/2006/main" xmlns:r="http://schemas.openxmlformats.org/officeDocument/2006/relationships" xmlns:p="http://schemas.openxmlformats.org/presentationml/2006/main">
   <p:cSld>
     <p:bg>
       <p:bgPr>
         <a:solidFill>
           <a:srgbClr val="510602"/>
         </a:solidFill>
+        <a:effectLst/>
       </p:bgPr>
     </p:bg>
     <p:spTree>
@@ -2040,7 +3037,9 @@
       <p:sp>
         <p:nvSpPr>
           <p:cNvPr id="61" name="Shape 61"/>
-          <p:cNvSpPr/>
+          <p:cNvSpPr>
+            <a:spLocks noGrp="1"/>
+          </p:cNvSpPr>
           <p:nvPr>
             <p:ph type="title"/>
           </p:nvPr>
@@ -2083,7 +3082,9 @@
       <p:sp>
         <p:nvSpPr>
           <p:cNvPr id="62" name="Shape 62"/>
-          <p:cNvSpPr/>
+          <p:cNvSpPr>
+            <a:spLocks noGrp="1"/>
+          </p:cNvSpPr>
           <p:nvPr>
             <p:ph type="body" idx="1"/>
           </p:nvPr>
@@ -2097,13 +3098,13 @@
           <a:bodyPr/>
           <a:lstStyle/>
           <a:p>
-            <a:pPr lvl="0" marL="0" indent="0">
+            <a:pPr marL="0" lvl="0" indent="0">
               <a:buSzTx/>
               <a:buNone/>
               <a:defRPr sz="1800"/>
             </a:pPr>
             <a:r>
-              <a:rPr b="1" sz="3600">
+              <a:rPr sz="3600" b="1">
                 <a:solidFill>
                   <a:srgbClr val="FFFFFF"/>
                 </a:solidFill>
@@ -2114,15 +3115,6 @@
               </a:rPr>
               <a:t>For any unit, we only ever observe one potential outcome.</a:t>
             </a:r>
-            <a:endParaRPr b="1" sz="3600">
-              <a:solidFill>
-                <a:srgbClr val="FFFFFF"/>
-              </a:solidFill>
-              <a:latin typeface="Helvetica"/>
-              <a:ea typeface="Helvetica"/>
-              <a:cs typeface="Helvetica"/>
-              <a:sym typeface="Helvetica"/>
-            </a:endParaRPr>
           </a:p>
           <a:p>
             <a:pPr lvl="1">
@@ -2136,11 +3128,6 @@
               </a:rPr>
               <a:t>In other words, to directly calculate a causal effect would require us to rewind the world and re-run it with a different value on the independent variable.</a:t>
             </a:r>
-            <a:endParaRPr sz="3000">
-              <a:solidFill>
-                <a:srgbClr val="FFFFFF"/>
-              </a:solidFill>
-            </a:endParaRPr>
           </a:p>
           <a:p>
             <a:pPr lvl="1">
@@ -2155,7 +3142,7 @@
               <a:t>In other words, causality </a:t>
             </a:r>
             <a:r>
-              <a:rPr i="1" sz="3000">
+              <a:rPr sz="3000" i="1">
                 <a:solidFill>
                   <a:srgbClr val="FFFFFF"/>
                 </a:solidFill>
@@ -2178,14 +3165,14 @@
   <p:clrMapOvr>
     <a:masterClrMapping/>
   </p:clrMapOvr>
-  <p:transition spd="med" advClick="1"/>
+  <p:transition xmlns:p14="http://schemas.microsoft.com/office/powerpoint/2010/main" spd="med"/>
   <p:timing>
     <p:tnLst>
       <p:par>
-        <p:cTn id="1" nodeType="tmRoot" restart="never" dur="indefinite" fill="hold">
+        <p:cTn xmlns:p14="http://schemas.microsoft.com/office/powerpoint/2010/main" id="1" dur="indefinite" restart="never" fill="hold" nodeType="tmRoot">
           <p:childTnLst>
             <p:seq concurrent="1" prevAc="none" nextAc="seek">
-              <p:cTn id="2" nodeType="mainSeq" dur="indefinite" fill="hold">
+              <p:cTn id="2" dur="indefinite" fill="hold" nodeType="mainSeq">
                 <p:childTnLst>
                   <p:par>
                     <p:cTn id="3" fill="hold">
@@ -2200,11 +3187,11 @@
                             </p:stCondLst>
                             <p:childTnLst>
                               <p:par>
-                                <p:cTn id="5" nodeType="clickEffect" presetClass="entr" presetSubtype="0" presetID="1" grpId="1" fill="hold">
+                                <p:cTn id="5" presetID="1" presetClass="entr" presetSubtype="0" fill="hold" grpId="1" nodeType="clickEffect">
                                   <p:stCondLst>
                                     <p:cond delay="0"/>
                                   </p:stCondLst>
-                                  <p:iterate type="el" backwards="0">
+                                  <p:iterate>
                                     <p:tmAbs val="0"/>
                                   </p:iterate>
                                   <p:childTnLst>
@@ -2228,11 +3215,11 @@
                                 </p:cTn>
                               </p:par>
                               <p:par>
-                                <p:cTn id="7" presetClass="entr" presetSubtype="0" presetID="1" grpId="1" fill="hold">
+                                <p:cTn id="7" presetID="1" presetClass="entr" presetSubtype="0" fill="hold" grpId="1">
                                   <p:stCondLst>
                                     <p:cond delay="0"/>
                                   </p:stCondLst>
-                                  <p:iterate type="el" backwards="0">
+                                  <p:iterate>
                                     <p:tmAbs val="0"/>
                                   </p:iterate>
                                   <p:childTnLst>
@@ -2276,11 +3263,11 @@
                             </p:stCondLst>
                             <p:childTnLst>
                               <p:par>
-                                <p:cTn id="11" nodeType="clickEffect" presetClass="entr" presetSubtype="0" presetID="1" grpId="1" fill="hold">
+                                <p:cTn id="11" presetID="1" presetClass="entr" presetSubtype="0" fill="hold" grpId="1" nodeType="clickEffect">
                                   <p:stCondLst>
                                     <p:cond delay="0"/>
                                   </p:stCondLst>
-                                  <p:iterate type="el" backwards="0">
+                                  <p:iterate>
                                     <p:tmAbs val="0"/>
                                   </p:iterate>
                                   <p:childTnLst>
@@ -2324,11 +3311,11 @@
                             </p:stCondLst>
                             <p:childTnLst>
                               <p:par>
-                                <p:cTn id="15" nodeType="clickEffect" presetClass="entr" presetSubtype="0" presetID="1" grpId="1" fill="hold">
+                                <p:cTn id="15" presetID="1" presetClass="entr" presetSubtype="0" fill="hold" grpId="1" nodeType="clickEffect">
                                   <p:stCondLst>
                                     <p:cond delay="0"/>
                                   </p:stCondLst>
-                                  <p:iterate type="el" backwards="0">
+                                  <p:iterate>
                                     <p:tmAbs val="0"/>
                                   </p:iterate>
                                   <p:childTnLst>
@@ -2362,14 +3349,14 @@
                 </p:childTnLst>
               </p:cTn>
               <p:prevCondLst>
-                <p:cond evt="onPrev">
+                <p:cond evt="onPrev" delay="0">
                   <p:tgtEl>
                     <p:sldTgt/>
                   </p:tgtEl>
                 </p:cond>
               </p:prevCondLst>
               <p:nextCondLst>
-                <p:cond evt="onNext">
+                <p:cond evt="onNext" delay="0">
                   <p:tgtEl>
                     <p:sldTgt/>
                   </p:tgtEl>
@@ -2381,14 +3368,14 @@
       </p:par>
     </p:tnLst>
     <p:bldLst>
-      <p:bldP build="p" bldLvl="5" animBg="1" rev="0" advAuto="0" spid="62" grpId="1"/>
+      <p:bldP spid="62" grpId="1" build="p" bldLvl="5" animBg="1" advAuto="0"/>
     </p:bldLst>
   </p:timing>
 </p:sld>
 </file>
 
-<file path=ppt/slides/slide11.xml><?xml version="1.0" encoding="utf-8"?>
-<p:sld xmlns:a="http://schemas.openxmlformats.org/drawingml/2006/main" xmlns:r="http://schemas.openxmlformats.org/officeDocument/2006/relationships" xmlns:p="http://schemas.openxmlformats.org/presentationml/2006/main" showMasterSp="1" showMasterPhAnim="1">
+<file path=ppt/slides/slide6.xml><?xml version="1.0" encoding="utf-8"?>
+<p:sld xmlns:a="http://schemas.openxmlformats.org/drawingml/2006/main" xmlns:r="http://schemas.openxmlformats.org/officeDocument/2006/relationships" xmlns:p="http://schemas.openxmlformats.org/presentationml/2006/main">
   <p:cSld>
     <p:spTree>
       <p:nvGrpSpPr>
@@ -2407,7 +3394,9 @@
       <p:sp>
         <p:nvSpPr>
           <p:cNvPr id="64" name="Shape 64"/>
-          <p:cNvSpPr/>
+          <p:cNvSpPr>
+            <a:spLocks noGrp="1"/>
+          </p:cNvSpPr>
           <p:nvPr>
             <p:ph type="title"/>
           </p:nvPr>
@@ -2438,7 +3427,9 @@
       <p:sp>
         <p:nvSpPr>
           <p:cNvPr id="65" name="Shape 65"/>
-          <p:cNvSpPr/>
+          <p:cNvSpPr>
+            <a:spLocks noGrp="1"/>
+          </p:cNvSpPr>
           <p:nvPr>
             <p:ph type="body" idx="1"/>
           </p:nvPr>
@@ -2452,7 +3443,7 @@
           <a:bodyPr/>
           <a:lstStyle/>
           <a:p>
-            <a:pPr lvl="0" marL="391159" indent="-391159" defTabSz="514095">
+            <a:pPr marL="391159" lvl="0" indent="-391159" defTabSz="514095">
               <a:spcBef>
                 <a:spcPts val="3600"/>
               </a:spcBef>
@@ -2462,10 +3453,9 @@
               <a:rPr sz="3168"/>
               <a:t>Suppose some units </a:t>
             </a:r>
-            <a:endParaRPr sz="3168"/>
-          </a:p>
-          <a:p>
-            <a:pPr lvl="0" marL="391159" indent="-391159" defTabSz="514095">
+          </a:p>
+          <a:p>
+            <a:pPr marL="391159" lvl="0" indent="-391159" defTabSz="514095">
               <a:spcBef>
                 <a:spcPts val="3600"/>
               </a:spcBef>
@@ -2476,13 +3466,12 @@
               <a:t>A dependent variable</a:t>
             </a:r>
             <a:r>
-              <a:rPr i="1" sz="3168"/>
+              <a:rPr sz="3168" i="1"/>
               <a:t>    </a:t>
             </a:r>
-            <a:endParaRPr i="1" sz="3168"/>
-          </a:p>
-          <a:p>
-            <a:pPr lvl="0" marL="391159" indent="-391159" defTabSz="514095">
+          </a:p>
+          <a:p>
+            <a:pPr marL="391159" lvl="0" indent="-391159" defTabSz="514095">
               <a:spcBef>
                 <a:spcPts val="3600"/>
               </a:spcBef>
@@ -2492,10 +3481,9 @@
               <a:rPr sz="3168"/>
               <a:t>An independent variable </a:t>
             </a:r>
-            <a:endParaRPr sz="3168"/>
-          </a:p>
-          <a:p>
-            <a:pPr lvl="0" marL="391159" indent="-391159" defTabSz="514095">
+          </a:p>
+          <a:p>
+            <a:pPr marL="391159" lvl="0" indent="-391159" defTabSz="514095">
               <a:spcBef>
                 <a:spcPts val="3600"/>
               </a:spcBef>
@@ -2506,7 +3494,7 @@
               <a:t>The value of </a:t>
             </a:r>
             <a:r>
-              <a:rPr b="1" i="1" sz="3168">
+              <a:rPr sz="3168" b="1" i="1">
                 <a:latin typeface="Helvetica"/>
                 <a:ea typeface="Helvetica"/>
                 <a:cs typeface="Helvetica"/>
@@ -2515,17 +3503,16 @@
               <a:t>Y</a:t>
             </a:r>
             <a:r>
-              <a:rPr i="1" sz="3168"/>
+              <a:rPr sz="3168" i="1"/>
               <a:t> </a:t>
             </a:r>
             <a:r>
               <a:rPr sz="3168"/>
               <a:t>given some treatment</a:t>
             </a:r>
-            <a:endParaRPr sz="3168"/>
-          </a:p>
-          <a:p>
-            <a:pPr lvl="0" marL="391159" indent="-391159" defTabSz="514095">
+          </a:p>
+          <a:p>
+            <a:pPr marL="391159" lvl="0" indent="-391159" defTabSz="514095">
               <a:spcBef>
                 <a:spcPts val="3600"/>
               </a:spcBef>
@@ -2536,7 +3523,7 @@
               <a:t>The value of </a:t>
             </a:r>
             <a:r>
-              <a:rPr b="1" i="1" sz="3168">
+              <a:rPr sz="3168" b="1" i="1">
                 <a:latin typeface="Helvetica"/>
                 <a:ea typeface="Helvetica"/>
                 <a:cs typeface="Helvetica"/>
@@ -2548,10 +3535,9 @@
               <a:rPr sz="3168"/>
               <a:t>given no treatment is</a:t>
             </a:r>
-            <a:endParaRPr sz="3168"/>
-          </a:p>
-          <a:p>
-            <a:pPr lvl="0" marL="391159" indent="-391159" defTabSz="514095">
+          </a:p>
+          <a:p>
+            <a:pPr marL="391159" lvl="0" indent="-391159" defTabSz="514095">
               <a:spcBef>
                 <a:spcPts val="3600"/>
               </a:spcBef>
@@ -2561,7 +3547,6 @@
               <a:rPr sz="3168"/>
               <a:t>A basic formal statement of the causal effect is</a:t>
             </a:r>
-            <a:endParaRPr sz="3168"/>
           </a:p>
         </p:txBody>
       </p:sp>
@@ -2732,14 +3717,14 @@
   <p:clrMapOvr>
     <a:masterClrMapping/>
   </p:clrMapOvr>
-  <p:transition spd="med" advClick="1"/>
+  <p:transition xmlns:p14="http://schemas.microsoft.com/office/powerpoint/2010/main" spd="med"/>
   <p:timing>
     <p:tnLst>
       <p:par>
-        <p:cTn id="1" nodeType="tmRoot" restart="never" dur="indefinite" fill="hold">
+        <p:cTn xmlns:p14="http://schemas.microsoft.com/office/powerpoint/2010/main" id="1" dur="indefinite" restart="never" fill="hold" nodeType="tmRoot">
           <p:childTnLst>
             <p:seq concurrent="1" prevAc="none" nextAc="seek">
-              <p:cTn id="2" nodeType="mainSeq" dur="indefinite" fill="hold">
+              <p:cTn id="2" dur="indefinite" fill="hold" nodeType="mainSeq">
                 <p:childTnLst>
                   <p:par>
                     <p:cTn id="3" fill="hold">
@@ -2754,11 +3739,11 @@
                             </p:stCondLst>
                             <p:childTnLst>
                               <p:par>
-                                <p:cTn id="5" nodeType="clickEffect" presetClass="entr" presetSubtype="0" presetID="1" grpId="1" fill="hold">
+                                <p:cTn id="5" presetID="1" presetClass="entr" presetSubtype="0" fill="hold" grpId="1" nodeType="clickEffect">
                                   <p:stCondLst>
                                     <p:cond delay="0"/>
                                   </p:stCondLst>
-                                  <p:iterate type="el" backwards="0">
+                                  <p:iterate>
                                     <p:tmAbs val="0"/>
                                   </p:iterate>
                                   <p:childTnLst>
@@ -2782,11 +3767,11 @@
                                 </p:cTn>
                               </p:par>
                               <p:par>
-                                <p:cTn id="7" presetClass="entr" presetSubtype="0" presetID="1" grpId="1" fill="hold">
+                                <p:cTn id="7" presetID="1" presetClass="entr" presetSubtype="0" fill="hold" grpId="1">
                                   <p:stCondLst>
                                     <p:cond delay="0"/>
                                   </p:stCondLst>
-                                  <p:iterate type="el" backwards="0">
+                                  <p:iterate>
                                     <p:tmAbs val="0"/>
                                   </p:iterate>
                                   <p:childTnLst>
@@ -2830,11 +3815,11 @@
                             </p:stCondLst>
                             <p:childTnLst>
                               <p:par>
-                                <p:cTn id="11" nodeType="clickEffect" presetClass="entr" presetSubtype="0" presetID="1" grpId="1" fill="hold">
+                                <p:cTn id="11" presetID="1" presetClass="entr" presetSubtype="0" fill="hold" grpId="1" nodeType="clickEffect">
                                   <p:stCondLst>
                                     <p:cond delay="0"/>
                                   </p:stCondLst>
-                                  <p:iterate type="el" backwards="0">
+                                  <p:iterate>
                                     <p:tmAbs val="0"/>
                                   </p:iterate>
                                   <p:childTnLst>
@@ -2878,11 +3863,11 @@
                             </p:stCondLst>
                             <p:childTnLst>
                               <p:par>
-                                <p:cTn id="15" nodeType="clickEffect" presetClass="entr" presetSubtype="0" presetID="1" grpId="1" fill="hold">
+                                <p:cTn id="15" presetID="1" presetClass="entr" presetSubtype="0" fill="hold" grpId="1" nodeType="clickEffect">
                                   <p:stCondLst>
                                     <p:cond delay="0"/>
                                   </p:stCondLst>
-                                  <p:iterate type="el" backwards="0">
+                                  <p:iterate>
                                     <p:tmAbs val="0"/>
                                   </p:iterate>
                                   <p:childTnLst>
@@ -2926,11 +3911,11 @@
                             </p:stCondLst>
                             <p:childTnLst>
                               <p:par>
-                                <p:cTn id="19" nodeType="clickEffect" presetClass="entr" presetSubtype="0" presetID="1" grpId="1" fill="hold">
+                                <p:cTn id="19" presetID="1" presetClass="entr" presetSubtype="0" fill="hold" grpId="1" nodeType="clickEffect">
                                   <p:stCondLst>
                                     <p:cond delay="0"/>
                                   </p:stCondLst>
-                                  <p:iterate type="el" backwards="0">
+                                  <p:iterate>
                                     <p:tmAbs val="0"/>
                                   </p:iterate>
                                   <p:childTnLst>
@@ -2974,11 +3959,11 @@
                             </p:stCondLst>
                             <p:childTnLst>
                               <p:par>
-                                <p:cTn id="23" nodeType="clickEffect" presetClass="entr" presetSubtype="0" presetID="1" grpId="1" fill="hold">
+                                <p:cTn id="23" presetID="1" presetClass="entr" presetSubtype="0" fill="hold" grpId="1" nodeType="clickEffect">
                                   <p:stCondLst>
                                     <p:cond delay="0"/>
                                   </p:stCondLst>
-                                  <p:iterate type="el" backwards="0">
+                                  <p:iterate>
                                     <p:tmAbs val="0"/>
                                   </p:iterate>
                                   <p:childTnLst>
@@ -3022,11 +4007,11 @@
                             </p:stCondLst>
                             <p:childTnLst>
                               <p:par>
-                                <p:cTn id="27" nodeType="clickEffect" presetClass="entr" presetSubtype="0" presetID="1" grpId="1" fill="hold">
+                                <p:cTn id="27" presetID="1" presetClass="entr" presetSubtype="0" fill="hold" grpId="1" nodeType="clickEffect">
                                   <p:stCondLst>
                                     <p:cond delay="0"/>
                                   </p:stCondLst>
-                                  <p:iterate type="el" backwards="0">
+                                  <p:iterate>
                                     <p:tmAbs val="0"/>
                                   </p:iterate>
                                   <p:childTnLst>
@@ -3070,11 +4055,11 @@
                             </p:stCondLst>
                             <p:childTnLst>
                               <p:par>
-                                <p:cTn id="31" nodeType="clickEffect" presetClass="entr" presetSubtype="0" presetID="1" grpId="1" fill="hold">
+                                <p:cTn id="31" presetID="1" presetClass="entr" presetSubtype="0" fill="hold" grpId="1" nodeType="clickEffect">
                                   <p:stCondLst>
                                     <p:cond delay="0"/>
                                   </p:stCondLst>
-                                  <p:iterate type="el" backwards="0">
+                                  <p:iterate>
                                     <p:tmAbs val="0"/>
                                   </p:iterate>
                                   <p:childTnLst>
@@ -3108,14 +4093,14 @@
                 </p:childTnLst>
               </p:cTn>
               <p:prevCondLst>
-                <p:cond evt="onPrev">
+                <p:cond evt="onPrev" delay="0">
                   <p:tgtEl>
                     <p:sldTgt/>
                   </p:tgtEl>
                 </p:cond>
               </p:prevCondLst>
               <p:nextCondLst>
-                <p:cond evt="onNext">
+                <p:cond evt="onNext" delay="0">
                   <p:tgtEl>
                     <p:sldTgt/>
                   </p:tgtEl>
@@ -3127,14 +4112,14 @@
       </p:par>
     </p:tnLst>
     <p:bldLst>
-      <p:bldP build="p" bldLvl="5" animBg="1" rev="0" advAuto="0" spid="65" grpId="1"/>
+      <p:bldP spid="65" grpId="1" build="p" bldLvl="5" animBg="1" advAuto="0"/>
     </p:bldLst>
   </p:timing>
 </p:sld>
 </file>
 
-<file path=ppt/slides/slide12.xml><?xml version="1.0" encoding="utf-8"?>
-<p:sld xmlns:a="http://schemas.openxmlformats.org/drawingml/2006/main" xmlns:r="http://schemas.openxmlformats.org/officeDocument/2006/relationships" xmlns:p="http://schemas.openxmlformats.org/presentationml/2006/main" showMasterSp="1" showMasterPhAnim="1">
+<file path=ppt/slides/slide7.xml><?xml version="1.0" encoding="utf-8"?>
+<p:sld xmlns:a="http://schemas.openxmlformats.org/drawingml/2006/main" xmlns:r="http://schemas.openxmlformats.org/officeDocument/2006/relationships" xmlns:p="http://schemas.openxmlformats.org/presentationml/2006/main">
   <p:cSld>
     <p:spTree>
       <p:nvGrpSpPr>
@@ -3153,7 +4138,9 @@
       <p:sp>
         <p:nvSpPr>
           <p:cNvPr id="73" name="Shape 73"/>
-          <p:cNvSpPr/>
+          <p:cNvSpPr>
+            <a:spLocks noGrp="1"/>
+          </p:cNvSpPr>
           <p:nvPr>
             <p:ph type="title"/>
           </p:nvPr>
@@ -3184,7 +4171,9 @@
       <p:sp>
         <p:nvSpPr>
           <p:cNvPr id="74" name="Shape 74"/>
-          <p:cNvSpPr/>
+          <p:cNvSpPr>
+            <a:spLocks noGrp="1"/>
+          </p:cNvSpPr>
           <p:nvPr>
             <p:ph type="body" idx="1"/>
           </p:nvPr>
@@ -3199,6 +4188,7 @@
           <a:lstStyle/>
           <a:p>
             <a:pPr lvl="0"/>
+            <a:endParaRPr/>
           </a:p>
         </p:txBody>
       </p:sp>
@@ -3234,12 +4224,12 @@
   <p:clrMapOvr>
     <a:masterClrMapping/>
   </p:clrMapOvr>
-  <p:transition spd="med" advClick="1"/>
+  <p:transition xmlns:p14="http://schemas.microsoft.com/office/powerpoint/2010/main" spd="med"/>
 </p:sld>
 </file>
 
-<file path=ppt/slides/slide13.xml><?xml version="1.0" encoding="utf-8"?>
-<p:sld xmlns:a="http://schemas.openxmlformats.org/drawingml/2006/main" xmlns:r="http://schemas.openxmlformats.org/officeDocument/2006/relationships" xmlns:p="http://schemas.openxmlformats.org/presentationml/2006/main" showMasterSp="1" showMasterPhAnim="1">
+<file path=ppt/slides/slide8.xml><?xml version="1.0" encoding="utf-8"?>
+<p:sld xmlns:a="http://schemas.openxmlformats.org/drawingml/2006/main" xmlns:r="http://schemas.openxmlformats.org/officeDocument/2006/relationships" xmlns:p="http://schemas.openxmlformats.org/presentationml/2006/main">
   <p:cSld>
     <p:spTree>
       <p:nvGrpSpPr>
@@ -3258,7 +4248,9 @@
       <p:sp>
         <p:nvSpPr>
           <p:cNvPr id="77" name="Shape 77"/>
-          <p:cNvSpPr/>
+          <p:cNvSpPr>
+            <a:spLocks noGrp="1"/>
+          </p:cNvSpPr>
           <p:nvPr>
             <p:ph type="title"/>
           </p:nvPr>
@@ -3289,7 +4281,9 @@
       <p:sp>
         <p:nvSpPr>
           <p:cNvPr id="78" name="Shape 78"/>
-          <p:cNvSpPr/>
+          <p:cNvSpPr>
+            <a:spLocks noGrp="1"/>
+          </p:cNvSpPr>
           <p:nvPr>
             <p:ph type="body" idx="1"/>
           </p:nvPr>
@@ -3303,7 +4297,7 @@
           <a:bodyPr/>
           <a:lstStyle/>
           <a:p>
-            <a:pPr lvl="0" marL="0" indent="0">
+            <a:pPr marL="0" lvl="0" indent="0">
               <a:buSzTx/>
               <a:buNone/>
               <a:defRPr sz="1800"/>
@@ -3312,10 +4306,9 @@
               <a:rPr sz="3600"/>
               <a:t>2. If doing case studies, we select cases strategically to maximize causal leverage.</a:t>
             </a:r>
-            <a:endParaRPr sz="3600"/>
-          </a:p>
-          <a:p>
-            <a:pPr lvl="1" marL="0" indent="228600">
+          </a:p>
+          <a:p>
+            <a:pPr marL="0" lvl="1" indent="228600">
               <a:buSzTx/>
               <a:buNone/>
               <a:defRPr sz="1800"/>
@@ -3324,10 +4317,9 @@
               <a:rPr sz="3600"/>
               <a:t>E.g., two countries that are as similar as possible but different on the independent variable.</a:t>
             </a:r>
-            <a:endParaRPr sz="3600"/>
-          </a:p>
-          <a:p>
-            <a:pPr lvl="0" marL="0" indent="0">
+          </a:p>
+          <a:p>
+            <a:pPr marL="0" lvl="0" indent="0">
               <a:buSzTx/>
               <a:buNone/>
               <a:defRPr sz="1800"/>
@@ -3336,10 +4328,9 @@
               <a:rPr sz="3600"/>
               <a:t>3. If quantitative data is available, we can use statistical models to mathematically isolate correlation between an independent and dependent variable.</a:t>
             </a:r>
-            <a:endParaRPr sz="3600"/>
-          </a:p>
-          <a:p>
-            <a:pPr lvl="1" marL="0" indent="228600">
+          </a:p>
+          <a:p>
+            <a:pPr marL="0" lvl="1" indent="228600">
               <a:buSzTx/>
               <a:buNone/>
               <a:defRPr sz="1800"/>
@@ -3356,14 +4347,14 @@
   <p:clrMapOvr>
     <a:masterClrMapping/>
   </p:clrMapOvr>
-  <p:transition spd="med" advClick="1"/>
+  <p:transition xmlns:p14="http://schemas.microsoft.com/office/powerpoint/2010/main" spd="med"/>
   <p:timing>
     <p:tnLst>
       <p:par>
-        <p:cTn id="1" nodeType="tmRoot" restart="never" dur="indefinite" fill="hold">
+        <p:cTn xmlns:p14="http://schemas.microsoft.com/office/powerpoint/2010/main" id="1" dur="indefinite" restart="never" fill="hold" nodeType="tmRoot">
           <p:childTnLst>
             <p:seq concurrent="1" prevAc="none" nextAc="seek">
-              <p:cTn id="2" nodeType="mainSeq" dur="indefinite" fill="hold">
+              <p:cTn id="2" dur="indefinite" fill="hold" nodeType="mainSeq">
                 <p:childTnLst>
                   <p:par>
                     <p:cTn id="3" fill="hold">
@@ -3378,11 +4369,11 @@
                             </p:stCondLst>
                             <p:childTnLst>
                               <p:par>
-                                <p:cTn id="5" nodeType="clickEffect" presetClass="entr" presetSubtype="0" presetID="1" grpId="1" fill="hold">
+                                <p:cTn id="5" presetID="1" presetClass="entr" presetSubtype="0" fill="hold" grpId="1" nodeType="clickEffect">
                                   <p:stCondLst>
                                     <p:cond delay="0"/>
                                   </p:stCondLst>
-                                  <p:iterate type="el" backwards="0">
+                                  <p:iterate>
                                     <p:tmAbs val="0"/>
                                   </p:iterate>
                                   <p:childTnLst>
@@ -3406,11 +4397,11 @@
                                 </p:cTn>
                               </p:par>
                               <p:par>
-                                <p:cTn id="7" presetClass="entr" presetSubtype="0" presetID="1" grpId="1" fill="hold">
+                                <p:cTn id="7" presetID="1" presetClass="entr" presetSubtype="0" fill="hold" grpId="1">
                                   <p:stCondLst>
                                     <p:cond delay="0"/>
                                   </p:stCondLst>
-                                  <p:iterate type="el" backwards="0">
+                                  <p:iterate>
                                     <p:tmAbs val="0"/>
                                   </p:iterate>
                                   <p:childTnLst>
@@ -3454,11 +4445,11 @@
                             </p:stCondLst>
                             <p:childTnLst>
                               <p:par>
-                                <p:cTn id="11" nodeType="clickEffect" presetClass="entr" presetSubtype="0" presetID="1" grpId="1" fill="hold">
+                                <p:cTn id="11" presetID="1" presetClass="entr" presetSubtype="0" fill="hold" grpId="1" nodeType="clickEffect">
                                   <p:stCondLst>
                                     <p:cond delay="0"/>
                                   </p:stCondLst>
-                                  <p:iterate type="el" backwards="0">
+                                  <p:iterate>
                                     <p:tmAbs val="0"/>
                                   </p:iterate>
                                   <p:childTnLst>
@@ -3502,11 +4493,11 @@
                             </p:stCondLst>
                             <p:childTnLst>
                               <p:par>
-                                <p:cTn id="15" nodeType="clickEffect" presetClass="entr" presetSubtype="0" presetID="1" grpId="1" fill="hold">
+                                <p:cTn id="15" presetID="1" presetClass="entr" presetSubtype="0" fill="hold" grpId="1" nodeType="clickEffect">
                                   <p:stCondLst>
                                     <p:cond delay="0"/>
                                   </p:stCondLst>
-                                  <p:iterate type="el" backwards="0">
+                                  <p:iterate>
                                     <p:tmAbs val="0"/>
                                   </p:iterate>
                                   <p:childTnLst>
@@ -3550,11 +4541,11 @@
                             </p:stCondLst>
                             <p:childTnLst>
                               <p:par>
-                                <p:cTn id="19" nodeType="clickEffect" presetClass="entr" presetSubtype="0" presetID="1" grpId="1" fill="hold">
+                                <p:cTn id="19" presetID="1" presetClass="entr" presetSubtype="0" fill="hold" grpId="1" nodeType="clickEffect">
                                   <p:stCondLst>
                                     <p:cond delay="0"/>
                                   </p:stCondLst>
-                                  <p:iterate type="el" backwards="0">
+                                  <p:iterate>
                                     <p:tmAbs val="0"/>
                                   </p:iterate>
                                   <p:childTnLst>
@@ -3588,14 +4579,14 @@
                 </p:childTnLst>
               </p:cTn>
               <p:prevCondLst>
-                <p:cond evt="onPrev">
+                <p:cond evt="onPrev" delay="0">
                   <p:tgtEl>
                     <p:sldTgt/>
                   </p:tgtEl>
                 </p:cond>
               </p:prevCondLst>
               <p:nextCondLst>
-                <p:cond evt="onNext">
+                <p:cond evt="onNext" delay="0">
                   <p:tgtEl>
                     <p:sldTgt/>
                   </p:tgtEl>
@@ -3607,14 +4598,14 @@
       </p:par>
     </p:tnLst>
     <p:bldLst>
-      <p:bldP build="p" bldLvl="5" animBg="1" rev="0" advAuto="0" spid="78" grpId="1"/>
+      <p:bldP spid="78" grpId="1" build="p" bldLvl="5" animBg="1" advAuto="0"/>
     </p:bldLst>
   </p:timing>
 </p:sld>
 </file>
 
-<file path=ppt/slides/slide14.xml><?xml version="1.0" encoding="utf-8"?>
-<p:sld xmlns:a="http://schemas.openxmlformats.org/drawingml/2006/main" xmlns:r="http://schemas.openxmlformats.org/officeDocument/2006/relationships" xmlns:p="http://schemas.openxmlformats.org/presentationml/2006/main" showMasterSp="1" showMasterPhAnim="1">
+<file path=ppt/slides/slide9.xml><?xml version="1.0" encoding="utf-8"?>
+<p:sld xmlns:a="http://schemas.openxmlformats.org/drawingml/2006/main" xmlns:r="http://schemas.openxmlformats.org/officeDocument/2006/relationships" xmlns:p="http://schemas.openxmlformats.org/presentationml/2006/main">
   <p:cSld>
     <p:spTree>
       <p:nvGrpSpPr>
@@ -3662,3384 +4653,12 @@
   <p:clrMapOvr>
     <a:masterClrMapping/>
   </p:clrMapOvr>
-  <p:transition spd="med" advClick="1"/>
-</p:sld>
-</file>
-
-<file path=ppt/slides/slide2.xml><?xml version="1.0" encoding="utf-8"?>
-<p:sld xmlns:a="http://schemas.openxmlformats.org/drawingml/2006/main" xmlns:r="http://schemas.openxmlformats.org/officeDocument/2006/relationships" xmlns:p="http://schemas.openxmlformats.org/presentationml/2006/main" showMasterSp="1" showMasterPhAnim="1">
-  <p:cSld>
-    <p:spTree>
-      <p:nvGrpSpPr>
-        <p:cNvPr id="1" name=""/>
-        <p:cNvGrpSpPr/>
-        <p:nvPr/>
-      </p:nvGrpSpPr>
-      <p:grpSpPr>
-        <a:xfrm>
-          <a:off x="0" y="0"/>
-          <a:ext cx="0" cy="0"/>
-          <a:chOff x="0" y="0"/>
-          <a:chExt cx="0" cy="0"/>
-        </a:xfrm>
-      </p:grpSpPr>
-      <p:sp>
-        <p:nvSpPr>
-          <p:cNvPr id="35" name="Shape 35"/>
-          <p:cNvSpPr/>
-          <p:nvPr>
-            <p:ph type="title"/>
-          </p:nvPr>
-        </p:nvSpPr>
-        <p:spPr>
-          <a:prstGeom prst="rect">
-            <a:avLst/>
-          </a:prstGeom>
-        </p:spPr>
-        <p:txBody>
-          <a:bodyPr/>
-          <a:lstStyle/>
-          <a:p>
-            <a:pPr lvl="0">
-              <a:defRPr sz="1800"/>
-            </a:pPr>
-            <a:r>
-              <a:rPr sz="8000"/>
-              <a:t>What is Inference?</a:t>
-            </a:r>
-          </a:p>
-        </p:txBody>
-      </p:sp>
-      <p:sp>
-        <p:nvSpPr>
-          <p:cNvPr id="36" name="Shape 36"/>
-          <p:cNvSpPr/>
-          <p:nvPr>
-            <p:ph type="body" idx="1"/>
-          </p:nvPr>
-        </p:nvSpPr>
-        <p:spPr>
-          <a:prstGeom prst="rect">
-            <a:avLst/>
-          </a:prstGeom>
-        </p:spPr>
-        <p:txBody>
-          <a:bodyPr/>
-          <a:lstStyle/>
-          <a:p>
-            <a:pPr lvl="0" marL="333375" indent="-333375" defTabSz="438150">
-              <a:spcBef>
-                <a:spcPts val="3100"/>
-              </a:spcBef>
-              <a:defRPr sz="1800"/>
-            </a:pPr>
-            <a:r>
-              <a:rPr sz="2700"/>
-              <a:t>The challenge of </a:t>
-            </a:r>
-            <a:r>
-              <a:rPr b="1" sz="2700">
-                <a:latin typeface="Helvetica"/>
-                <a:ea typeface="Helvetica"/>
-                <a:cs typeface="Helvetica"/>
-                <a:sym typeface="Helvetica"/>
-              </a:rPr>
-              <a:t>inference</a:t>
-            </a:r>
-            <a:r>
-              <a:rPr sz="2700"/>
-              <a:t> is to use available information to make the best possible conclusions about what we don’t know but would like to know.</a:t>
-            </a:r>
-            <a:endParaRPr sz="2700"/>
-          </a:p>
-          <a:p>
-            <a:pPr lvl="1" marL="666750" indent="-333375" defTabSz="438150">
-              <a:spcBef>
-                <a:spcPts val="3100"/>
-              </a:spcBef>
-              <a:defRPr sz="1800"/>
-            </a:pPr>
-            <a:r>
-              <a:rPr b="1" sz="2700">
-                <a:latin typeface="Helvetica"/>
-                <a:ea typeface="Helvetica"/>
-                <a:cs typeface="Helvetica"/>
-                <a:sym typeface="Helvetica"/>
-              </a:rPr>
-              <a:t>Descriptive inference</a:t>
-            </a:r>
-            <a:r>
-              <a:rPr sz="2700"/>
-              <a:t> seeks to describe the existence of something.</a:t>
-            </a:r>
-            <a:endParaRPr sz="2700"/>
-          </a:p>
-          <a:p>
-            <a:pPr lvl="3" marL="1333500" indent="-333375" defTabSz="438150">
-              <a:spcBef>
-                <a:spcPts val="3100"/>
-              </a:spcBef>
-              <a:defRPr sz="1800"/>
-            </a:pPr>
-            <a:r>
-              <a:rPr sz="2250"/>
-              <a:t>Example: The number of people who participate in a riot.</a:t>
-            </a:r>
-            <a:endParaRPr sz="2250"/>
-          </a:p>
-          <a:p>
-            <a:pPr lvl="1" marL="666750" indent="-333375" defTabSz="438150">
-              <a:spcBef>
-                <a:spcPts val="3100"/>
-              </a:spcBef>
-              <a:defRPr sz="1800"/>
-            </a:pPr>
-            <a:r>
-              <a:rPr b="1" sz="2700">
-                <a:latin typeface="Helvetica"/>
-                <a:ea typeface="Helvetica"/>
-                <a:cs typeface="Helvetica"/>
-                <a:sym typeface="Helvetica"/>
-              </a:rPr>
-              <a:t>Causal inference</a:t>
-            </a:r>
-            <a:r>
-              <a:rPr sz="2700"/>
-              <a:t> seeks to understand the effect of some variable(s) on some other variable(s)</a:t>
-            </a:r>
-            <a:endParaRPr sz="2700"/>
-          </a:p>
-          <a:p>
-            <a:pPr lvl="3" marL="1333500" indent="-333375" defTabSz="438150">
-              <a:spcBef>
-                <a:spcPts val="3100"/>
-              </a:spcBef>
-              <a:defRPr sz="1800"/>
-            </a:pPr>
-            <a:r>
-              <a:rPr sz="2250"/>
-              <a:t>Example: The </a:t>
-            </a:r>
-            <a:r>
-              <a:rPr i="1" sz="2250"/>
-              <a:t>causal effect</a:t>
-            </a:r>
-            <a:r>
-              <a:rPr sz="2250"/>
-              <a:t> of unemployment on the probability a riot will occur.</a:t>
-            </a:r>
-            <a:endParaRPr sz="2250"/>
-          </a:p>
-          <a:p>
-            <a:pPr lvl="3" marL="1333500" indent="-333375" defTabSz="438150">
-              <a:spcBef>
-                <a:spcPts val="3100"/>
-              </a:spcBef>
-              <a:defRPr sz="1800"/>
-            </a:pPr>
-            <a:r>
-              <a:rPr sz="2250"/>
-              <a:t>Example: The </a:t>
-            </a:r>
-            <a:r>
-              <a:rPr i="1" sz="2250"/>
-              <a:t>causal effect</a:t>
-            </a:r>
-            <a:r>
-              <a:rPr sz="2250"/>
-              <a:t> of a riot on next year’s government spending.</a:t>
-            </a:r>
-          </a:p>
-        </p:txBody>
-      </p:sp>
-    </p:spTree>
-  </p:cSld>
-  <p:clrMapOvr>
-    <a:masterClrMapping/>
-  </p:clrMapOvr>
-  <p:transition spd="med" advClick="1"/>
-  <p:timing>
-    <p:tnLst>
-      <p:par>
-        <p:cTn id="1" nodeType="tmRoot" restart="never" dur="indefinite" fill="hold">
-          <p:childTnLst>
-            <p:seq concurrent="1" prevAc="none" nextAc="seek">
-              <p:cTn id="2" nodeType="mainSeq" dur="indefinite" fill="hold">
-                <p:childTnLst>
-                  <p:par>
-                    <p:cTn id="3" fill="hold">
-                      <p:stCondLst>
-                        <p:cond delay="indefinite"/>
-                      </p:stCondLst>
-                      <p:childTnLst>
-                        <p:par>
-                          <p:cTn id="4" fill="hold">
-                            <p:stCondLst>
-                              <p:cond delay="0"/>
-                            </p:stCondLst>
-                            <p:childTnLst>
-                              <p:par>
-                                <p:cTn id="5" nodeType="clickEffect" presetClass="entr" presetSubtype="0" presetID="1" grpId="1" fill="hold">
-                                  <p:stCondLst>
-                                    <p:cond delay="0"/>
-                                  </p:stCondLst>
-                                  <p:iterate type="el" backwards="0">
-                                    <p:tmAbs val="0"/>
-                                  </p:iterate>
-                                  <p:childTnLst>
-                                    <p:set>
-                                      <p:cBhvr>
-                                        <p:cTn id="6" fill="hold"/>
-                                        <p:tgtEl>
-                                          <p:spTgt spid="36">
-                                            <p:bg/>
-                                          </p:spTgt>
-                                        </p:tgtEl>
-                                        <p:attrNameLst>
-                                          <p:attrName>style.visibility</p:attrName>
-                                        </p:attrNameLst>
-                                      </p:cBhvr>
-                                      <p:to>
-                                        <p:strVal val="visible"/>
-                                      </p:to>
-                                    </p:set>
-                                  </p:childTnLst>
-                                </p:cTn>
-                              </p:par>
-                              <p:par>
-                                <p:cTn id="7" presetClass="entr" presetSubtype="0" presetID="1" grpId="1" fill="hold">
-                                  <p:stCondLst>
-                                    <p:cond delay="0"/>
-                                  </p:stCondLst>
-                                  <p:iterate type="el" backwards="0">
-                                    <p:tmAbs val="0"/>
-                                  </p:iterate>
-                                  <p:childTnLst>
-                                    <p:set>
-                                      <p:cBhvr>
-                                        <p:cTn id="8" fill="hold"/>
-                                        <p:tgtEl>
-                                          <p:spTgt spid="36">
-                                            <p:txEl>
-                                              <p:pRg st="0" end="0"/>
-                                            </p:txEl>
-                                          </p:spTgt>
-                                        </p:tgtEl>
-                                        <p:attrNameLst>
-                                          <p:attrName>style.visibility</p:attrName>
-                                        </p:attrNameLst>
-                                      </p:cBhvr>
-                                      <p:to>
-                                        <p:strVal val="visible"/>
-                                      </p:to>
-                                    </p:set>
-                                  </p:childTnLst>
-                                </p:cTn>
-                              </p:par>
-                            </p:childTnLst>
-                          </p:cTn>
-                        </p:par>
-                      </p:childTnLst>
-                    </p:cTn>
-                  </p:par>
-                  <p:par>
-                    <p:cTn id="9" fill="hold">
-                      <p:stCondLst>
-                        <p:cond delay="indefinite"/>
-                      </p:stCondLst>
-                      <p:childTnLst>
-                        <p:par>
-                          <p:cTn id="10" fill="hold">
-                            <p:stCondLst>
-                              <p:cond delay="0"/>
-                            </p:stCondLst>
-                            <p:childTnLst>
-                              <p:par>
-                                <p:cTn id="11" nodeType="clickEffect" presetClass="entr" presetSubtype="0" presetID="1" grpId="1" fill="hold">
-                                  <p:stCondLst>
-                                    <p:cond delay="0"/>
-                                  </p:stCondLst>
-                                  <p:iterate type="el" backwards="0">
-                                    <p:tmAbs val="0"/>
-                                  </p:iterate>
-                                  <p:childTnLst>
-                                    <p:set>
-                                      <p:cBhvr>
-                                        <p:cTn id="12" fill="hold"/>
-                                        <p:tgtEl>
-                                          <p:spTgt spid="36">
-                                            <p:txEl>
-                                              <p:pRg st="1" end="1"/>
-                                            </p:txEl>
-                                          </p:spTgt>
-                                        </p:tgtEl>
-                                        <p:attrNameLst>
-                                          <p:attrName>style.visibility</p:attrName>
-                                        </p:attrNameLst>
-                                      </p:cBhvr>
-                                      <p:to>
-                                        <p:strVal val="visible"/>
-                                      </p:to>
-                                    </p:set>
-                                  </p:childTnLst>
-                                </p:cTn>
-                              </p:par>
-                            </p:childTnLst>
-                          </p:cTn>
-                        </p:par>
-                      </p:childTnLst>
-                    </p:cTn>
-                  </p:par>
-                  <p:par>
-                    <p:cTn id="13" fill="hold">
-                      <p:stCondLst>
-                        <p:cond delay="indefinite"/>
-                      </p:stCondLst>
-                      <p:childTnLst>
-                        <p:par>
-                          <p:cTn id="14" fill="hold">
-                            <p:stCondLst>
-                              <p:cond delay="0"/>
-                            </p:stCondLst>
-                            <p:childTnLst>
-                              <p:par>
-                                <p:cTn id="15" nodeType="clickEffect" presetClass="entr" presetSubtype="0" presetID="1" grpId="1" fill="hold">
-                                  <p:stCondLst>
-                                    <p:cond delay="0"/>
-                                  </p:stCondLst>
-                                  <p:iterate type="el" backwards="0">
-                                    <p:tmAbs val="0"/>
-                                  </p:iterate>
-                                  <p:childTnLst>
-                                    <p:set>
-                                      <p:cBhvr>
-                                        <p:cTn id="16" fill="hold"/>
-                                        <p:tgtEl>
-                                          <p:spTgt spid="36">
-                                            <p:txEl>
-                                              <p:pRg st="2" end="2"/>
-                                            </p:txEl>
-                                          </p:spTgt>
-                                        </p:tgtEl>
-                                        <p:attrNameLst>
-                                          <p:attrName>style.visibility</p:attrName>
-                                        </p:attrNameLst>
-                                      </p:cBhvr>
-                                      <p:to>
-                                        <p:strVal val="visible"/>
-                                      </p:to>
-                                    </p:set>
-                                  </p:childTnLst>
-                                </p:cTn>
-                              </p:par>
-                            </p:childTnLst>
-                          </p:cTn>
-                        </p:par>
-                      </p:childTnLst>
-                    </p:cTn>
-                  </p:par>
-                  <p:par>
-                    <p:cTn id="17" fill="hold">
-                      <p:stCondLst>
-                        <p:cond delay="indefinite"/>
-                      </p:stCondLst>
-                      <p:childTnLst>
-                        <p:par>
-                          <p:cTn id="18" fill="hold">
-                            <p:stCondLst>
-                              <p:cond delay="0"/>
-                            </p:stCondLst>
-                            <p:childTnLst>
-                              <p:par>
-                                <p:cTn id="19" nodeType="clickEffect" presetClass="entr" presetSubtype="0" presetID="1" grpId="1" fill="hold">
-                                  <p:stCondLst>
-                                    <p:cond delay="0"/>
-                                  </p:stCondLst>
-                                  <p:iterate type="el" backwards="0">
-                                    <p:tmAbs val="0"/>
-                                  </p:iterate>
-                                  <p:childTnLst>
-                                    <p:set>
-                                      <p:cBhvr>
-                                        <p:cTn id="20" fill="hold"/>
-                                        <p:tgtEl>
-                                          <p:spTgt spid="36">
-                                            <p:txEl>
-                                              <p:pRg st="3" end="3"/>
-                                            </p:txEl>
-                                          </p:spTgt>
-                                        </p:tgtEl>
-                                        <p:attrNameLst>
-                                          <p:attrName>style.visibility</p:attrName>
-                                        </p:attrNameLst>
-                                      </p:cBhvr>
-                                      <p:to>
-                                        <p:strVal val="visible"/>
-                                      </p:to>
-                                    </p:set>
-                                  </p:childTnLst>
-                                </p:cTn>
-                              </p:par>
-                            </p:childTnLst>
-                          </p:cTn>
-                        </p:par>
-                      </p:childTnLst>
-                    </p:cTn>
-                  </p:par>
-                  <p:par>
-                    <p:cTn id="21" fill="hold">
-                      <p:stCondLst>
-                        <p:cond delay="indefinite"/>
-                      </p:stCondLst>
-                      <p:childTnLst>
-                        <p:par>
-                          <p:cTn id="22" fill="hold">
-                            <p:stCondLst>
-                              <p:cond delay="0"/>
-                            </p:stCondLst>
-                            <p:childTnLst>
-                              <p:par>
-                                <p:cTn id="23" nodeType="clickEffect" presetClass="entr" presetSubtype="0" presetID="1" grpId="1" fill="hold">
-                                  <p:stCondLst>
-                                    <p:cond delay="0"/>
-                                  </p:stCondLst>
-                                  <p:iterate type="el" backwards="0">
-                                    <p:tmAbs val="0"/>
-                                  </p:iterate>
-                                  <p:childTnLst>
-                                    <p:set>
-                                      <p:cBhvr>
-                                        <p:cTn id="24" fill="hold"/>
-                                        <p:tgtEl>
-                                          <p:spTgt spid="36">
-                                            <p:txEl>
-                                              <p:pRg st="4" end="4"/>
-                                            </p:txEl>
-                                          </p:spTgt>
-                                        </p:tgtEl>
-                                        <p:attrNameLst>
-                                          <p:attrName>style.visibility</p:attrName>
-                                        </p:attrNameLst>
-                                      </p:cBhvr>
-                                      <p:to>
-                                        <p:strVal val="visible"/>
-                                      </p:to>
-                                    </p:set>
-                                  </p:childTnLst>
-                                </p:cTn>
-                              </p:par>
-                            </p:childTnLst>
-                          </p:cTn>
-                        </p:par>
-                      </p:childTnLst>
-                    </p:cTn>
-                  </p:par>
-                  <p:par>
-                    <p:cTn id="25" fill="hold">
-                      <p:stCondLst>
-                        <p:cond delay="indefinite"/>
-                      </p:stCondLst>
-                      <p:childTnLst>
-                        <p:par>
-                          <p:cTn id="26" fill="hold">
-                            <p:stCondLst>
-                              <p:cond delay="0"/>
-                            </p:stCondLst>
-                            <p:childTnLst>
-                              <p:par>
-                                <p:cTn id="27" nodeType="clickEffect" presetClass="entr" presetSubtype="0" presetID="1" grpId="1" fill="hold">
-                                  <p:stCondLst>
-                                    <p:cond delay="0"/>
-                                  </p:stCondLst>
-                                  <p:iterate type="el" backwards="0">
-                                    <p:tmAbs val="0"/>
-                                  </p:iterate>
-                                  <p:childTnLst>
-                                    <p:set>
-                                      <p:cBhvr>
-                                        <p:cTn id="28" fill="hold"/>
-                                        <p:tgtEl>
-                                          <p:spTgt spid="36">
-                                            <p:txEl>
-                                              <p:pRg st="5" end="5"/>
-                                            </p:txEl>
-                                          </p:spTgt>
-                                        </p:tgtEl>
-                                        <p:attrNameLst>
-                                          <p:attrName>style.visibility</p:attrName>
-                                        </p:attrNameLst>
-                                      </p:cBhvr>
-                                      <p:to>
-                                        <p:strVal val="visible"/>
-                                      </p:to>
-                                    </p:set>
-                                  </p:childTnLst>
-                                </p:cTn>
-                              </p:par>
-                            </p:childTnLst>
-                          </p:cTn>
-                        </p:par>
-                      </p:childTnLst>
-                    </p:cTn>
-                  </p:par>
-                </p:childTnLst>
-              </p:cTn>
-              <p:prevCondLst>
-                <p:cond evt="onPrev">
-                  <p:tgtEl>
-                    <p:sldTgt/>
-                  </p:tgtEl>
-                </p:cond>
-              </p:prevCondLst>
-              <p:nextCondLst>
-                <p:cond evt="onNext">
-                  <p:tgtEl>
-                    <p:sldTgt/>
-                  </p:tgtEl>
-                </p:cond>
-              </p:nextCondLst>
-            </p:seq>
-          </p:childTnLst>
-        </p:cTn>
-      </p:par>
-    </p:tnLst>
-    <p:bldLst>
-      <p:bldP build="p" bldLvl="5" animBg="1" rev="0" advAuto="0" spid="36" grpId="1"/>
-    </p:bldLst>
-  </p:timing>
-</p:sld>
-</file>
-
-<file path=ppt/slides/slide3.xml><?xml version="1.0" encoding="utf-8"?>
-<p:sld xmlns:a="http://schemas.openxmlformats.org/drawingml/2006/main" xmlns:r="http://schemas.openxmlformats.org/officeDocument/2006/relationships" xmlns:p="http://schemas.openxmlformats.org/presentationml/2006/main" showMasterSp="1" showMasterPhAnim="1">
-  <p:cSld>
-    <p:spTree>
-      <p:nvGrpSpPr>
-        <p:cNvPr id="1" name=""/>
-        <p:cNvGrpSpPr/>
-        <p:nvPr/>
-      </p:nvGrpSpPr>
-      <p:grpSpPr>
-        <a:xfrm>
-          <a:off x="0" y="0"/>
-          <a:ext cx="0" cy="0"/>
-          <a:chOff x="0" y="0"/>
-          <a:chExt cx="0" cy="0"/>
-        </a:xfrm>
-      </p:grpSpPr>
-      <p:sp>
-        <p:nvSpPr>
-          <p:cNvPr id="38" name="Shape 38"/>
-          <p:cNvSpPr/>
-          <p:nvPr>
-            <p:ph type="title"/>
-          </p:nvPr>
-        </p:nvSpPr>
-        <p:spPr>
-          <a:prstGeom prst="rect">
-            <a:avLst/>
-          </a:prstGeom>
-        </p:spPr>
-        <p:txBody>
-          <a:bodyPr/>
-          <a:lstStyle/>
-          <a:p>
-            <a:pPr lvl="0">
-              <a:defRPr sz="1800"/>
-            </a:pPr>
-            <a:r>
-              <a:rPr sz="8000"/>
-              <a:t>Some Key Terms</a:t>
-            </a:r>
-          </a:p>
-        </p:txBody>
-      </p:sp>
-      <p:sp>
-        <p:nvSpPr>
-          <p:cNvPr id="39" name="Shape 39"/>
-          <p:cNvSpPr/>
-          <p:nvPr>
-            <p:ph type="body" idx="1"/>
-          </p:nvPr>
-        </p:nvSpPr>
-        <p:spPr>
-          <a:prstGeom prst="rect">
-            <a:avLst/>
-          </a:prstGeom>
-        </p:spPr>
-        <p:txBody>
-          <a:bodyPr/>
-          <a:lstStyle/>
-          <a:p>
-            <a:pPr lvl="0" marL="275590" indent="-275590" defTabSz="362204">
-              <a:spcBef>
-                <a:spcPts val="2600"/>
-              </a:spcBef>
-              <a:defRPr sz="1800"/>
-            </a:pPr>
-            <a:r>
-              <a:rPr sz="2232"/>
-              <a:t>A </a:t>
-            </a:r>
-            <a:r>
-              <a:rPr b="1" sz="2232">
-                <a:latin typeface="Helvetica"/>
-                <a:ea typeface="Helvetica"/>
-                <a:cs typeface="Helvetica"/>
-                <a:sym typeface="Helvetica"/>
-              </a:rPr>
-              <a:t>unit of analysis</a:t>
-            </a:r>
-            <a:r>
-              <a:rPr sz="2232"/>
-              <a:t> is simply the object of study.</a:t>
-            </a:r>
-            <a:endParaRPr sz="2232"/>
-          </a:p>
-          <a:p>
-            <a:pPr lvl="1" marL="551180" indent="-275590" defTabSz="362204">
-              <a:spcBef>
-                <a:spcPts val="2600"/>
-              </a:spcBef>
-              <a:defRPr sz="1800"/>
-            </a:pPr>
-            <a:r>
-              <a:rPr sz="1860"/>
-              <a:t>E.g., the individual human being, the constituency, the country, etc.</a:t>
-            </a:r>
-            <a:endParaRPr sz="1860"/>
-          </a:p>
-          <a:p>
-            <a:pPr lvl="0" marL="275590" indent="-275590" defTabSz="362204">
-              <a:spcBef>
-                <a:spcPts val="2600"/>
-              </a:spcBef>
-              <a:defRPr sz="1800"/>
-            </a:pPr>
-            <a:r>
-              <a:rPr sz="2232"/>
-              <a:t>A </a:t>
-            </a:r>
-            <a:r>
-              <a:rPr b="1" sz="2232">
-                <a:latin typeface="Helvetica"/>
-                <a:ea typeface="Helvetica"/>
-                <a:cs typeface="Helvetica"/>
-                <a:sym typeface="Helvetica"/>
-              </a:rPr>
-              <a:t>variable </a:t>
-            </a:r>
-            <a:r>
-              <a:rPr sz="2232"/>
-              <a:t>is the measurement of some concept that varies across a set of units.</a:t>
-            </a:r>
-            <a:endParaRPr sz="2232"/>
-          </a:p>
-          <a:p>
-            <a:pPr lvl="1" marL="551180" indent="-275590" defTabSz="362204">
-              <a:spcBef>
-                <a:spcPts val="2600"/>
-              </a:spcBef>
-              <a:defRPr sz="1800"/>
-            </a:pPr>
-            <a:r>
-              <a:rPr sz="1860"/>
-              <a:t>E.g. unemployment rate across EU countries.</a:t>
-            </a:r>
-            <a:endParaRPr sz="1860"/>
-          </a:p>
-          <a:p>
-            <a:pPr lvl="1" marL="551180" indent="-275590" defTabSz="362204">
-              <a:spcBef>
-                <a:spcPts val="2600"/>
-              </a:spcBef>
-              <a:defRPr sz="1800"/>
-            </a:pPr>
-            <a:r>
-              <a:rPr sz="2232"/>
-              <a:t>An </a:t>
-            </a:r>
-            <a:r>
-              <a:rPr b="1" sz="2232">
-                <a:latin typeface="Helvetica"/>
-                <a:ea typeface="Helvetica"/>
-                <a:cs typeface="Helvetica"/>
-                <a:sym typeface="Helvetica"/>
-              </a:rPr>
-              <a:t>observation</a:t>
-            </a:r>
-            <a:r>
-              <a:rPr sz="2232"/>
-              <a:t> is one realisation of a variable for one unit.</a:t>
-            </a:r>
-            <a:endParaRPr sz="2232"/>
-          </a:p>
-          <a:p>
-            <a:pPr lvl="1" marL="505248" indent="-229658" defTabSz="362204">
-              <a:spcBef>
-                <a:spcPts val="2600"/>
-              </a:spcBef>
-              <a:defRPr sz="1800"/>
-            </a:pPr>
-            <a:r>
-              <a:rPr sz="1860"/>
-              <a:t>E.g., UK unemployment is equal to 6.0% in 2014</a:t>
-            </a:r>
-            <a:r>
-              <a:rPr sz="2232"/>
-              <a:t>.</a:t>
-            </a:r>
-            <a:endParaRPr sz="2232"/>
-          </a:p>
-          <a:p>
-            <a:pPr lvl="0" marL="275590" indent="-275590" defTabSz="362204">
-              <a:spcBef>
-                <a:spcPts val="2600"/>
-              </a:spcBef>
-              <a:defRPr sz="1800"/>
-            </a:pPr>
-            <a:r>
-              <a:rPr sz="2232"/>
-              <a:t>Our </a:t>
-            </a:r>
-            <a:r>
-              <a:rPr b="1" sz="2232">
-                <a:latin typeface="Helvetica"/>
-                <a:ea typeface="Helvetica"/>
-                <a:cs typeface="Helvetica"/>
-                <a:sym typeface="Helvetica"/>
-              </a:rPr>
-              <a:t>sample</a:t>
-            </a:r>
-            <a:r>
-              <a:rPr sz="2232"/>
-              <a:t> is the set of observations we gather to make inferences about the world</a:t>
-            </a:r>
-            <a:r>
-              <a:rPr i="1" sz="2232"/>
-              <a:t> outside the sample.</a:t>
-            </a:r>
-            <a:endParaRPr i="1" sz="2232"/>
-          </a:p>
-          <a:p>
-            <a:pPr lvl="1" marL="551180" indent="-275590" defTabSz="362204">
-              <a:spcBef>
-                <a:spcPts val="2600"/>
-              </a:spcBef>
-              <a:defRPr sz="1800"/>
-            </a:pPr>
-            <a:r>
-              <a:rPr sz="1860"/>
-              <a:t>I.e. a quantitative dataset or the cases you select to investigate.</a:t>
-            </a:r>
-            <a:endParaRPr sz="1860"/>
-          </a:p>
-          <a:p>
-            <a:pPr lvl="0" marL="275590" indent="-275590" defTabSz="362204">
-              <a:spcBef>
-                <a:spcPts val="2600"/>
-              </a:spcBef>
-              <a:defRPr sz="1800"/>
-            </a:pPr>
-            <a:r>
-              <a:rPr sz="2232"/>
-              <a:t>The </a:t>
-            </a:r>
-            <a:r>
-              <a:rPr b="1" sz="2232">
-                <a:latin typeface="Helvetica"/>
-                <a:ea typeface="Helvetica"/>
-                <a:cs typeface="Helvetica"/>
-                <a:sym typeface="Helvetica"/>
-              </a:rPr>
-              <a:t>population </a:t>
-            </a:r>
-            <a:r>
-              <a:rPr sz="2232"/>
-              <a:t>is what we call the world outside the sample we want to make generalisations about.</a:t>
-            </a:r>
-          </a:p>
-        </p:txBody>
-      </p:sp>
-    </p:spTree>
-  </p:cSld>
-  <p:clrMapOvr>
-    <a:masterClrMapping/>
-  </p:clrMapOvr>
-  <p:transition spd="med" advClick="1"/>
-  <p:timing>
-    <p:tnLst>
-      <p:par>
-        <p:cTn id="1" nodeType="tmRoot" restart="never" dur="indefinite" fill="hold">
-          <p:childTnLst>
-            <p:seq concurrent="1" prevAc="none" nextAc="seek">
-              <p:cTn id="2" nodeType="mainSeq" dur="indefinite" fill="hold">
-                <p:childTnLst>
-                  <p:par>
-                    <p:cTn id="3" fill="hold">
-                      <p:stCondLst>
-                        <p:cond delay="indefinite"/>
-                      </p:stCondLst>
-                      <p:childTnLst>
-                        <p:par>
-                          <p:cTn id="4" fill="hold">
-                            <p:stCondLst>
-                              <p:cond delay="0"/>
-                            </p:stCondLst>
-                            <p:childTnLst>
-                              <p:par>
-                                <p:cTn id="5" nodeType="clickEffect" presetClass="entr" presetSubtype="0" presetID="1" grpId="1" fill="hold">
-                                  <p:stCondLst>
-                                    <p:cond delay="0"/>
-                                  </p:stCondLst>
-                                  <p:iterate type="el" backwards="0">
-                                    <p:tmAbs val="0"/>
-                                  </p:iterate>
-                                  <p:childTnLst>
-                                    <p:set>
-                                      <p:cBhvr>
-                                        <p:cTn id="6" fill="hold"/>
-                                        <p:tgtEl>
-                                          <p:spTgt spid="39">
-                                            <p:bg/>
-                                          </p:spTgt>
-                                        </p:tgtEl>
-                                        <p:attrNameLst>
-                                          <p:attrName>style.visibility</p:attrName>
-                                        </p:attrNameLst>
-                                      </p:cBhvr>
-                                      <p:to>
-                                        <p:strVal val="visible"/>
-                                      </p:to>
-                                    </p:set>
-                                  </p:childTnLst>
-                                </p:cTn>
-                              </p:par>
-                              <p:par>
-                                <p:cTn id="7" presetClass="entr" presetSubtype="0" presetID="1" grpId="1" fill="hold">
-                                  <p:stCondLst>
-                                    <p:cond delay="0"/>
-                                  </p:stCondLst>
-                                  <p:iterate type="el" backwards="0">
-                                    <p:tmAbs val="0"/>
-                                  </p:iterate>
-                                  <p:childTnLst>
-                                    <p:set>
-                                      <p:cBhvr>
-                                        <p:cTn id="8" fill="hold"/>
-                                        <p:tgtEl>
-                                          <p:spTgt spid="39">
-                                            <p:txEl>
-                                              <p:pRg st="0" end="0"/>
-                                            </p:txEl>
-                                          </p:spTgt>
-                                        </p:tgtEl>
-                                        <p:attrNameLst>
-                                          <p:attrName>style.visibility</p:attrName>
-                                        </p:attrNameLst>
-                                      </p:cBhvr>
-                                      <p:to>
-                                        <p:strVal val="visible"/>
-                                      </p:to>
-                                    </p:set>
-                                  </p:childTnLst>
-                                </p:cTn>
-                              </p:par>
-                            </p:childTnLst>
-                          </p:cTn>
-                        </p:par>
-                      </p:childTnLst>
-                    </p:cTn>
-                  </p:par>
-                  <p:par>
-                    <p:cTn id="9" fill="hold">
-                      <p:stCondLst>
-                        <p:cond delay="indefinite"/>
-                      </p:stCondLst>
-                      <p:childTnLst>
-                        <p:par>
-                          <p:cTn id="10" fill="hold">
-                            <p:stCondLst>
-                              <p:cond delay="0"/>
-                            </p:stCondLst>
-                            <p:childTnLst>
-                              <p:par>
-                                <p:cTn id="11" nodeType="clickEffect" presetClass="entr" presetSubtype="0" presetID="1" grpId="1" fill="hold">
-                                  <p:stCondLst>
-                                    <p:cond delay="0"/>
-                                  </p:stCondLst>
-                                  <p:iterate type="el" backwards="0">
-                                    <p:tmAbs val="0"/>
-                                  </p:iterate>
-                                  <p:childTnLst>
-                                    <p:set>
-                                      <p:cBhvr>
-                                        <p:cTn id="12" fill="hold"/>
-                                        <p:tgtEl>
-                                          <p:spTgt spid="39">
-                                            <p:txEl>
-                                              <p:pRg st="1" end="1"/>
-                                            </p:txEl>
-                                          </p:spTgt>
-                                        </p:tgtEl>
-                                        <p:attrNameLst>
-                                          <p:attrName>style.visibility</p:attrName>
-                                        </p:attrNameLst>
-                                      </p:cBhvr>
-                                      <p:to>
-                                        <p:strVal val="visible"/>
-                                      </p:to>
-                                    </p:set>
-                                  </p:childTnLst>
-                                </p:cTn>
-                              </p:par>
-                            </p:childTnLst>
-                          </p:cTn>
-                        </p:par>
-                      </p:childTnLst>
-                    </p:cTn>
-                  </p:par>
-                  <p:par>
-                    <p:cTn id="13" fill="hold">
-                      <p:stCondLst>
-                        <p:cond delay="indefinite"/>
-                      </p:stCondLst>
-                      <p:childTnLst>
-                        <p:par>
-                          <p:cTn id="14" fill="hold">
-                            <p:stCondLst>
-                              <p:cond delay="0"/>
-                            </p:stCondLst>
-                            <p:childTnLst>
-                              <p:par>
-                                <p:cTn id="15" nodeType="clickEffect" presetClass="entr" presetSubtype="0" presetID="1" grpId="1" fill="hold">
-                                  <p:stCondLst>
-                                    <p:cond delay="0"/>
-                                  </p:stCondLst>
-                                  <p:iterate type="el" backwards="0">
-                                    <p:tmAbs val="0"/>
-                                  </p:iterate>
-                                  <p:childTnLst>
-                                    <p:set>
-                                      <p:cBhvr>
-                                        <p:cTn id="16" fill="hold"/>
-                                        <p:tgtEl>
-                                          <p:spTgt spid="39">
-                                            <p:txEl>
-                                              <p:pRg st="2" end="2"/>
-                                            </p:txEl>
-                                          </p:spTgt>
-                                        </p:tgtEl>
-                                        <p:attrNameLst>
-                                          <p:attrName>style.visibility</p:attrName>
-                                        </p:attrNameLst>
-                                      </p:cBhvr>
-                                      <p:to>
-                                        <p:strVal val="visible"/>
-                                      </p:to>
-                                    </p:set>
-                                  </p:childTnLst>
-                                </p:cTn>
-                              </p:par>
-                            </p:childTnLst>
-                          </p:cTn>
-                        </p:par>
-                      </p:childTnLst>
-                    </p:cTn>
-                  </p:par>
-                  <p:par>
-                    <p:cTn id="17" fill="hold">
-                      <p:stCondLst>
-                        <p:cond delay="indefinite"/>
-                      </p:stCondLst>
-                      <p:childTnLst>
-                        <p:par>
-                          <p:cTn id="18" fill="hold">
-                            <p:stCondLst>
-                              <p:cond delay="0"/>
-                            </p:stCondLst>
-                            <p:childTnLst>
-                              <p:par>
-                                <p:cTn id="19" nodeType="clickEffect" presetClass="entr" presetSubtype="0" presetID="1" grpId="1" fill="hold">
-                                  <p:stCondLst>
-                                    <p:cond delay="0"/>
-                                  </p:stCondLst>
-                                  <p:iterate type="el" backwards="0">
-                                    <p:tmAbs val="0"/>
-                                  </p:iterate>
-                                  <p:childTnLst>
-                                    <p:set>
-                                      <p:cBhvr>
-                                        <p:cTn id="20" fill="hold"/>
-                                        <p:tgtEl>
-                                          <p:spTgt spid="39">
-                                            <p:txEl>
-                                              <p:pRg st="3" end="3"/>
-                                            </p:txEl>
-                                          </p:spTgt>
-                                        </p:tgtEl>
-                                        <p:attrNameLst>
-                                          <p:attrName>style.visibility</p:attrName>
-                                        </p:attrNameLst>
-                                      </p:cBhvr>
-                                      <p:to>
-                                        <p:strVal val="visible"/>
-                                      </p:to>
-                                    </p:set>
-                                  </p:childTnLst>
-                                </p:cTn>
-                              </p:par>
-                            </p:childTnLst>
-                          </p:cTn>
-                        </p:par>
-                      </p:childTnLst>
-                    </p:cTn>
-                  </p:par>
-                  <p:par>
-                    <p:cTn id="21" fill="hold">
-                      <p:stCondLst>
-                        <p:cond delay="indefinite"/>
-                      </p:stCondLst>
-                      <p:childTnLst>
-                        <p:par>
-                          <p:cTn id="22" fill="hold">
-                            <p:stCondLst>
-                              <p:cond delay="0"/>
-                            </p:stCondLst>
-                            <p:childTnLst>
-                              <p:par>
-                                <p:cTn id="23" nodeType="clickEffect" presetClass="entr" presetSubtype="0" presetID="1" grpId="1" fill="hold">
-                                  <p:stCondLst>
-                                    <p:cond delay="0"/>
-                                  </p:stCondLst>
-                                  <p:iterate type="el" backwards="0">
-                                    <p:tmAbs val="0"/>
-                                  </p:iterate>
-                                  <p:childTnLst>
-                                    <p:set>
-                                      <p:cBhvr>
-                                        <p:cTn id="24" fill="hold"/>
-                                        <p:tgtEl>
-                                          <p:spTgt spid="39">
-                                            <p:txEl>
-                                              <p:pRg st="4" end="4"/>
-                                            </p:txEl>
-                                          </p:spTgt>
-                                        </p:tgtEl>
-                                        <p:attrNameLst>
-                                          <p:attrName>style.visibility</p:attrName>
-                                        </p:attrNameLst>
-                                      </p:cBhvr>
-                                      <p:to>
-                                        <p:strVal val="visible"/>
-                                      </p:to>
-                                    </p:set>
-                                  </p:childTnLst>
-                                </p:cTn>
-                              </p:par>
-                            </p:childTnLst>
-                          </p:cTn>
-                        </p:par>
-                      </p:childTnLst>
-                    </p:cTn>
-                  </p:par>
-                  <p:par>
-                    <p:cTn id="25" fill="hold">
-                      <p:stCondLst>
-                        <p:cond delay="indefinite"/>
-                      </p:stCondLst>
-                      <p:childTnLst>
-                        <p:par>
-                          <p:cTn id="26" fill="hold">
-                            <p:stCondLst>
-                              <p:cond delay="0"/>
-                            </p:stCondLst>
-                            <p:childTnLst>
-                              <p:par>
-                                <p:cTn id="27" nodeType="clickEffect" presetClass="entr" presetSubtype="0" presetID="1" grpId="1" fill="hold">
-                                  <p:stCondLst>
-                                    <p:cond delay="0"/>
-                                  </p:stCondLst>
-                                  <p:iterate type="el" backwards="0">
-                                    <p:tmAbs val="0"/>
-                                  </p:iterate>
-                                  <p:childTnLst>
-                                    <p:set>
-                                      <p:cBhvr>
-                                        <p:cTn id="28" fill="hold"/>
-                                        <p:tgtEl>
-                                          <p:spTgt spid="39">
-                                            <p:txEl>
-                                              <p:pRg st="5" end="5"/>
-                                            </p:txEl>
-                                          </p:spTgt>
-                                        </p:tgtEl>
-                                        <p:attrNameLst>
-                                          <p:attrName>style.visibility</p:attrName>
-                                        </p:attrNameLst>
-                                      </p:cBhvr>
-                                      <p:to>
-                                        <p:strVal val="visible"/>
-                                      </p:to>
-                                    </p:set>
-                                  </p:childTnLst>
-                                </p:cTn>
-                              </p:par>
-                            </p:childTnLst>
-                          </p:cTn>
-                        </p:par>
-                      </p:childTnLst>
-                    </p:cTn>
-                  </p:par>
-                  <p:par>
-                    <p:cTn id="29" fill="hold">
-                      <p:stCondLst>
-                        <p:cond delay="indefinite"/>
-                      </p:stCondLst>
-                      <p:childTnLst>
-                        <p:par>
-                          <p:cTn id="30" fill="hold">
-                            <p:stCondLst>
-                              <p:cond delay="0"/>
-                            </p:stCondLst>
-                            <p:childTnLst>
-                              <p:par>
-                                <p:cTn id="31" nodeType="clickEffect" presetClass="entr" presetSubtype="0" presetID="1" grpId="1" fill="hold">
-                                  <p:stCondLst>
-                                    <p:cond delay="0"/>
-                                  </p:stCondLst>
-                                  <p:iterate type="el" backwards="0">
-                                    <p:tmAbs val="0"/>
-                                  </p:iterate>
-                                  <p:childTnLst>
-                                    <p:set>
-                                      <p:cBhvr>
-                                        <p:cTn id="32" fill="hold"/>
-                                        <p:tgtEl>
-                                          <p:spTgt spid="39">
-                                            <p:txEl>
-                                              <p:pRg st="6" end="6"/>
-                                            </p:txEl>
-                                          </p:spTgt>
-                                        </p:tgtEl>
-                                        <p:attrNameLst>
-                                          <p:attrName>style.visibility</p:attrName>
-                                        </p:attrNameLst>
-                                      </p:cBhvr>
-                                      <p:to>
-                                        <p:strVal val="visible"/>
-                                      </p:to>
-                                    </p:set>
-                                  </p:childTnLst>
-                                </p:cTn>
-                              </p:par>
-                            </p:childTnLst>
-                          </p:cTn>
-                        </p:par>
-                      </p:childTnLst>
-                    </p:cTn>
-                  </p:par>
-                  <p:par>
-                    <p:cTn id="33" fill="hold">
-                      <p:stCondLst>
-                        <p:cond delay="indefinite"/>
-                      </p:stCondLst>
-                      <p:childTnLst>
-                        <p:par>
-                          <p:cTn id="34" fill="hold">
-                            <p:stCondLst>
-                              <p:cond delay="0"/>
-                            </p:stCondLst>
-                            <p:childTnLst>
-                              <p:par>
-                                <p:cTn id="35" nodeType="clickEffect" presetClass="entr" presetSubtype="0" presetID="1" grpId="1" fill="hold">
-                                  <p:stCondLst>
-                                    <p:cond delay="0"/>
-                                  </p:stCondLst>
-                                  <p:iterate type="el" backwards="0">
-                                    <p:tmAbs val="0"/>
-                                  </p:iterate>
-                                  <p:childTnLst>
-                                    <p:set>
-                                      <p:cBhvr>
-                                        <p:cTn id="36" fill="hold"/>
-                                        <p:tgtEl>
-                                          <p:spTgt spid="39">
-                                            <p:txEl>
-                                              <p:pRg st="7" end="7"/>
-                                            </p:txEl>
-                                          </p:spTgt>
-                                        </p:tgtEl>
-                                        <p:attrNameLst>
-                                          <p:attrName>style.visibility</p:attrName>
-                                        </p:attrNameLst>
-                                      </p:cBhvr>
-                                      <p:to>
-                                        <p:strVal val="visible"/>
-                                      </p:to>
-                                    </p:set>
-                                  </p:childTnLst>
-                                </p:cTn>
-                              </p:par>
-                            </p:childTnLst>
-                          </p:cTn>
-                        </p:par>
-                      </p:childTnLst>
-                    </p:cTn>
-                  </p:par>
-                  <p:par>
-                    <p:cTn id="37" fill="hold">
-                      <p:stCondLst>
-                        <p:cond delay="indefinite"/>
-                      </p:stCondLst>
-                      <p:childTnLst>
-                        <p:par>
-                          <p:cTn id="38" fill="hold">
-                            <p:stCondLst>
-                              <p:cond delay="0"/>
-                            </p:stCondLst>
-                            <p:childTnLst>
-                              <p:par>
-                                <p:cTn id="39" nodeType="clickEffect" presetClass="entr" presetSubtype="0" presetID="1" grpId="1" fill="hold">
-                                  <p:stCondLst>
-                                    <p:cond delay="0"/>
-                                  </p:stCondLst>
-                                  <p:iterate type="el" backwards="0">
-                                    <p:tmAbs val="0"/>
-                                  </p:iterate>
-                                  <p:childTnLst>
-                                    <p:set>
-                                      <p:cBhvr>
-                                        <p:cTn id="40" fill="hold"/>
-                                        <p:tgtEl>
-                                          <p:spTgt spid="39">
-                                            <p:txEl>
-                                              <p:pRg st="8" end="8"/>
-                                            </p:txEl>
-                                          </p:spTgt>
-                                        </p:tgtEl>
-                                        <p:attrNameLst>
-                                          <p:attrName>style.visibility</p:attrName>
-                                        </p:attrNameLst>
-                                      </p:cBhvr>
-                                      <p:to>
-                                        <p:strVal val="visible"/>
-                                      </p:to>
-                                    </p:set>
-                                  </p:childTnLst>
-                                </p:cTn>
-                              </p:par>
-                            </p:childTnLst>
-                          </p:cTn>
-                        </p:par>
-                      </p:childTnLst>
-                    </p:cTn>
-                  </p:par>
-                </p:childTnLst>
-              </p:cTn>
-              <p:prevCondLst>
-                <p:cond evt="onPrev">
-                  <p:tgtEl>
-                    <p:sldTgt/>
-                  </p:tgtEl>
-                </p:cond>
-              </p:prevCondLst>
-              <p:nextCondLst>
-                <p:cond evt="onNext">
-                  <p:tgtEl>
-                    <p:sldTgt/>
-                  </p:tgtEl>
-                </p:cond>
-              </p:nextCondLst>
-            </p:seq>
-          </p:childTnLst>
-        </p:cTn>
-      </p:par>
-    </p:tnLst>
-    <p:bldLst>
-      <p:bldP build="p" bldLvl="5" animBg="1" rev="0" advAuto="0" spid="39" grpId="1"/>
-    </p:bldLst>
-  </p:timing>
-</p:sld>
-</file>
-
-<file path=ppt/slides/slide4.xml><?xml version="1.0" encoding="utf-8"?>
-<p:sld xmlns:a="http://schemas.openxmlformats.org/drawingml/2006/main" xmlns:r="http://schemas.openxmlformats.org/officeDocument/2006/relationships" xmlns:p="http://schemas.openxmlformats.org/presentationml/2006/main" showMasterSp="1" showMasterPhAnim="1">
-  <p:cSld>
-    <p:spTree>
-      <p:nvGrpSpPr>
-        <p:cNvPr id="1" name=""/>
-        <p:cNvGrpSpPr/>
-        <p:nvPr/>
-      </p:nvGrpSpPr>
-      <p:grpSpPr>
-        <a:xfrm>
-          <a:off x="0" y="0"/>
-          <a:ext cx="0" cy="0"/>
-          <a:chOff x="0" y="0"/>
-          <a:chExt cx="0" cy="0"/>
-        </a:xfrm>
-      </p:grpSpPr>
-      <p:sp>
-        <p:nvSpPr>
-          <p:cNvPr id="41" name="Shape 41"/>
-          <p:cNvSpPr/>
-          <p:nvPr>
-            <p:ph type="title"/>
-          </p:nvPr>
-        </p:nvSpPr>
-        <p:spPr>
-          <a:prstGeom prst="rect">
-            <a:avLst/>
-          </a:prstGeom>
-        </p:spPr>
-        <p:txBody>
-          <a:bodyPr/>
-          <a:lstStyle/>
-          <a:p>
-            <a:pPr lvl="0">
-              <a:defRPr sz="1800"/>
-            </a:pPr>
-            <a:r>
-              <a:rPr sz="8000"/>
-              <a:t>Descriptive Inference</a:t>
-            </a:r>
-          </a:p>
-        </p:txBody>
-      </p:sp>
-      <p:sp>
-        <p:nvSpPr>
-          <p:cNvPr id="42" name="Shape 42"/>
-          <p:cNvSpPr/>
-          <p:nvPr>
-            <p:ph type="body" idx="1"/>
-          </p:nvPr>
-        </p:nvSpPr>
-        <p:spPr>
-          <a:prstGeom prst="rect">
-            <a:avLst/>
-          </a:prstGeom>
-        </p:spPr>
-        <p:txBody>
-          <a:bodyPr/>
-          <a:lstStyle/>
-          <a:p>
-            <a:pPr lvl="0" marL="0" indent="0">
-              <a:buSzTx/>
-              <a:buNone/>
-              <a:defRPr sz="1800"/>
-            </a:pPr>
-            <a:r>
-              <a:rPr sz="3600"/>
-              <a:t>Let’s say we want to know how much of the British population supports the current government.</a:t>
-            </a:r>
-            <a:endParaRPr sz="3600"/>
-          </a:p>
-          <a:p>
-            <a:pPr lvl="2" marL="0" indent="457200">
-              <a:buSzTx/>
-              <a:buNone/>
-              <a:defRPr sz="1800"/>
-            </a:pPr>
-            <a:r>
-              <a:rPr sz="3000"/>
-              <a:t>1. Take a </a:t>
-            </a:r>
-            <a:r>
-              <a:rPr i="1" sz="3000"/>
-              <a:t>random, representative</a:t>
-            </a:r>
-            <a:r>
-              <a:rPr sz="3000"/>
-              <a:t> </a:t>
-            </a:r>
-            <a:r>
-              <a:rPr i="1" sz="3000"/>
-              <a:t>sample</a:t>
-            </a:r>
-            <a:r>
-              <a:rPr sz="3000"/>
-              <a:t> of, say, 5,000 Brits.</a:t>
-            </a:r>
-            <a:endParaRPr sz="3000"/>
-          </a:p>
-          <a:p>
-            <a:pPr lvl="2" marL="0" indent="457200">
-              <a:buSzTx/>
-              <a:buNone/>
-              <a:defRPr sz="1800"/>
-            </a:pPr>
-            <a:r>
-              <a:rPr sz="3000"/>
-              <a:t>2. Ask them if they support the government.</a:t>
-            </a:r>
-            <a:endParaRPr sz="3000"/>
-          </a:p>
-          <a:p>
-            <a:pPr lvl="2" marL="0" indent="457200">
-              <a:buSzTx/>
-              <a:buNone/>
-              <a:defRPr sz="1800"/>
-            </a:pPr>
-            <a:r>
-              <a:rPr sz="3000"/>
-              <a:t>3. The sample mean can be used to </a:t>
-            </a:r>
-            <a:r>
-              <a:rPr i="1" sz="3000"/>
-              <a:t>infer</a:t>
-            </a:r>
-            <a:r>
-              <a:rPr sz="3000"/>
-              <a:t> the population mean.</a:t>
-            </a:r>
-            <a:endParaRPr sz="3000"/>
-          </a:p>
-          <a:p>
-            <a:pPr lvl="2" marL="0" indent="457200">
-              <a:buSzTx/>
-              <a:buNone/>
-              <a:defRPr sz="1800"/>
-            </a:pPr>
-            <a:r>
-              <a:rPr sz="3000"/>
-              <a:t>4. Statistical theory provides rigorous rules for this inference, accounting for sample size, variance, and random error.</a:t>
-            </a:r>
-          </a:p>
-        </p:txBody>
-      </p:sp>
-    </p:spTree>
-  </p:cSld>
-  <p:clrMapOvr>
-    <a:masterClrMapping/>
-  </p:clrMapOvr>
-  <p:transition spd="med" advClick="1"/>
-  <p:timing>
-    <p:tnLst>
-      <p:par>
-        <p:cTn id="1" nodeType="tmRoot" restart="never" dur="indefinite" fill="hold">
-          <p:childTnLst>
-            <p:seq concurrent="1" prevAc="none" nextAc="seek">
-              <p:cTn id="2" nodeType="mainSeq" dur="indefinite" fill="hold">
-                <p:childTnLst>
-                  <p:par>
-                    <p:cTn id="3" fill="hold">
-                      <p:stCondLst>
-                        <p:cond delay="indefinite"/>
-                      </p:stCondLst>
-                      <p:childTnLst>
-                        <p:par>
-                          <p:cTn id="4" fill="hold">
-                            <p:stCondLst>
-                              <p:cond delay="0"/>
-                            </p:stCondLst>
-                            <p:childTnLst>
-                              <p:par>
-                                <p:cTn id="5" nodeType="clickEffect" presetClass="entr" presetSubtype="0" presetID="1" grpId="1" fill="hold">
-                                  <p:stCondLst>
-                                    <p:cond delay="0"/>
-                                  </p:stCondLst>
-                                  <p:iterate type="el" backwards="0">
-                                    <p:tmAbs val="0"/>
-                                  </p:iterate>
-                                  <p:childTnLst>
-                                    <p:set>
-                                      <p:cBhvr>
-                                        <p:cTn id="6" fill="hold"/>
-                                        <p:tgtEl>
-                                          <p:spTgt spid="42">
-                                            <p:bg/>
-                                          </p:spTgt>
-                                        </p:tgtEl>
-                                        <p:attrNameLst>
-                                          <p:attrName>style.visibility</p:attrName>
-                                        </p:attrNameLst>
-                                      </p:cBhvr>
-                                      <p:to>
-                                        <p:strVal val="visible"/>
-                                      </p:to>
-                                    </p:set>
-                                  </p:childTnLst>
-                                </p:cTn>
-                              </p:par>
-                              <p:par>
-                                <p:cTn id="7" presetClass="entr" presetSubtype="0" presetID="1" grpId="1" fill="hold">
-                                  <p:stCondLst>
-                                    <p:cond delay="0"/>
-                                  </p:stCondLst>
-                                  <p:iterate type="el" backwards="0">
-                                    <p:tmAbs val="0"/>
-                                  </p:iterate>
-                                  <p:childTnLst>
-                                    <p:set>
-                                      <p:cBhvr>
-                                        <p:cTn id="8" fill="hold"/>
-                                        <p:tgtEl>
-                                          <p:spTgt spid="42">
-                                            <p:txEl>
-                                              <p:pRg st="0" end="0"/>
-                                            </p:txEl>
-                                          </p:spTgt>
-                                        </p:tgtEl>
-                                        <p:attrNameLst>
-                                          <p:attrName>style.visibility</p:attrName>
-                                        </p:attrNameLst>
-                                      </p:cBhvr>
-                                      <p:to>
-                                        <p:strVal val="visible"/>
-                                      </p:to>
-                                    </p:set>
-                                  </p:childTnLst>
-                                </p:cTn>
-                              </p:par>
-                            </p:childTnLst>
-                          </p:cTn>
-                        </p:par>
-                      </p:childTnLst>
-                    </p:cTn>
-                  </p:par>
-                  <p:par>
-                    <p:cTn id="9" fill="hold">
-                      <p:stCondLst>
-                        <p:cond delay="indefinite"/>
-                      </p:stCondLst>
-                      <p:childTnLst>
-                        <p:par>
-                          <p:cTn id="10" fill="hold">
-                            <p:stCondLst>
-                              <p:cond delay="0"/>
-                            </p:stCondLst>
-                            <p:childTnLst>
-                              <p:par>
-                                <p:cTn id="11" nodeType="clickEffect" presetClass="entr" presetSubtype="0" presetID="1" grpId="1" fill="hold">
-                                  <p:stCondLst>
-                                    <p:cond delay="0"/>
-                                  </p:stCondLst>
-                                  <p:iterate type="el" backwards="0">
-                                    <p:tmAbs val="0"/>
-                                  </p:iterate>
-                                  <p:childTnLst>
-                                    <p:set>
-                                      <p:cBhvr>
-                                        <p:cTn id="12" fill="hold"/>
-                                        <p:tgtEl>
-                                          <p:spTgt spid="42">
-                                            <p:txEl>
-                                              <p:pRg st="1" end="1"/>
-                                            </p:txEl>
-                                          </p:spTgt>
-                                        </p:tgtEl>
-                                        <p:attrNameLst>
-                                          <p:attrName>style.visibility</p:attrName>
-                                        </p:attrNameLst>
-                                      </p:cBhvr>
-                                      <p:to>
-                                        <p:strVal val="visible"/>
-                                      </p:to>
-                                    </p:set>
-                                  </p:childTnLst>
-                                </p:cTn>
-                              </p:par>
-                            </p:childTnLst>
-                          </p:cTn>
-                        </p:par>
-                      </p:childTnLst>
-                    </p:cTn>
-                  </p:par>
-                  <p:par>
-                    <p:cTn id="13" fill="hold">
-                      <p:stCondLst>
-                        <p:cond delay="indefinite"/>
-                      </p:stCondLst>
-                      <p:childTnLst>
-                        <p:par>
-                          <p:cTn id="14" fill="hold">
-                            <p:stCondLst>
-                              <p:cond delay="0"/>
-                            </p:stCondLst>
-                            <p:childTnLst>
-                              <p:par>
-                                <p:cTn id="15" nodeType="clickEffect" presetClass="entr" presetSubtype="0" presetID="1" grpId="1" fill="hold">
-                                  <p:stCondLst>
-                                    <p:cond delay="0"/>
-                                  </p:stCondLst>
-                                  <p:iterate type="el" backwards="0">
-                                    <p:tmAbs val="0"/>
-                                  </p:iterate>
-                                  <p:childTnLst>
-                                    <p:set>
-                                      <p:cBhvr>
-                                        <p:cTn id="16" fill="hold"/>
-                                        <p:tgtEl>
-                                          <p:spTgt spid="42">
-                                            <p:txEl>
-                                              <p:pRg st="2" end="2"/>
-                                            </p:txEl>
-                                          </p:spTgt>
-                                        </p:tgtEl>
-                                        <p:attrNameLst>
-                                          <p:attrName>style.visibility</p:attrName>
-                                        </p:attrNameLst>
-                                      </p:cBhvr>
-                                      <p:to>
-                                        <p:strVal val="visible"/>
-                                      </p:to>
-                                    </p:set>
-                                  </p:childTnLst>
-                                </p:cTn>
-                              </p:par>
-                            </p:childTnLst>
-                          </p:cTn>
-                        </p:par>
-                      </p:childTnLst>
-                    </p:cTn>
-                  </p:par>
-                  <p:par>
-                    <p:cTn id="17" fill="hold">
-                      <p:stCondLst>
-                        <p:cond delay="indefinite"/>
-                      </p:stCondLst>
-                      <p:childTnLst>
-                        <p:par>
-                          <p:cTn id="18" fill="hold">
-                            <p:stCondLst>
-                              <p:cond delay="0"/>
-                            </p:stCondLst>
-                            <p:childTnLst>
-                              <p:par>
-                                <p:cTn id="19" nodeType="clickEffect" presetClass="entr" presetSubtype="0" presetID="1" grpId="1" fill="hold">
-                                  <p:stCondLst>
-                                    <p:cond delay="0"/>
-                                  </p:stCondLst>
-                                  <p:iterate type="el" backwards="0">
-                                    <p:tmAbs val="0"/>
-                                  </p:iterate>
-                                  <p:childTnLst>
-                                    <p:set>
-                                      <p:cBhvr>
-                                        <p:cTn id="20" fill="hold"/>
-                                        <p:tgtEl>
-                                          <p:spTgt spid="42">
-                                            <p:txEl>
-                                              <p:pRg st="3" end="3"/>
-                                            </p:txEl>
-                                          </p:spTgt>
-                                        </p:tgtEl>
-                                        <p:attrNameLst>
-                                          <p:attrName>style.visibility</p:attrName>
-                                        </p:attrNameLst>
-                                      </p:cBhvr>
-                                      <p:to>
-                                        <p:strVal val="visible"/>
-                                      </p:to>
-                                    </p:set>
-                                  </p:childTnLst>
-                                </p:cTn>
-                              </p:par>
-                            </p:childTnLst>
-                          </p:cTn>
-                        </p:par>
-                      </p:childTnLst>
-                    </p:cTn>
-                  </p:par>
-                  <p:par>
-                    <p:cTn id="21" fill="hold">
-                      <p:stCondLst>
-                        <p:cond delay="indefinite"/>
-                      </p:stCondLst>
-                      <p:childTnLst>
-                        <p:par>
-                          <p:cTn id="22" fill="hold">
-                            <p:stCondLst>
-                              <p:cond delay="0"/>
-                            </p:stCondLst>
-                            <p:childTnLst>
-                              <p:par>
-                                <p:cTn id="23" nodeType="clickEffect" presetClass="entr" presetSubtype="0" presetID="1" grpId="1" fill="hold">
-                                  <p:stCondLst>
-                                    <p:cond delay="0"/>
-                                  </p:stCondLst>
-                                  <p:iterate type="el" backwards="0">
-                                    <p:tmAbs val="0"/>
-                                  </p:iterate>
-                                  <p:childTnLst>
-                                    <p:set>
-                                      <p:cBhvr>
-                                        <p:cTn id="24" fill="hold"/>
-                                        <p:tgtEl>
-                                          <p:spTgt spid="42">
-                                            <p:txEl>
-                                              <p:pRg st="4" end="4"/>
-                                            </p:txEl>
-                                          </p:spTgt>
-                                        </p:tgtEl>
-                                        <p:attrNameLst>
-                                          <p:attrName>style.visibility</p:attrName>
-                                        </p:attrNameLst>
-                                      </p:cBhvr>
-                                      <p:to>
-                                        <p:strVal val="visible"/>
-                                      </p:to>
-                                    </p:set>
-                                  </p:childTnLst>
-                                </p:cTn>
-                              </p:par>
-                            </p:childTnLst>
-                          </p:cTn>
-                        </p:par>
-                      </p:childTnLst>
-                    </p:cTn>
-                  </p:par>
-                </p:childTnLst>
-              </p:cTn>
-              <p:prevCondLst>
-                <p:cond evt="onPrev">
-                  <p:tgtEl>
-                    <p:sldTgt/>
-                  </p:tgtEl>
-                </p:cond>
-              </p:prevCondLst>
-              <p:nextCondLst>
-                <p:cond evt="onNext">
-                  <p:tgtEl>
-                    <p:sldTgt/>
-                  </p:tgtEl>
-                </p:cond>
-              </p:nextCondLst>
-            </p:seq>
-          </p:childTnLst>
-        </p:cTn>
-      </p:par>
-    </p:tnLst>
-    <p:bldLst>
-      <p:bldP build="p" bldLvl="5" animBg="1" rev="0" advAuto="0" spid="42" grpId="1"/>
-    </p:bldLst>
-  </p:timing>
-</p:sld>
-</file>
-
-<file path=ppt/slides/slide5.xml><?xml version="1.0" encoding="utf-8"?>
-<p:sld xmlns:a="http://schemas.openxmlformats.org/drawingml/2006/main" xmlns:r="http://schemas.openxmlformats.org/officeDocument/2006/relationships" xmlns:p="http://schemas.openxmlformats.org/presentationml/2006/main" showMasterSp="1" showMasterPhAnim="1">
-  <p:cSld>
-    <p:spTree>
-      <p:nvGrpSpPr>
-        <p:cNvPr id="1" name=""/>
-        <p:cNvGrpSpPr/>
-        <p:nvPr/>
-      </p:nvGrpSpPr>
-      <p:grpSpPr>
-        <a:xfrm>
-          <a:off x="0" y="0"/>
-          <a:ext cx="0" cy="0"/>
-          <a:chOff x="0" y="0"/>
-          <a:chExt cx="0" cy="0"/>
-        </a:xfrm>
-      </p:grpSpPr>
-      <p:sp>
-        <p:nvSpPr>
-          <p:cNvPr id="44" name="Shape 44"/>
-          <p:cNvSpPr/>
-          <p:nvPr>
-            <p:ph type="title"/>
-          </p:nvPr>
-        </p:nvSpPr>
-        <p:spPr>
-          <a:prstGeom prst="rect">
-            <a:avLst/>
-          </a:prstGeom>
-        </p:spPr>
-        <p:txBody>
-          <a:bodyPr/>
-          <a:lstStyle/>
-          <a:p>
-            <a:pPr lvl="0"/>
-          </a:p>
-        </p:txBody>
-      </p:sp>
-      <p:sp>
-        <p:nvSpPr>
-          <p:cNvPr id="45" name="Shape 45"/>
-          <p:cNvSpPr/>
-          <p:nvPr>
-            <p:ph type="body" idx="1"/>
-          </p:nvPr>
-        </p:nvSpPr>
-        <p:spPr>
-          <a:prstGeom prst="rect">
-            <a:avLst/>
-          </a:prstGeom>
-        </p:spPr>
-        <p:txBody>
-          <a:bodyPr/>
-          <a:lstStyle/>
-          <a:p>
-            <a:pPr lvl="0">
-              <a:defRPr sz="1800"/>
-            </a:pPr>
-            <a:endParaRPr sz="3200"/>
-          </a:p>
-          <a:p>
-            <a:pPr lvl="0">
-              <a:defRPr sz="1800"/>
-            </a:pPr>
-            <a:endParaRPr sz="1500"/>
-          </a:p>
-          <a:p>
-            <a:pPr lvl="0">
-              <a:defRPr sz="1800"/>
-            </a:pPr>
-            <a:r>
-              <a:rPr sz="1500"/>
-              <a:t>Source: </a:t>
-            </a:r>
-            <a:r>
-              <a:rPr sz="1500" u="sng">
-                <a:hlinkClick r:id="rId2" invalidUrl="" action="" tgtFrame="" tooltip="" history="1" highlightClick="0" endSnd="0"/>
-              </a:rPr>
-              <a:t>https://learnandteachstatistics.wordpress.com/2014/09/04/sampling-and-non-sampling-error/</a:t>
-            </a:r>
-          </a:p>
-        </p:txBody>
-      </p:sp>
-      <p:pic>
-        <p:nvPicPr>
-          <p:cNvPr id="46" name="types_of_error.png"/>
-          <p:cNvPicPr/>
-          <p:nvPr/>
-        </p:nvPicPr>
-        <p:blipFill>
-          <a:blip r:embed="rId3">
-            <a:extLst/>
-          </a:blip>
-          <a:stretch>
-            <a:fillRect/>
-          </a:stretch>
-        </p:blipFill>
-        <p:spPr>
-          <a:xfrm>
-            <a:off x="304800" y="755598"/>
-            <a:ext cx="12062183" cy="7894100"/>
-          </a:xfrm>
-          <a:prstGeom prst="rect">
-            <a:avLst/>
-          </a:prstGeom>
-          <a:ln w="12700">
-            <a:miter lim="400000"/>
-          </a:ln>
-        </p:spPr>
-      </p:pic>
-    </p:spTree>
-  </p:cSld>
-  <p:clrMapOvr>
-    <a:masterClrMapping/>
-  </p:clrMapOvr>
-  <p:transition spd="med" advClick="1"/>
-</p:sld>
-</file>
-
-<file path=ppt/slides/slide6.xml><?xml version="1.0" encoding="utf-8"?>
-<p:sld xmlns:a="http://schemas.openxmlformats.org/drawingml/2006/main" xmlns:r="http://schemas.openxmlformats.org/officeDocument/2006/relationships" xmlns:p="http://schemas.openxmlformats.org/presentationml/2006/main" showMasterSp="1" showMasterPhAnim="1">
-  <p:cSld>
-    <p:spTree>
-      <p:nvGrpSpPr>
-        <p:cNvPr id="1" name=""/>
-        <p:cNvGrpSpPr/>
-        <p:nvPr/>
-      </p:nvGrpSpPr>
-      <p:grpSpPr>
-        <a:xfrm>
-          <a:off x="0" y="0"/>
-          <a:ext cx="0" cy="0"/>
-          <a:chOff x="0" y="0"/>
-          <a:chExt cx="0" cy="0"/>
-        </a:xfrm>
-      </p:grpSpPr>
-      <p:sp>
-        <p:nvSpPr>
-          <p:cNvPr id="48" name="Shape 48"/>
-          <p:cNvSpPr/>
-          <p:nvPr>
-            <p:ph type="title"/>
-          </p:nvPr>
-        </p:nvSpPr>
-        <p:spPr>
-          <a:prstGeom prst="rect">
-            <a:avLst/>
-          </a:prstGeom>
-        </p:spPr>
-        <p:txBody>
-          <a:bodyPr/>
-          <a:lstStyle/>
-          <a:p>
-            <a:pPr lvl="0">
-              <a:defRPr sz="1800"/>
-            </a:pPr>
-            <a:r>
-              <a:rPr sz="8000"/>
-              <a:t>Causal Inference</a:t>
-            </a:r>
-          </a:p>
-        </p:txBody>
-      </p:sp>
-      <p:sp>
-        <p:nvSpPr>
-          <p:cNvPr id="49" name="Shape 49"/>
-          <p:cNvSpPr/>
-          <p:nvPr>
-            <p:ph type="body" idx="1"/>
-          </p:nvPr>
-        </p:nvSpPr>
-        <p:spPr>
-          <a:prstGeom prst="rect">
-            <a:avLst/>
-          </a:prstGeom>
-        </p:spPr>
-        <p:txBody>
-          <a:bodyPr/>
-          <a:lstStyle/>
-          <a:p>
-            <a:pPr lvl="0" marL="346709" indent="-346709" defTabSz="455675">
-              <a:spcBef>
-                <a:spcPts val="3200"/>
-              </a:spcBef>
-              <a:defRPr sz="1800"/>
-            </a:pPr>
-            <a:r>
-              <a:rPr sz="2807"/>
-              <a:t>A </a:t>
-            </a:r>
-            <a:r>
-              <a:rPr b="1" sz="2807">
-                <a:latin typeface="Helvetica"/>
-                <a:ea typeface="Helvetica"/>
-                <a:cs typeface="Helvetica"/>
-                <a:sym typeface="Helvetica"/>
-              </a:rPr>
-              <a:t>causal inference</a:t>
-            </a:r>
-            <a:r>
-              <a:rPr sz="2807"/>
-              <a:t> is a statement about why something happens.</a:t>
-            </a:r>
-            <a:endParaRPr sz="2807"/>
-          </a:p>
-          <a:p>
-            <a:pPr lvl="1" marL="693419" indent="-346709" defTabSz="455675">
-              <a:spcBef>
-                <a:spcPts val="3200"/>
-              </a:spcBef>
-              <a:defRPr sz="1800"/>
-            </a:pPr>
-            <a:r>
-              <a:rPr sz="2807"/>
-              <a:t>A causal inference therefore states the existence of a relationship between at least two variables.</a:t>
-            </a:r>
-            <a:endParaRPr sz="2807"/>
-          </a:p>
-          <a:p>
-            <a:pPr lvl="0" marL="346709" indent="-346709" defTabSz="455675">
-              <a:spcBef>
-                <a:spcPts val="3200"/>
-              </a:spcBef>
-              <a:defRPr sz="1800"/>
-            </a:pPr>
-            <a:r>
-              <a:rPr sz="2807"/>
-              <a:t>The </a:t>
-            </a:r>
-            <a:r>
-              <a:rPr b="1" sz="2807">
-                <a:latin typeface="Helvetica"/>
-                <a:ea typeface="Helvetica"/>
-                <a:cs typeface="Helvetica"/>
-                <a:sym typeface="Helvetica"/>
-              </a:rPr>
-              <a:t>dependent variable</a:t>
-            </a:r>
-            <a:r>
-              <a:rPr sz="2807"/>
-              <a:t> measures that variation which we would like to explain (find a cause for).</a:t>
-            </a:r>
-            <a:endParaRPr sz="2807"/>
-          </a:p>
-          <a:p>
-            <a:pPr lvl="1" marL="693419" indent="-346709" defTabSz="455675">
-              <a:spcBef>
-                <a:spcPts val="3200"/>
-              </a:spcBef>
-              <a:defRPr sz="1800"/>
-            </a:pPr>
-            <a:r>
-              <a:rPr sz="2340"/>
-              <a:t>Also called </a:t>
-            </a:r>
-            <a:r>
-              <a:rPr b="1" i="1" sz="2340">
-                <a:latin typeface="Helvetica"/>
-                <a:ea typeface="Helvetica"/>
-                <a:cs typeface="Helvetica"/>
-                <a:sym typeface="Helvetica"/>
-              </a:rPr>
-              <a:t>Y</a:t>
-            </a:r>
-            <a:r>
-              <a:rPr i="1" sz="2340"/>
-              <a:t>, </a:t>
-            </a:r>
-            <a:r>
-              <a:rPr sz="2340"/>
-              <a:t>or the “outcome” or “response” or variable.</a:t>
-            </a:r>
-            <a:endParaRPr sz="2340"/>
-          </a:p>
-          <a:p>
-            <a:pPr lvl="0" marL="346709" indent="-346709" defTabSz="455675">
-              <a:spcBef>
-                <a:spcPts val="3200"/>
-              </a:spcBef>
-              <a:defRPr sz="1800"/>
-            </a:pPr>
-            <a:r>
-              <a:rPr sz="2807"/>
-              <a:t>The </a:t>
-            </a:r>
-            <a:r>
-              <a:rPr b="1" sz="2807">
-                <a:latin typeface="Helvetica"/>
-                <a:ea typeface="Helvetica"/>
-                <a:cs typeface="Helvetica"/>
-                <a:sym typeface="Helvetica"/>
-              </a:rPr>
-              <a:t>independent variable</a:t>
-            </a:r>
-            <a:r>
-              <a:rPr sz="2807"/>
-              <a:t> measures that variation which we think explains variation in the dependent variable.</a:t>
-            </a:r>
-            <a:endParaRPr sz="2807"/>
-          </a:p>
-          <a:p>
-            <a:pPr lvl="1" marL="693419" indent="-346709" defTabSz="455675">
-              <a:spcBef>
-                <a:spcPts val="3200"/>
-              </a:spcBef>
-              <a:defRPr sz="1800"/>
-            </a:pPr>
-            <a:r>
-              <a:rPr sz="2340"/>
-              <a:t>Also called </a:t>
-            </a:r>
-            <a:r>
-              <a:rPr b="1" i="1" sz="2340">
-                <a:latin typeface="Helvetica"/>
-                <a:ea typeface="Helvetica"/>
-                <a:cs typeface="Helvetica"/>
-                <a:sym typeface="Helvetica"/>
-              </a:rPr>
-              <a:t>X</a:t>
-            </a:r>
-            <a:r>
-              <a:rPr i="1" sz="2340"/>
-              <a:t>, </a:t>
-            </a:r>
-            <a:r>
-              <a:rPr sz="2340"/>
-              <a:t>or the “treatment” or “study” variable.</a:t>
-            </a:r>
-          </a:p>
-        </p:txBody>
-      </p:sp>
-    </p:spTree>
-  </p:cSld>
-  <p:clrMapOvr>
-    <a:masterClrMapping/>
-  </p:clrMapOvr>
-  <p:transition spd="med" advClick="1"/>
-  <p:timing>
-    <p:tnLst>
-      <p:par>
-        <p:cTn id="1" nodeType="tmRoot" restart="never" dur="indefinite" fill="hold">
-          <p:childTnLst>
-            <p:seq concurrent="1" prevAc="none" nextAc="seek">
-              <p:cTn id="2" nodeType="mainSeq" dur="indefinite" fill="hold">
-                <p:childTnLst>
-                  <p:par>
-                    <p:cTn id="3" fill="hold">
-                      <p:stCondLst>
-                        <p:cond delay="indefinite"/>
-                      </p:stCondLst>
-                      <p:childTnLst>
-                        <p:par>
-                          <p:cTn id="4" fill="hold">
-                            <p:stCondLst>
-                              <p:cond delay="0"/>
-                            </p:stCondLst>
-                            <p:childTnLst>
-                              <p:par>
-                                <p:cTn id="5" nodeType="clickEffect" presetClass="entr" presetSubtype="0" presetID="1" grpId="1" fill="hold">
-                                  <p:stCondLst>
-                                    <p:cond delay="0"/>
-                                  </p:stCondLst>
-                                  <p:iterate type="el" backwards="0">
-                                    <p:tmAbs val="0"/>
-                                  </p:iterate>
-                                  <p:childTnLst>
-                                    <p:set>
-                                      <p:cBhvr>
-                                        <p:cTn id="6" fill="hold"/>
-                                        <p:tgtEl>
-                                          <p:spTgt spid="49">
-                                            <p:bg/>
-                                          </p:spTgt>
-                                        </p:tgtEl>
-                                        <p:attrNameLst>
-                                          <p:attrName>style.visibility</p:attrName>
-                                        </p:attrNameLst>
-                                      </p:cBhvr>
-                                      <p:to>
-                                        <p:strVal val="visible"/>
-                                      </p:to>
-                                    </p:set>
-                                  </p:childTnLst>
-                                </p:cTn>
-                              </p:par>
-                              <p:par>
-                                <p:cTn id="7" presetClass="entr" presetSubtype="0" presetID="1" grpId="1" fill="hold">
-                                  <p:stCondLst>
-                                    <p:cond delay="0"/>
-                                  </p:stCondLst>
-                                  <p:iterate type="el" backwards="0">
-                                    <p:tmAbs val="0"/>
-                                  </p:iterate>
-                                  <p:childTnLst>
-                                    <p:set>
-                                      <p:cBhvr>
-                                        <p:cTn id="8" fill="hold"/>
-                                        <p:tgtEl>
-                                          <p:spTgt spid="49">
-                                            <p:txEl>
-                                              <p:pRg st="0" end="0"/>
-                                            </p:txEl>
-                                          </p:spTgt>
-                                        </p:tgtEl>
-                                        <p:attrNameLst>
-                                          <p:attrName>style.visibility</p:attrName>
-                                        </p:attrNameLst>
-                                      </p:cBhvr>
-                                      <p:to>
-                                        <p:strVal val="visible"/>
-                                      </p:to>
-                                    </p:set>
-                                  </p:childTnLst>
-                                </p:cTn>
-                              </p:par>
-                            </p:childTnLst>
-                          </p:cTn>
-                        </p:par>
-                      </p:childTnLst>
-                    </p:cTn>
-                  </p:par>
-                  <p:par>
-                    <p:cTn id="9" fill="hold">
-                      <p:stCondLst>
-                        <p:cond delay="indefinite"/>
-                      </p:stCondLst>
-                      <p:childTnLst>
-                        <p:par>
-                          <p:cTn id="10" fill="hold">
-                            <p:stCondLst>
-                              <p:cond delay="0"/>
-                            </p:stCondLst>
-                            <p:childTnLst>
-                              <p:par>
-                                <p:cTn id="11" nodeType="clickEffect" presetClass="entr" presetSubtype="0" presetID="1" grpId="1" fill="hold">
-                                  <p:stCondLst>
-                                    <p:cond delay="0"/>
-                                  </p:stCondLst>
-                                  <p:iterate type="el" backwards="0">
-                                    <p:tmAbs val="0"/>
-                                  </p:iterate>
-                                  <p:childTnLst>
-                                    <p:set>
-                                      <p:cBhvr>
-                                        <p:cTn id="12" fill="hold"/>
-                                        <p:tgtEl>
-                                          <p:spTgt spid="49">
-                                            <p:txEl>
-                                              <p:pRg st="1" end="1"/>
-                                            </p:txEl>
-                                          </p:spTgt>
-                                        </p:tgtEl>
-                                        <p:attrNameLst>
-                                          <p:attrName>style.visibility</p:attrName>
-                                        </p:attrNameLst>
-                                      </p:cBhvr>
-                                      <p:to>
-                                        <p:strVal val="visible"/>
-                                      </p:to>
-                                    </p:set>
-                                  </p:childTnLst>
-                                </p:cTn>
-                              </p:par>
-                            </p:childTnLst>
-                          </p:cTn>
-                        </p:par>
-                      </p:childTnLst>
-                    </p:cTn>
-                  </p:par>
-                  <p:par>
-                    <p:cTn id="13" fill="hold">
-                      <p:stCondLst>
-                        <p:cond delay="indefinite"/>
-                      </p:stCondLst>
-                      <p:childTnLst>
-                        <p:par>
-                          <p:cTn id="14" fill="hold">
-                            <p:stCondLst>
-                              <p:cond delay="0"/>
-                            </p:stCondLst>
-                            <p:childTnLst>
-                              <p:par>
-                                <p:cTn id="15" nodeType="clickEffect" presetClass="entr" presetSubtype="0" presetID="1" grpId="1" fill="hold">
-                                  <p:stCondLst>
-                                    <p:cond delay="0"/>
-                                  </p:stCondLst>
-                                  <p:iterate type="el" backwards="0">
-                                    <p:tmAbs val="0"/>
-                                  </p:iterate>
-                                  <p:childTnLst>
-                                    <p:set>
-                                      <p:cBhvr>
-                                        <p:cTn id="16" fill="hold"/>
-                                        <p:tgtEl>
-                                          <p:spTgt spid="49">
-                                            <p:txEl>
-                                              <p:pRg st="2" end="2"/>
-                                            </p:txEl>
-                                          </p:spTgt>
-                                        </p:tgtEl>
-                                        <p:attrNameLst>
-                                          <p:attrName>style.visibility</p:attrName>
-                                        </p:attrNameLst>
-                                      </p:cBhvr>
-                                      <p:to>
-                                        <p:strVal val="visible"/>
-                                      </p:to>
-                                    </p:set>
-                                  </p:childTnLst>
-                                </p:cTn>
-                              </p:par>
-                            </p:childTnLst>
-                          </p:cTn>
-                        </p:par>
-                      </p:childTnLst>
-                    </p:cTn>
-                  </p:par>
-                  <p:par>
-                    <p:cTn id="17" fill="hold">
-                      <p:stCondLst>
-                        <p:cond delay="indefinite"/>
-                      </p:stCondLst>
-                      <p:childTnLst>
-                        <p:par>
-                          <p:cTn id="18" fill="hold">
-                            <p:stCondLst>
-                              <p:cond delay="0"/>
-                            </p:stCondLst>
-                            <p:childTnLst>
-                              <p:par>
-                                <p:cTn id="19" nodeType="clickEffect" presetClass="entr" presetSubtype="0" presetID="1" grpId="1" fill="hold">
-                                  <p:stCondLst>
-                                    <p:cond delay="0"/>
-                                  </p:stCondLst>
-                                  <p:iterate type="el" backwards="0">
-                                    <p:tmAbs val="0"/>
-                                  </p:iterate>
-                                  <p:childTnLst>
-                                    <p:set>
-                                      <p:cBhvr>
-                                        <p:cTn id="20" fill="hold"/>
-                                        <p:tgtEl>
-                                          <p:spTgt spid="49">
-                                            <p:txEl>
-                                              <p:pRg st="3" end="3"/>
-                                            </p:txEl>
-                                          </p:spTgt>
-                                        </p:tgtEl>
-                                        <p:attrNameLst>
-                                          <p:attrName>style.visibility</p:attrName>
-                                        </p:attrNameLst>
-                                      </p:cBhvr>
-                                      <p:to>
-                                        <p:strVal val="visible"/>
-                                      </p:to>
-                                    </p:set>
-                                  </p:childTnLst>
-                                </p:cTn>
-                              </p:par>
-                            </p:childTnLst>
-                          </p:cTn>
-                        </p:par>
-                      </p:childTnLst>
-                    </p:cTn>
-                  </p:par>
-                  <p:par>
-                    <p:cTn id="21" fill="hold">
-                      <p:stCondLst>
-                        <p:cond delay="indefinite"/>
-                      </p:stCondLst>
-                      <p:childTnLst>
-                        <p:par>
-                          <p:cTn id="22" fill="hold">
-                            <p:stCondLst>
-                              <p:cond delay="0"/>
-                            </p:stCondLst>
-                            <p:childTnLst>
-                              <p:par>
-                                <p:cTn id="23" nodeType="clickEffect" presetClass="entr" presetSubtype="0" presetID="1" grpId="1" fill="hold">
-                                  <p:stCondLst>
-                                    <p:cond delay="0"/>
-                                  </p:stCondLst>
-                                  <p:iterate type="el" backwards="0">
-                                    <p:tmAbs val="0"/>
-                                  </p:iterate>
-                                  <p:childTnLst>
-                                    <p:set>
-                                      <p:cBhvr>
-                                        <p:cTn id="24" fill="hold"/>
-                                        <p:tgtEl>
-                                          <p:spTgt spid="49">
-                                            <p:txEl>
-                                              <p:pRg st="4" end="4"/>
-                                            </p:txEl>
-                                          </p:spTgt>
-                                        </p:tgtEl>
-                                        <p:attrNameLst>
-                                          <p:attrName>style.visibility</p:attrName>
-                                        </p:attrNameLst>
-                                      </p:cBhvr>
-                                      <p:to>
-                                        <p:strVal val="visible"/>
-                                      </p:to>
-                                    </p:set>
-                                  </p:childTnLst>
-                                </p:cTn>
-                              </p:par>
-                            </p:childTnLst>
-                          </p:cTn>
-                        </p:par>
-                      </p:childTnLst>
-                    </p:cTn>
-                  </p:par>
-                  <p:par>
-                    <p:cTn id="25" fill="hold">
-                      <p:stCondLst>
-                        <p:cond delay="indefinite"/>
-                      </p:stCondLst>
-                      <p:childTnLst>
-                        <p:par>
-                          <p:cTn id="26" fill="hold">
-                            <p:stCondLst>
-                              <p:cond delay="0"/>
-                            </p:stCondLst>
-                            <p:childTnLst>
-                              <p:par>
-                                <p:cTn id="27" nodeType="clickEffect" presetClass="entr" presetSubtype="0" presetID="1" grpId="1" fill="hold">
-                                  <p:stCondLst>
-                                    <p:cond delay="0"/>
-                                  </p:stCondLst>
-                                  <p:iterate type="el" backwards="0">
-                                    <p:tmAbs val="0"/>
-                                  </p:iterate>
-                                  <p:childTnLst>
-                                    <p:set>
-                                      <p:cBhvr>
-                                        <p:cTn id="28" fill="hold"/>
-                                        <p:tgtEl>
-                                          <p:spTgt spid="49">
-                                            <p:txEl>
-                                              <p:pRg st="5" end="5"/>
-                                            </p:txEl>
-                                          </p:spTgt>
-                                        </p:tgtEl>
-                                        <p:attrNameLst>
-                                          <p:attrName>style.visibility</p:attrName>
-                                        </p:attrNameLst>
-                                      </p:cBhvr>
-                                      <p:to>
-                                        <p:strVal val="visible"/>
-                                      </p:to>
-                                    </p:set>
-                                  </p:childTnLst>
-                                </p:cTn>
-                              </p:par>
-                            </p:childTnLst>
-                          </p:cTn>
-                        </p:par>
-                      </p:childTnLst>
-                    </p:cTn>
-                  </p:par>
-                </p:childTnLst>
-              </p:cTn>
-              <p:prevCondLst>
-                <p:cond evt="onPrev">
-                  <p:tgtEl>
-                    <p:sldTgt/>
-                  </p:tgtEl>
-                </p:cond>
-              </p:prevCondLst>
-              <p:nextCondLst>
-                <p:cond evt="onNext">
-                  <p:tgtEl>
-                    <p:sldTgt/>
-                  </p:tgtEl>
-                </p:cond>
-              </p:nextCondLst>
-            </p:seq>
-          </p:childTnLst>
-        </p:cTn>
-      </p:par>
-    </p:tnLst>
-    <p:bldLst>
-      <p:bldP build="p" bldLvl="5" animBg="1" rev="0" advAuto="0" spid="49" grpId="1"/>
-    </p:bldLst>
-  </p:timing>
-</p:sld>
-</file>
-
-<file path=ppt/slides/slide7.xml><?xml version="1.0" encoding="utf-8"?>
-<p:sld xmlns:a="http://schemas.openxmlformats.org/drawingml/2006/main" xmlns:r="http://schemas.openxmlformats.org/officeDocument/2006/relationships" xmlns:p="http://schemas.openxmlformats.org/presentationml/2006/main" showMasterSp="1" showMasterPhAnim="1">
-  <p:cSld>
-    <p:spTree>
-      <p:nvGrpSpPr>
-        <p:cNvPr id="1" name=""/>
-        <p:cNvGrpSpPr/>
-        <p:nvPr/>
-      </p:nvGrpSpPr>
-      <p:grpSpPr>
-        <a:xfrm>
-          <a:off x="0" y="0"/>
-          <a:ext cx="0" cy="0"/>
-          <a:chOff x="0" y="0"/>
-          <a:chExt cx="0" cy="0"/>
-        </a:xfrm>
-      </p:grpSpPr>
-      <p:sp>
-        <p:nvSpPr>
-          <p:cNvPr id="51" name="Shape 51"/>
-          <p:cNvSpPr/>
-          <p:nvPr>
-            <p:ph type="title"/>
-          </p:nvPr>
-        </p:nvSpPr>
-        <p:spPr>
-          <a:prstGeom prst="rect">
-            <a:avLst/>
-          </a:prstGeom>
-        </p:spPr>
-        <p:txBody>
-          <a:bodyPr/>
-          <a:lstStyle/>
-          <a:p>
-            <a:pPr lvl="0">
-              <a:defRPr sz="1800"/>
-            </a:pPr>
-            <a:r>
-              <a:rPr sz="8000"/>
-              <a:t>What is Causation?</a:t>
-            </a:r>
-          </a:p>
-        </p:txBody>
-      </p:sp>
-      <p:sp>
-        <p:nvSpPr>
-          <p:cNvPr id="52" name="Shape 52"/>
-          <p:cNvSpPr/>
-          <p:nvPr>
-            <p:ph type="body" idx="1"/>
-          </p:nvPr>
-        </p:nvSpPr>
-        <p:spPr>
-          <a:prstGeom prst="rect">
-            <a:avLst/>
-          </a:prstGeom>
-        </p:spPr>
-        <p:txBody>
-          <a:bodyPr/>
-          <a:lstStyle/>
-          <a:p>
-            <a:pPr lvl="0">
-              <a:defRPr sz="1800"/>
-            </a:pPr>
-            <a:r>
-              <a:rPr sz="3600"/>
-              <a:t>What does it mean to say “X causes Y” and how are we able to know this?</a:t>
-            </a:r>
-            <a:endParaRPr sz="3600"/>
-          </a:p>
-          <a:p>
-            <a:pPr lvl="0">
-              <a:defRPr sz="1800"/>
-            </a:pPr>
-            <a:r>
-              <a:rPr sz="3600"/>
-              <a:t>This is more complicated than it seems and there are many philosophies of causation.</a:t>
-            </a:r>
-            <a:endParaRPr sz="3600"/>
-          </a:p>
-          <a:p>
-            <a:pPr lvl="0">
-              <a:defRPr sz="1800"/>
-            </a:pPr>
-            <a:r>
-              <a:rPr sz="3600"/>
-              <a:t>We’ll use the “counterfactual” framework.</a:t>
-            </a:r>
-            <a:endParaRPr sz="3600"/>
-          </a:p>
-          <a:p>
-            <a:pPr lvl="1">
-              <a:defRPr sz="1800"/>
-            </a:pPr>
-            <a:r>
-              <a:rPr sz="3000"/>
-              <a:t>AKA: “potential outcomes” or “Neyman-Rubin” framework.</a:t>
-            </a:r>
-            <a:endParaRPr sz="3000"/>
-          </a:p>
-          <a:p>
-            <a:pPr lvl="1">
-              <a:defRPr sz="1800"/>
-            </a:pPr>
-            <a:r>
-              <a:rPr sz="3000"/>
-              <a:t>Dominant framework in the social sciences today.</a:t>
-            </a:r>
-          </a:p>
-        </p:txBody>
-      </p:sp>
-    </p:spTree>
-  </p:cSld>
-  <p:clrMapOvr>
-    <a:masterClrMapping/>
-  </p:clrMapOvr>
-  <p:transition spd="med" advClick="1"/>
-  <p:timing>
-    <p:tnLst>
-      <p:par>
-        <p:cTn id="1" nodeType="tmRoot" restart="never" dur="indefinite" fill="hold">
-          <p:childTnLst>
-            <p:seq concurrent="1" prevAc="none" nextAc="seek">
-              <p:cTn id="2" nodeType="mainSeq" dur="indefinite" fill="hold">
-                <p:childTnLst>
-                  <p:par>
-                    <p:cTn id="3" fill="hold">
-                      <p:stCondLst>
-                        <p:cond delay="indefinite"/>
-                      </p:stCondLst>
-                      <p:childTnLst>
-                        <p:par>
-                          <p:cTn id="4" fill="hold">
-                            <p:stCondLst>
-                              <p:cond delay="0"/>
-                            </p:stCondLst>
-                            <p:childTnLst>
-                              <p:par>
-                                <p:cTn id="5" nodeType="clickEffect" presetClass="entr" presetSubtype="0" presetID="1" grpId="1" fill="hold">
-                                  <p:stCondLst>
-                                    <p:cond delay="0"/>
-                                  </p:stCondLst>
-                                  <p:iterate type="el" backwards="0">
-                                    <p:tmAbs val="0"/>
-                                  </p:iterate>
-                                  <p:childTnLst>
-                                    <p:set>
-                                      <p:cBhvr>
-                                        <p:cTn id="6" fill="hold"/>
-                                        <p:tgtEl>
-                                          <p:spTgt spid="52">
-                                            <p:bg/>
-                                          </p:spTgt>
-                                        </p:tgtEl>
-                                        <p:attrNameLst>
-                                          <p:attrName>style.visibility</p:attrName>
-                                        </p:attrNameLst>
-                                      </p:cBhvr>
-                                      <p:to>
-                                        <p:strVal val="visible"/>
-                                      </p:to>
-                                    </p:set>
-                                  </p:childTnLst>
-                                </p:cTn>
-                              </p:par>
-                              <p:par>
-                                <p:cTn id="7" presetClass="entr" presetSubtype="0" presetID="1" grpId="1" fill="hold">
-                                  <p:stCondLst>
-                                    <p:cond delay="0"/>
-                                  </p:stCondLst>
-                                  <p:iterate type="el" backwards="0">
-                                    <p:tmAbs val="0"/>
-                                  </p:iterate>
-                                  <p:childTnLst>
-                                    <p:set>
-                                      <p:cBhvr>
-                                        <p:cTn id="8" fill="hold"/>
-                                        <p:tgtEl>
-                                          <p:spTgt spid="52">
-                                            <p:txEl>
-                                              <p:pRg st="0" end="0"/>
-                                            </p:txEl>
-                                          </p:spTgt>
-                                        </p:tgtEl>
-                                        <p:attrNameLst>
-                                          <p:attrName>style.visibility</p:attrName>
-                                        </p:attrNameLst>
-                                      </p:cBhvr>
-                                      <p:to>
-                                        <p:strVal val="visible"/>
-                                      </p:to>
-                                    </p:set>
-                                  </p:childTnLst>
-                                </p:cTn>
-                              </p:par>
-                            </p:childTnLst>
-                          </p:cTn>
-                        </p:par>
-                      </p:childTnLst>
-                    </p:cTn>
-                  </p:par>
-                  <p:par>
-                    <p:cTn id="9" fill="hold">
-                      <p:stCondLst>
-                        <p:cond delay="indefinite"/>
-                      </p:stCondLst>
-                      <p:childTnLst>
-                        <p:par>
-                          <p:cTn id="10" fill="hold">
-                            <p:stCondLst>
-                              <p:cond delay="0"/>
-                            </p:stCondLst>
-                            <p:childTnLst>
-                              <p:par>
-                                <p:cTn id="11" nodeType="clickEffect" presetClass="entr" presetSubtype="0" presetID="1" grpId="1" fill="hold">
-                                  <p:stCondLst>
-                                    <p:cond delay="0"/>
-                                  </p:stCondLst>
-                                  <p:iterate type="el" backwards="0">
-                                    <p:tmAbs val="0"/>
-                                  </p:iterate>
-                                  <p:childTnLst>
-                                    <p:set>
-                                      <p:cBhvr>
-                                        <p:cTn id="12" fill="hold"/>
-                                        <p:tgtEl>
-                                          <p:spTgt spid="52">
-                                            <p:txEl>
-                                              <p:pRg st="1" end="1"/>
-                                            </p:txEl>
-                                          </p:spTgt>
-                                        </p:tgtEl>
-                                        <p:attrNameLst>
-                                          <p:attrName>style.visibility</p:attrName>
-                                        </p:attrNameLst>
-                                      </p:cBhvr>
-                                      <p:to>
-                                        <p:strVal val="visible"/>
-                                      </p:to>
-                                    </p:set>
-                                  </p:childTnLst>
-                                </p:cTn>
-                              </p:par>
-                            </p:childTnLst>
-                          </p:cTn>
-                        </p:par>
-                      </p:childTnLst>
-                    </p:cTn>
-                  </p:par>
-                  <p:par>
-                    <p:cTn id="13" fill="hold">
-                      <p:stCondLst>
-                        <p:cond delay="indefinite"/>
-                      </p:stCondLst>
-                      <p:childTnLst>
-                        <p:par>
-                          <p:cTn id="14" fill="hold">
-                            <p:stCondLst>
-                              <p:cond delay="0"/>
-                            </p:stCondLst>
-                            <p:childTnLst>
-                              <p:par>
-                                <p:cTn id="15" nodeType="clickEffect" presetClass="entr" presetSubtype="0" presetID="1" grpId="1" fill="hold">
-                                  <p:stCondLst>
-                                    <p:cond delay="0"/>
-                                  </p:stCondLst>
-                                  <p:iterate type="el" backwards="0">
-                                    <p:tmAbs val="0"/>
-                                  </p:iterate>
-                                  <p:childTnLst>
-                                    <p:set>
-                                      <p:cBhvr>
-                                        <p:cTn id="16" fill="hold"/>
-                                        <p:tgtEl>
-                                          <p:spTgt spid="52">
-                                            <p:txEl>
-                                              <p:pRg st="2" end="2"/>
-                                            </p:txEl>
-                                          </p:spTgt>
-                                        </p:tgtEl>
-                                        <p:attrNameLst>
-                                          <p:attrName>style.visibility</p:attrName>
-                                        </p:attrNameLst>
-                                      </p:cBhvr>
-                                      <p:to>
-                                        <p:strVal val="visible"/>
-                                      </p:to>
-                                    </p:set>
-                                  </p:childTnLst>
-                                </p:cTn>
-                              </p:par>
-                            </p:childTnLst>
-                          </p:cTn>
-                        </p:par>
-                      </p:childTnLst>
-                    </p:cTn>
-                  </p:par>
-                  <p:par>
-                    <p:cTn id="17" fill="hold">
-                      <p:stCondLst>
-                        <p:cond delay="indefinite"/>
-                      </p:stCondLst>
-                      <p:childTnLst>
-                        <p:par>
-                          <p:cTn id="18" fill="hold">
-                            <p:stCondLst>
-                              <p:cond delay="0"/>
-                            </p:stCondLst>
-                            <p:childTnLst>
-                              <p:par>
-                                <p:cTn id="19" nodeType="clickEffect" presetClass="entr" presetSubtype="0" presetID="1" grpId="1" fill="hold">
-                                  <p:stCondLst>
-                                    <p:cond delay="0"/>
-                                  </p:stCondLst>
-                                  <p:iterate type="el" backwards="0">
-                                    <p:tmAbs val="0"/>
-                                  </p:iterate>
-                                  <p:childTnLst>
-                                    <p:set>
-                                      <p:cBhvr>
-                                        <p:cTn id="20" fill="hold"/>
-                                        <p:tgtEl>
-                                          <p:spTgt spid="52">
-                                            <p:txEl>
-                                              <p:pRg st="3" end="3"/>
-                                            </p:txEl>
-                                          </p:spTgt>
-                                        </p:tgtEl>
-                                        <p:attrNameLst>
-                                          <p:attrName>style.visibility</p:attrName>
-                                        </p:attrNameLst>
-                                      </p:cBhvr>
-                                      <p:to>
-                                        <p:strVal val="visible"/>
-                                      </p:to>
-                                    </p:set>
-                                  </p:childTnLst>
-                                </p:cTn>
-                              </p:par>
-                            </p:childTnLst>
-                          </p:cTn>
-                        </p:par>
-                      </p:childTnLst>
-                    </p:cTn>
-                  </p:par>
-                  <p:par>
-                    <p:cTn id="21" fill="hold">
-                      <p:stCondLst>
-                        <p:cond delay="indefinite"/>
-                      </p:stCondLst>
-                      <p:childTnLst>
-                        <p:par>
-                          <p:cTn id="22" fill="hold">
-                            <p:stCondLst>
-                              <p:cond delay="0"/>
-                            </p:stCondLst>
-                            <p:childTnLst>
-                              <p:par>
-                                <p:cTn id="23" nodeType="clickEffect" presetClass="entr" presetSubtype="0" presetID="1" grpId="1" fill="hold">
-                                  <p:stCondLst>
-                                    <p:cond delay="0"/>
-                                  </p:stCondLst>
-                                  <p:iterate type="el" backwards="0">
-                                    <p:tmAbs val="0"/>
-                                  </p:iterate>
-                                  <p:childTnLst>
-                                    <p:set>
-                                      <p:cBhvr>
-                                        <p:cTn id="24" fill="hold"/>
-                                        <p:tgtEl>
-                                          <p:spTgt spid="52">
-                                            <p:txEl>
-                                              <p:pRg st="4" end="4"/>
-                                            </p:txEl>
-                                          </p:spTgt>
-                                        </p:tgtEl>
-                                        <p:attrNameLst>
-                                          <p:attrName>style.visibility</p:attrName>
-                                        </p:attrNameLst>
-                                      </p:cBhvr>
-                                      <p:to>
-                                        <p:strVal val="visible"/>
-                                      </p:to>
-                                    </p:set>
-                                  </p:childTnLst>
-                                </p:cTn>
-                              </p:par>
-                            </p:childTnLst>
-                          </p:cTn>
-                        </p:par>
-                      </p:childTnLst>
-                    </p:cTn>
-                  </p:par>
-                </p:childTnLst>
-              </p:cTn>
-              <p:prevCondLst>
-                <p:cond evt="onPrev">
-                  <p:tgtEl>
-                    <p:sldTgt/>
-                  </p:tgtEl>
-                </p:cond>
-              </p:prevCondLst>
-              <p:nextCondLst>
-                <p:cond evt="onNext">
-                  <p:tgtEl>
-                    <p:sldTgt/>
-                  </p:tgtEl>
-                </p:cond>
-              </p:nextCondLst>
-            </p:seq>
-          </p:childTnLst>
-        </p:cTn>
-      </p:par>
-    </p:tnLst>
-    <p:bldLst>
-      <p:bldP build="p" bldLvl="5" animBg="1" rev="0" advAuto="0" spid="52" grpId="1"/>
-    </p:bldLst>
-  </p:timing>
-</p:sld>
-</file>
-
-<file path=ppt/slides/slide8.xml><?xml version="1.0" encoding="utf-8"?>
-<p:sld xmlns:a="http://schemas.openxmlformats.org/drawingml/2006/main" xmlns:r="http://schemas.openxmlformats.org/officeDocument/2006/relationships" xmlns:p="http://schemas.openxmlformats.org/presentationml/2006/main" showMasterSp="1" showMasterPhAnim="1">
-  <p:cSld>
-    <p:bg>
-      <p:bgPr>
-        <a:solidFill>
-          <a:srgbClr val="510803"/>
-        </a:solidFill>
-      </p:bgPr>
-    </p:bg>
-    <p:spTree>
-      <p:nvGrpSpPr>
-        <p:cNvPr id="1" name=""/>
-        <p:cNvGrpSpPr/>
-        <p:nvPr/>
-      </p:nvGrpSpPr>
-      <p:grpSpPr>
-        <a:xfrm>
-          <a:off x="0" y="0"/>
-          <a:ext cx="0" cy="0"/>
-          <a:chOff x="0" y="0"/>
-          <a:chExt cx="0" cy="0"/>
-        </a:xfrm>
-      </p:grpSpPr>
-      <p:sp>
-        <p:nvSpPr>
-          <p:cNvPr id="54" name="Shape 54"/>
-          <p:cNvSpPr/>
-          <p:nvPr>
-            <p:ph type="title"/>
-          </p:nvPr>
-        </p:nvSpPr>
-        <p:spPr>
-          <a:xfrm>
-            <a:off x="1270000" y="579388"/>
-            <a:ext cx="10655232" cy="8806136"/>
-          </a:xfrm>
-          <a:prstGeom prst="rect">
-            <a:avLst/>
-          </a:prstGeom>
-        </p:spPr>
-        <p:txBody>
-          <a:bodyPr/>
-          <a:lstStyle>
-            <a:lvl1pPr defTabSz="257047">
-              <a:defRPr b="1" sz="6600">
-                <a:solidFill>
-                  <a:srgbClr val="FFFFFF"/>
-                </a:solidFill>
-                <a:latin typeface="Helvetica"/>
-                <a:ea typeface="Helvetica"/>
-                <a:cs typeface="Helvetica"/>
-                <a:sym typeface="Helvetica"/>
-              </a:defRPr>
-            </a:lvl1pPr>
-          </a:lstStyle>
-          <a:p>
-            <a:pPr lvl="0">
-              <a:defRPr b="0" sz="1800">
-                <a:solidFill>
-                  <a:srgbClr val="000000"/>
-                </a:solidFill>
-              </a:defRPr>
-            </a:pPr>
-            <a:r>
-              <a:rPr b="1" sz="6600">
-                <a:solidFill>
-                  <a:srgbClr val="FFFFFF"/>
-                </a:solidFill>
-              </a:rPr>
-              <a:t>The causal effect of a treatment is the difference between what happens to a unit after that treatment and what would have happened had the unit not been treated.</a:t>
-            </a:r>
-            <a:endParaRPr b="1" sz="6600">
-              <a:solidFill>
-                <a:srgbClr val="FFFFFF"/>
-              </a:solidFill>
-            </a:endParaRPr>
-          </a:p>
-        </p:txBody>
-      </p:sp>
-    </p:spTree>
-  </p:cSld>
-  <p:clrMapOvr>
-    <a:masterClrMapping/>
-  </p:clrMapOvr>
-  <p:transition spd="med" advClick="1"/>
-</p:sld>
-</file>
-
-<file path=ppt/slides/slide9.xml><?xml version="1.0" encoding="utf-8"?>
-<p:sld xmlns:a="http://schemas.openxmlformats.org/drawingml/2006/main" xmlns:r="http://schemas.openxmlformats.org/officeDocument/2006/relationships" xmlns:p="http://schemas.openxmlformats.org/presentationml/2006/main" showMasterSp="1" showMasterPhAnim="1">
-  <p:cSld>
-    <p:spTree>
-      <p:nvGrpSpPr>
-        <p:cNvPr id="1" name=""/>
-        <p:cNvGrpSpPr/>
-        <p:nvPr/>
-      </p:nvGrpSpPr>
-      <p:grpSpPr>
-        <a:xfrm>
-          <a:off x="0" y="0"/>
-          <a:ext cx="0" cy="0"/>
-          <a:chOff x="0" y="0"/>
-          <a:chExt cx="0" cy="0"/>
-        </a:xfrm>
-      </p:grpSpPr>
-      <p:sp>
-        <p:nvSpPr>
-          <p:cNvPr id="56" name="Shape 56"/>
-          <p:cNvSpPr/>
-          <p:nvPr>
-            <p:ph type="title"/>
-          </p:nvPr>
-        </p:nvSpPr>
-        <p:spPr>
-          <a:prstGeom prst="rect">
-            <a:avLst/>
-          </a:prstGeom>
-        </p:spPr>
-        <p:txBody>
-          <a:bodyPr/>
-          <a:lstStyle>
-            <a:lvl1pPr>
-              <a:defRPr sz="6000"/>
-            </a:lvl1pPr>
-          </a:lstStyle>
-          <a:p>
-            <a:pPr lvl="0">
-              <a:defRPr sz="1800"/>
-            </a:pPr>
-            <a:r>
-              <a:rPr sz="6000"/>
-              <a:t>The Consistency Assumption</a:t>
-            </a:r>
-          </a:p>
-        </p:txBody>
-      </p:sp>
-      <p:sp>
-        <p:nvSpPr>
-          <p:cNvPr id="57" name="Shape 57"/>
-          <p:cNvSpPr/>
-          <p:nvPr>
-            <p:ph type="body" idx="1"/>
-          </p:nvPr>
-        </p:nvSpPr>
-        <p:spPr>
-          <a:prstGeom prst="rect">
-            <a:avLst/>
-          </a:prstGeom>
-        </p:spPr>
-        <p:txBody>
-          <a:bodyPr/>
-          <a:lstStyle/>
-          <a:p>
-            <a:pPr lvl="0">
-              <a:defRPr sz="1800"/>
-            </a:pPr>
-            <a:r>
-              <a:rPr sz="3600"/>
-              <a:t>AKA the “SUTVA”: The Stable Unit Treatment Value Assumption</a:t>
-            </a:r>
-            <a:endParaRPr sz="3600"/>
-          </a:p>
-          <a:p>
-            <a:pPr lvl="0">
-              <a:defRPr sz="1800"/>
-            </a:pPr>
-            <a:r>
-              <a:rPr sz="3600"/>
-              <a:t>"the [potential outcome] observation on one unit should be unaffected by the particular assignment of treatments to the other units" (Cox 1958)</a:t>
-            </a:r>
-            <a:endParaRPr sz="3600"/>
-          </a:p>
-          <a:p>
-            <a:pPr lvl="0">
-              <a:defRPr sz="1800"/>
-            </a:pPr>
-            <a:r>
-              <a:rPr sz="3600"/>
-              <a:t>                      if </a:t>
-            </a:r>
-            <a:endParaRPr sz="3600"/>
-          </a:p>
-          <a:p>
-            <a:pPr lvl="0">
-              <a:defRPr sz="1800"/>
-            </a:pPr>
-            <a:r>
-              <a:rPr sz="3600"/>
-              <a:t>Very important/tricky in social research (hint: strategic interactions, time, etc.)</a:t>
-            </a:r>
-          </a:p>
-        </p:txBody>
-      </p:sp>
-      <p:pic>
-        <p:nvPicPr>
-          <p:cNvPr id="58" name="pasted-image.pdf"/>
-          <p:cNvPicPr/>
-          <p:nvPr/>
-        </p:nvPicPr>
-        <p:blipFill>
-          <a:blip r:embed="rId2">
-            <a:extLst/>
-          </a:blip>
-          <a:stretch>
-            <a:fillRect/>
-          </a:stretch>
-        </p:blipFill>
-        <p:spPr>
-          <a:xfrm>
-            <a:off x="1472009" y="6625133"/>
-            <a:ext cx="2019301" cy="469901"/>
-          </a:xfrm>
-          <a:prstGeom prst="rect">
-            <a:avLst/>
-          </a:prstGeom>
-          <a:ln w="12700">
-            <a:miter lim="400000"/>
-          </a:ln>
-        </p:spPr>
-      </p:pic>
-      <p:pic>
-        <p:nvPicPr>
-          <p:cNvPr id="59" name="pasted-image.pdf"/>
-          <p:cNvPicPr/>
-          <p:nvPr/>
-        </p:nvPicPr>
-        <p:blipFill>
-          <a:blip r:embed="rId3">
-            <a:extLst/>
-          </a:blip>
-          <a:stretch>
-            <a:fillRect/>
-          </a:stretch>
-        </p:blipFill>
-        <p:spPr>
-          <a:xfrm>
-            <a:off x="5145782" y="6663233"/>
-            <a:ext cx="1371601" cy="393701"/>
-          </a:xfrm>
-          <a:prstGeom prst="rect">
-            <a:avLst/>
-          </a:prstGeom>
-          <a:ln w="12700">
-            <a:miter lim="400000"/>
-          </a:ln>
-        </p:spPr>
-      </p:pic>
-    </p:spTree>
-  </p:cSld>
-  <p:clrMapOvr>
-    <a:masterClrMapping/>
-  </p:clrMapOvr>
-  <p:transition spd="med" advClick="1"/>
-  <p:timing>
-    <p:tnLst>
-      <p:par>
-        <p:cTn id="1" nodeType="tmRoot" restart="never" dur="indefinite" fill="hold">
-          <p:childTnLst>
-            <p:seq concurrent="1" prevAc="none" nextAc="seek">
-              <p:cTn id="2" nodeType="mainSeq" dur="indefinite" fill="hold">
-                <p:childTnLst>
-                  <p:par>
-                    <p:cTn id="3" fill="hold">
-                      <p:stCondLst>
-                        <p:cond delay="indefinite"/>
-                      </p:stCondLst>
-                      <p:childTnLst>
-                        <p:par>
-                          <p:cTn id="4" fill="hold">
-                            <p:stCondLst>
-                              <p:cond delay="0"/>
-                            </p:stCondLst>
-                            <p:childTnLst>
-                              <p:par>
-                                <p:cTn id="5" nodeType="clickEffect" presetClass="entr" presetSubtype="0" presetID="1" grpId="1" fill="hold">
-                                  <p:stCondLst>
-                                    <p:cond delay="0"/>
-                                  </p:stCondLst>
-                                  <p:iterate type="el" backwards="0">
-                                    <p:tmAbs val="0"/>
-                                  </p:iterate>
-                                  <p:childTnLst>
-                                    <p:set>
-                                      <p:cBhvr>
-                                        <p:cTn id="6" fill="hold"/>
-                                        <p:tgtEl>
-                                          <p:spTgt spid="57">
-                                            <p:bg/>
-                                          </p:spTgt>
-                                        </p:tgtEl>
-                                        <p:attrNameLst>
-                                          <p:attrName>style.visibility</p:attrName>
-                                        </p:attrNameLst>
-                                      </p:cBhvr>
-                                      <p:to>
-                                        <p:strVal val="visible"/>
-                                      </p:to>
-                                    </p:set>
-                                  </p:childTnLst>
-                                </p:cTn>
-                              </p:par>
-                              <p:par>
-                                <p:cTn id="7" presetClass="entr" presetSubtype="0" presetID="1" grpId="1" fill="hold">
-                                  <p:stCondLst>
-                                    <p:cond delay="0"/>
-                                  </p:stCondLst>
-                                  <p:iterate type="el" backwards="0">
-                                    <p:tmAbs val="0"/>
-                                  </p:iterate>
-                                  <p:childTnLst>
-                                    <p:set>
-                                      <p:cBhvr>
-                                        <p:cTn id="8" fill="hold"/>
-                                        <p:tgtEl>
-                                          <p:spTgt spid="57">
-                                            <p:txEl>
-                                              <p:pRg st="0" end="0"/>
-                                            </p:txEl>
-                                          </p:spTgt>
-                                        </p:tgtEl>
-                                        <p:attrNameLst>
-                                          <p:attrName>style.visibility</p:attrName>
-                                        </p:attrNameLst>
-                                      </p:cBhvr>
-                                      <p:to>
-                                        <p:strVal val="visible"/>
-                                      </p:to>
-                                    </p:set>
-                                  </p:childTnLst>
-                                </p:cTn>
-                              </p:par>
-                            </p:childTnLst>
-                          </p:cTn>
-                        </p:par>
-                      </p:childTnLst>
-                    </p:cTn>
-                  </p:par>
-                  <p:par>
-                    <p:cTn id="9" fill="hold">
-                      <p:stCondLst>
-                        <p:cond delay="indefinite"/>
-                      </p:stCondLst>
-                      <p:childTnLst>
-                        <p:par>
-                          <p:cTn id="10" fill="hold">
-                            <p:stCondLst>
-                              <p:cond delay="0"/>
-                            </p:stCondLst>
-                            <p:childTnLst>
-                              <p:par>
-                                <p:cTn id="11" nodeType="clickEffect" presetClass="entr" presetSubtype="0" presetID="1" grpId="1" fill="hold">
-                                  <p:stCondLst>
-                                    <p:cond delay="0"/>
-                                  </p:stCondLst>
-                                  <p:iterate type="el" backwards="0">
-                                    <p:tmAbs val="0"/>
-                                  </p:iterate>
-                                  <p:childTnLst>
-                                    <p:set>
-                                      <p:cBhvr>
-                                        <p:cTn id="12" fill="hold"/>
-                                        <p:tgtEl>
-                                          <p:spTgt spid="57">
-                                            <p:txEl>
-                                              <p:pRg st="1" end="1"/>
-                                            </p:txEl>
-                                          </p:spTgt>
-                                        </p:tgtEl>
-                                        <p:attrNameLst>
-                                          <p:attrName>style.visibility</p:attrName>
-                                        </p:attrNameLst>
-                                      </p:cBhvr>
-                                      <p:to>
-                                        <p:strVal val="visible"/>
-                                      </p:to>
-                                    </p:set>
-                                  </p:childTnLst>
-                                </p:cTn>
-                              </p:par>
-                            </p:childTnLst>
-                          </p:cTn>
-                        </p:par>
-                      </p:childTnLst>
-                    </p:cTn>
-                  </p:par>
-                  <p:par>
-                    <p:cTn id="13" fill="hold">
-                      <p:stCondLst>
-                        <p:cond delay="indefinite"/>
-                      </p:stCondLst>
-                      <p:childTnLst>
-                        <p:par>
-                          <p:cTn id="14" fill="hold">
-                            <p:stCondLst>
-                              <p:cond delay="0"/>
-                            </p:stCondLst>
-                            <p:childTnLst>
-                              <p:par>
-                                <p:cTn id="15" nodeType="clickEffect" presetClass="entr" presetSubtype="0" presetID="1" grpId="1" fill="hold">
-                                  <p:stCondLst>
-                                    <p:cond delay="0"/>
-                                  </p:stCondLst>
-                                  <p:iterate type="el" backwards="0">
-                                    <p:tmAbs val="0"/>
-                                  </p:iterate>
-                                  <p:childTnLst>
-                                    <p:set>
-                                      <p:cBhvr>
-                                        <p:cTn id="16" fill="hold"/>
-                                        <p:tgtEl>
-                                          <p:spTgt spid="57">
-                                            <p:txEl>
-                                              <p:pRg st="2" end="2"/>
-                                            </p:txEl>
-                                          </p:spTgt>
-                                        </p:tgtEl>
-                                        <p:attrNameLst>
-                                          <p:attrName>style.visibility</p:attrName>
-                                        </p:attrNameLst>
-                                      </p:cBhvr>
-                                      <p:to>
-                                        <p:strVal val="visible"/>
-                                      </p:to>
-                                    </p:set>
-                                  </p:childTnLst>
-                                </p:cTn>
-                              </p:par>
-                            </p:childTnLst>
-                          </p:cTn>
-                        </p:par>
-                      </p:childTnLst>
-                    </p:cTn>
-                  </p:par>
-                  <p:par>
-                    <p:cTn id="17" fill="hold">
-                      <p:stCondLst>
-                        <p:cond delay="indefinite"/>
-                      </p:stCondLst>
-                      <p:childTnLst>
-                        <p:par>
-                          <p:cTn id="18" fill="hold">
-                            <p:stCondLst>
-                              <p:cond delay="0"/>
-                            </p:stCondLst>
-                            <p:childTnLst>
-                              <p:par>
-                                <p:cTn id="19" nodeType="clickEffect" presetClass="entr" presetSubtype="0" presetID="1" grpId="1" fill="hold">
-                                  <p:stCondLst>
-                                    <p:cond delay="0"/>
-                                  </p:stCondLst>
-                                  <p:iterate type="el" backwards="0">
-                                    <p:tmAbs val="0"/>
-                                  </p:iterate>
-                                  <p:childTnLst>
-                                    <p:set>
-                                      <p:cBhvr>
-                                        <p:cTn id="20" fill="hold"/>
-                                        <p:tgtEl>
-                                          <p:spTgt spid="57">
-                                            <p:txEl>
-                                              <p:pRg st="3" end="3"/>
-                                            </p:txEl>
-                                          </p:spTgt>
-                                        </p:tgtEl>
-                                        <p:attrNameLst>
-                                          <p:attrName>style.visibility</p:attrName>
-                                        </p:attrNameLst>
-                                      </p:cBhvr>
-                                      <p:to>
-                                        <p:strVal val="visible"/>
-                                      </p:to>
-                                    </p:set>
-                                  </p:childTnLst>
-                                </p:cTn>
-                              </p:par>
-                            </p:childTnLst>
-                          </p:cTn>
-                        </p:par>
-                      </p:childTnLst>
-                    </p:cTn>
-                  </p:par>
-                </p:childTnLst>
-              </p:cTn>
-              <p:prevCondLst>
-                <p:cond evt="onPrev">
-                  <p:tgtEl>
-                    <p:sldTgt/>
-                  </p:tgtEl>
-                </p:cond>
-              </p:prevCondLst>
-              <p:nextCondLst>
-                <p:cond evt="onNext">
-                  <p:tgtEl>
-                    <p:sldTgt/>
-                  </p:tgtEl>
-                </p:cond>
-              </p:nextCondLst>
-            </p:seq>
-          </p:childTnLst>
-        </p:cTn>
-      </p:par>
-    </p:tnLst>
-    <p:bldLst>
-      <p:bldP build="p" bldLvl="5" animBg="1" rev="0" advAuto="0" spid="57" grpId="1"/>
-    </p:bldLst>
-  </p:timing>
+  <p:transition xmlns:p14="http://schemas.microsoft.com/office/powerpoint/2010/main" spd="med"/>
 </p:sld>
 </file>
 
 <file path=ppt/theme/theme1.xml><?xml version="1.0" encoding="utf-8"?>
-<a:theme xmlns:a="http://schemas.openxmlformats.org/drawingml/2006/main" xmlns:r="http://schemas.openxmlformats.org/officeDocument/2006/relationships" name="White">
+<a:theme xmlns:a="http://schemas.openxmlformats.org/drawingml/2006/main" name="White">
   <a:themeElements>
     <a:clrScheme name="White">
       <a:dk1>
@@ -7165,7 +4784,7 @@
       <a:effectStyleLst>
         <a:effectStyle>
           <a:effectLst>
-            <a:outerShdw sx="100000" sy="100000" kx="0" ky="0" algn="b" rotWithShape="0" blurRad="38100" dist="25400" dir="5400000">
+            <a:outerShdw blurRad="38100" dist="25400" dir="5400000" rotWithShape="0">
               <a:srgbClr val="000000">
                 <a:alpha val="50000"/>
               </a:srgbClr>
@@ -7174,7 +4793,7 @@
         </a:effectStyle>
         <a:effectStyle>
           <a:effectLst>
-            <a:outerShdw sx="100000" sy="100000" kx="0" ky="0" algn="b" rotWithShape="0" blurRad="50800" dist="12700" dir="0">
+            <a:outerShdw blurRad="50800" dist="12700" rotWithShape="0">
               <a:srgbClr val="000000">
                 <a:alpha val="50000"/>
               </a:srgbClr>
@@ -7183,7 +4802,7 @@
         </a:effectStyle>
         <a:effectStyle>
           <a:effectLst>
-            <a:outerShdw sx="100000" sy="100000" kx="0" ky="0" algn="b" rotWithShape="0" blurRad="38100" dist="25400" dir="5400000">
+            <a:outerShdw blurRad="38100" dist="25400" dir="5400000" rotWithShape="0">
               <a:srgbClr val="000000">
                 <a:alpha val="50000"/>
               </a:srgbClr>
@@ -7247,8 +4866,8 @@
     <a:spDef>
       <a:spPr>
         <a:blipFill rotWithShape="1">
-          <a:blip r:embed="rId1"/>
-          <a:srcRect l="0" t="0" r="0" b="0"/>
+          <a:blip xmlns:r="http://schemas.openxmlformats.org/officeDocument/2006/relationships" r:embed="rId1"/>
+          <a:srcRect/>
           <a:tile tx="0" ty="0" sx="100000" sy="100000" flip="none" algn="tl"/>
         </a:blipFill>
         <a:ln w="12700" cap="flat">
@@ -7256,14 +4875,14 @@
           <a:miter lim="400000"/>
         </a:ln>
         <a:effectLst>
-          <a:outerShdw sx="100000" sy="100000" kx="0" ky="0" algn="b" rotWithShape="0" blurRad="38100" dist="25400" dir="5400000">
+          <a:outerShdw blurRad="38100" dist="25400" dir="5400000" rotWithShape="0">
             <a:srgbClr val="000000">
               <a:alpha val="50000"/>
             </a:srgbClr>
           </a:outerShdw>
         </a:effectLst>
       </a:spPr>
-      <a:bodyPr rot="0" spcFirstLastPara="1" vertOverflow="overflow" horzOverflow="overflow" vert="horz" wrap="square" lIns="50800" tIns="50800" rIns="50800" bIns="50800" numCol="1" spcCol="38100" rtlCol="0" anchor="ctr" upright="0">
+      <a:bodyPr rot="0" spcFirstLastPara="1" vertOverflow="overflow" horzOverflow="overflow" vert="horz" wrap="square" lIns="50800" tIns="50800" rIns="50800" bIns="50800" numCol="1" spcCol="38100" rtlCol="0" anchor="ctr">
         <a:spAutoFit/>
       </a:bodyPr>
       <a:lstStyle>
@@ -7282,7 +4901,7 @@
           <a:buFontTx/>
           <a:buNone/>
           <a:tabLst/>
-          <a:defRPr b="0" baseline="0" cap="none" i="0" spc="0" strike="noStrike" sz="2400" u="none" kumimoji="0" normalizeH="0">
+          <a:defRPr kumimoji="0" sz="2400" b="0" i="0" u="none" strike="noStrike" cap="none" spc="0" normalizeH="0" baseline="0">
             <a:ln>
               <a:noFill/>
             </a:ln>
@@ -7312,7 +4931,7 @@
           <a:buFontTx/>
           <a:buNone/>
           <a:tabLst/>
-          <a:defRPr b="0" baseline="0" cap="none" i="0" spc="0" strike="noStrike" sz="1800" u="none" kumimoji="0" normalizeH="0">
+          <a:defRPr kumimoji="0" sz="1800" b="0" i="0" u="none" strike="noStrike" cap="none" spc="0" normalizeH="0" baseline="0">
             <a:ln>
               <a:noFill/>
             </a:ln>
@@ -7338,7 +4957,7 @@
           <a:buFontTx/>
           <a:buNone/>
           <a:tabLst/>
-          <a:defRPr b="0" baseline="0" cap="none" i="0" spc="0" strike="noStrike" sz="1800" u="none" kumimoji="0" normalizeH="0">
+          <a:defRPr kumimoji="0" sz="1800" b="0" i="0" u="none" strike="noStrike" cap="none" spc="0" normalizeH="0" baseline="0">
             <a:ln>
               <a:noFill/>
             </a:ln>
@@ -7364,7 +4983,7 @@
           <a:buFontTx/>
           <a:buNone/>
           <a:tabLst/>
-          <a:defRPr b="0" baseline="0" cap="none" i="0" spc="0" strike="noStrike" sz="1800" u="none" kumimoji="0" normalizeH="0">
+          <a:defRPr kumimoji="0" sz="1800" b="0" i="0" u="none" strike="noStrike" cap="none" spc="0" normalizeH="0" baseline="0">
             <a:ln>
               <a:noFill/>
             </a:ln>
@@ -7390,7 +5009,7 @@
           <a:buFontTx/>
           <a:buNone/>
           <a:tabLst/>
-          <a:defRPr b="0" baseline="0" cap="none" i="0" spc="0" strike="noStrike" sz="1800" u="none" kumimoji="0" normalizeH="0">
+          <a:defRPr kumimoji="0" sz="1800" b="0" i="0" u="none" strike="noStrike" cap="none" spc="0" normalizeH="0" baseline="0">
             <a:ln>
               <a:noFill/>
             </a:ln>
@@ -7416,7 +5035,7 @@
           <a:buFontTx/>
           <a:buNone/>
           <a:tabLst/>
-          <a:defRPr b="0" baseline="0" cap="none" i="0" spc="0" strike="noStrike" sz="1800" u="none" kumimoji="0" normalizeH="0">
+          <a:defRPr kumimoji="0" sz="1800" b="0" i="0" u="none" strike="noStrike" cap="none" spc="0" normalizeH="0" baseline="0">
             <a:ln>
               <a:noFill/>
             </a:ln>
@@ -7442,7 +5061,7 @@
           <a:buFontTx/>
           <a:buNone/>
           <a:tabLst/>
-          <a:defRPr b="0" baseline="0" cap="none" i="0" spc="0" strike="noStrike" sz="1800" u="none" kumimoji="0" normalizeH="0">
+          <a:defRPr kumimoji="0" sz="1800" b="0" i="0" u="none" strike="noStrike" cap="none" spc="0" normalizeH="0" baseline="0">
             <a:ln>
               <a:noFill/>
             </a:ln>
@@ -7468,7 +5087,7 @@
           <a:buFontTx/>
           <a:buNone/>
           <a:tabLst/>
-          <a:defRPr b="0" baseline="0" cap="none" i="0" spc="0" strike="noStrike" sz="1800" u="none" kumimoji="0" normalizeH="0">
+          <a:defRPr kumimoji="0" sz="1800" b="0" i="0" u="none" strike="noStrike" cap="none" spc="0" normalizeH="0" baseline="0">
             <a:ln>
               <a:noFill/>
             </a:ln>
@@ -7494,7 +5113,7 @@
           <a:buFontTx/>
           <a:buNone/>
           <a:tabLst/>
-          <a:defRPr b="0" baseline="0" cap="none" i="0" spc="0" strike="noStrike" sz="1800" u="none" kumimoji="0" normalizeH="0">
+          <a:defRPr kumimoji="0" sz="1800" b="0" i="0" u="none" strike="noStrike" cap="none" spc="0" normalizeH="0" baseline="0">
             <a:ln>
               <a:noFill/>
             </a:ln>
@@ -7520,7 +5139,7 @@
           <a:buFontTx/>
           <a:buNone/>
           <a:tabLst/>
-          <a:defRPr b="0" baseline="0" cap="none" i="0" spc="0" strike="noStrike" sz="1800" u="none" kumimoji="0" normalizeH="0">
+          <a:defRPr kumimoji="0" sz="1800" b="0" i="0" u="none" strike="noStrike" cap="none" spc="0" normalizeH="0" baseline="0">
             <a:ln>
               <a:noFill/>
             </a:ln>
@@ -7533,9 +5152,15 @@
         </a:lvl9pPr>
       </a:lstStyle>
       <a:style>
-        <a:lnRef idx="0"/>
-        <a:fillRef idx="0"/>
-        <a:effectRef idx="0"/>
+        <a:lnRef idx="0">
+          <a:scrgbClr r="0" g="0" b="0"/>
+        </a:lnRef>
+        <a:fillRef idx="0">
+          <a:scrgbClr r="0" g="0" b="0"/>
+        </a:fillRef>
+        <a:effectRef idx="0">
+          <a:scrgbClr r="0" g="0" b="0"/>
+        </a:effectRef>
         <a:fontRef idx="none"/>
       </a:style>
     </a:spDef>
@@ -7551,7 +5176,7 @@
         </a:ln>
         <a:effectLst/>
       </a:spPr>
-      <a:bodyPr rot="0" spcFirstLastPara="1" vertOverflow="overflow" horzOverflow="overflow" vert="horz" wrap="square" lIns="91439" tIns="45719" rIns="91439" bIns="45719" numCol="1" spcCol="38100" rtlCol="0" anchor="t" upright="0">
+      <a:bodyPr rot="0" spcFirstLastPara="1" vertOverflow="overflow" horzOverflow="overflow" vert="horz" wrap="square" lIns="91439" tIns="45719" rIns="91439" bIns="45719" numCol="1" spcCol="38100" rtlCol="0" anchor="t">
         <a:noAutofit/>
       </a:bodyPr>
       <a:lstStyle>
@@ -7570,7 +5195,7 @@
           <a:buFontTx/>
           <a:buNone/>
           <a:tabLst/>
-          <a:defRPr b="0" baseline="0" cap="none" i="0" spc="0" strike="noStrike" sz="1800" u="none" kumimoji="0" normalizeH="0">
+          <a:defRPr kumimoji="0" sz="1800" b="0" i="0" u="none" strike="noStrike" cap="none" spc="0" normalizeH="0" baseline="0">
             <a:ln>
               <a:noFill/>
             </a:ln>
@@ -7596,7 +5221,7 @@
           <a:buFontTx/>
           <a:buNone/>
           <a:tabLst/>
-          <a:defRPr b="0" baseline="0" cap="none" i="0" spc="0" strike="noStrike" sz="1800" u="none" kumimoji="0" normalizeH="0">
+          <a:defRPr kumimoji="0" sz="1800" b="0" i="0" u="none" strike="noStrike" cap="none" spc="0" normalizeH="0" baseline="0">
             <a:ln>
               <a:noFill/>
             </a:ln>
@@ -7622,7 +5247,7 @@
           <a:buFontTx/>
           <a:buNone/>
           <a:tabLst/>
-          <a:defRPr b="0" baseline="0" cap="none" i="0" spc="0" strike="noStrike" sz="1800" u="none" kumimoji="0" normalizeH="0">
+          <a:defRPr kumimoji="0" sz="1800" b="0" i="0" u="none" strike="noStrike" cap="none" spc="0" normalizeH="0" baseline="0">
             <a:ln>
               <a:noFill/>
             </a:ln>
@@ -7648,7 +5273,7 @@
           <a:buFontTx/>
           <a:buNone/>
           <a:tabLst/>
-          <a:defRPr b="0" baseline="0" cap="none" i="0" spc="0" strike="noStrike" sz="1800" u="none" kumimoji="0" normalizeH="0">
+          <a:defRPr kumimoji="0" sz="1800" b="0" i="0" u="none" strike="noStrike" cap="none" spc="0" normalizeH="0" baseline="0">
             <a:ln>
               <a:noFill/>
             </a:ln>
@@ -7674,7 +5299,7 @@
           <a:buFontTx/>
           <a:buNone/>
           <a:tabLst/>
-          <a:defRPr b="0" baseline="0" cap="none" i="0" spc="0" strike="noStrike" sz="1800" u="none" kumimoji="0" normalizeH="0">
+          <a:defRPr kumimoji="0" sz="1800" b="0" i="0" u="none" strike="noStrike" cap="none" spc="0" normalizeH="0" baseline="0">
             <a:ln>
               <a:noFill/>
             </a:ln>
@@ -7700,7 +5325,7 @@
           <a:buFontTx/>
           <a:buNone/>
           <a:tabLst/>
-          <a:defRPr b="0" baseline="0" cap="none" i="0" spc="0" strike="noStrike" sz="1800" u="none" kumimoji="0" normalizeH="0">
+          <a:defRPr kumimoji="0" sz="1800" b="0" i="0" u="none" strike="noStrike" cap="none" spc="0" normalizeH="0" baseline="0">
             <a:ln>
               <a:noFill/>
             </a:ln>
@@ -7726,7 +5351,7 @@
           <a:buFontTx/>
           <a:buNone/>
           <a:tabLst/>
-          <a:defRPr b="0" baseline="0" cap="none" i="0" spc="0" strike="noStrike" sz="1800" u="none" kumimoji="0" normalizeH="0">
+          <a:defRPr kumimoji="0" sz="1800" b="0" i="0" u="none" strike="noStrike" cap="none" spc="0" normalizeH="0" baseline="0">
             <a:ln>
               <a:noFill/>
             </a:ln>
@@ -7752,7 +5377,7 @@
           <a:buFontTx/>
           <a:buNone/>
           <a:tabLst/>
-          <a:defRPr b="0" baseline="0" cap="none" i="0" spc="0" strike="noStrike" sz="1800" u="none" kumimoji="0" normalizeH="0">
+          <a:defRPr kumimoji="0" sz="1800" b="0" i="0" u="none" strike="noStrike" cap="none" spc="0" normalizeH="0" baseline="0">
             <a:ln>
               <a:noFill/>
             </a:ln>
@@ -7778,7 +5403,7 @@
           <a:buFontTx/>
           <a:buNone/>
           <a:tabLst/>
-          <a:defRPr b="0" baseline="0" cap="none" i="0" spc="0" strike="noStrike" sz="1800" u="none" kumimoji="0" normalizeH="0">
+          <a:defRPr kumimoji="0" sz="1800" b="0" i="0" u="none" strike="noStrike" cap="none" spc="0" normalizeH="0" baseline="0">
             <a:ln>
               <a:noFill/>
             </a:ln>
@@ -7804,7 +5429,7 @@
           <a:buFontTx/>
           <a:buNone/>
           <a:tabLst/>
-          <a:defRPr b="0" baseline="0" cap="none" i="0" spc="0" strike="noStrike" sz="1800" u="none" kumimoji="0" normalizeH="0">
+          <a:defRPr kumimoji="0" sz="1800" b="0" i="0" u="none" strike="noStrike" cap="none" spc="0" normalizeH="0" baseline="0">
             <a:ln>
               <a:noFill/>
             </a:ln>
@@ -7817,9 +5442,15 @@
         </a:lvl9pPr>
       </a:lstStyle>
       <a:style>
-        <a:lnRef idx="0"/>
-        <a:fillRef idx="0"/>
-        <a:effectRef idx="0"/>
+        <a:lnRef idx="0">
+          <a:scrgbClr r="0" g="0" b="0"/>
+        </a:lnRef>
+        <a:fillRef idx="0">
+          <a:scrgbClr r="0" g="0" b="0"/>
+        </a:fillRef>
+        <a:effectRef idx="0">
+          <a:scrgbClr r="0" g="0" b="0"/>
+        </a:effectRef>
         <a:fontRef idx="none"/>
       </a:style>
     </a:lnDef>
@@ -7832,7 +5463,7 @@
         </a:ln>
         <a:effectLst/>
       </a:spPr>
-      <a:bodyPr rot="0" spcFirstLastPara="1" vertOverflow="overflow" horzOverflow="overflow" vert="horz" wrap="square" lIns="50800" tIns="50800" rIns="50800" bIns="50800" numCol="1" spcCol="38100" rtlCol="0" anchor="ctr" upright="0">
+      <a:bodyPr rot="0" spcFirstLastPara="1" vertOverflow="overflow" horzOverflow="overflow" vert="horz" wrap="square" lIns="50800" tIns="50800" rIns="50800" bIns="50800" numCol="1" spcCol="38100" rtlCol="0" anchor="ctr">
         <a:spAutoFit/>
       </a:bodyPr>
       <a:lstStyle>
@@ -7851,7 +5482,7 @@
           <a:buFontTx/>
           <a:buNone/>
           <a:tabLst/>
-          <a:defRPr b="0" baseline="0" cap="none" i="0" spc="0" strike="noStrike" sz="3600" u="none" kumimoji="0" normalizeH="0">
+          <a:defRPr kumimoji="0" sz="3600" b="0" i="0" u="none" strike="noStrike" cap="none" spc="0" normalizeH="0" baseline="0">
             <a:ln>
               <a:noFill/>
             </a:ln>
@@ -7881,7 +5512,7 @@
           <a:buFontTx/>
           <a:buNone/>
           <a:tabLst/>
-          <a:defRPr b="0" baseline="0" cap="none" i="0" spc="0" strike="noStrike" sz="1800" u="none" kumimoji="0" normalizeH="0">
+          <a:defRPr kumimoji="0" sz="1800" b="0" i="0" u="none" strike="noStrike" cap="none" spc="0" normalizeH="0" baseline="0">
             <a:ln>
               <a:noFill/>
             </a:ln>
@@ -7907,7 +5538,7 @@
           <a:buFontTx/>
           <a:buNone/>
           <a:tabLst/>
-          <a:defRPr b="0" baseline="0" cap="none" i="0" spc="0" strike="noStrike" sz="1800" u="none" kumimoji="0" normalizeH="0">
+          <a:defRPr kumimoji="0" sz="1800" b="0" i="0" u="none" strike="noStrike" cap="none" spc="0" normalizeH="0" baseline="0">
             <a:ln>
               <a:noFill/>
             </a:ln>
@@ -7933,7 +5564,7 @@
           <a:buFontTx/>
           <a:buNone/>
           <a:tabLst/>
-          <a:defRPr b="0" baseline="0" cap="none" i="0" spc="0" strike="noStrike" sz="1800" u="none" kumimoji="0" normalizeH="0">
+          <a:defRPr kumimoji="0" sz="1800" b="0" i="0" u="none" strike="noStrike" cap="none" spc="0" normalizeH="0" baseline="0">
             <a:ln>
               <a:noFill/>
             </a:ln>
@@ -7959,7 +5590,7 @@
           <a:buFontTx/>
           <a:buNone/>
           <a:tabLst/>
-          <a:defRPr b="0" baseline="0" cap="none" i="0" spc="0" strike="noStrike" sz="1800" u="none" kumimoji="0" normalizeH="0">
+          <a:defRPr kumimoji="0" sz="1800" b="0" i="0" u="none" strike="noStrike" cap="none" spc="0" normalizeH="0" baseline="0">
             <a:ln>
               <a:noFill/>
             </a:ln>
@@ -7985,7 +5616,7 @@
           <a:buFontTx/>
           <a:buNone/>
           <a:tabLst/>
-          <a:defRPr b="0" baseline="0" cap="none" i="0" spc="0" strike="noStrike" sz="1800" u="none" kumimoji="0" normalizeH="0">
+          <a:defRPr kumimoji="0" sz="1800" b="0" i="0" u="none" strike="noStrike" cap="none" spc="0" normalizeH="0" baseline="0">
             <a:ln>
               <a:noFill/>
             </a:ln>
@@ -8011,7 +5642,7 @@
           <a:buFontTx/>
           <a:buNone/>
           <a:tabLst/>
-          <a:defRPr b="0" baseline="0" cap="none" i="0" spc="0" strike="noStrike" sz="1800" u="none" kumimoji="0" normalizeH="0">
+          <a:defRPr kumimoji="0" sz="1800" b="0" i="0" u="none" strike="noStrike" cap="none" spc="0" normalizeH="0" baseline="0">
             <a:ln>
               <a:noFill/>
             </a:ln>
@@ -8037,7 +5668,7 @@
           <a:buFontTx/>
           <a:buNone/>
           <a:tabLst/>
-          <a:defRPr b="0" baseline="0" cap="none" i="0" spc="0" strike="noStrike" sz="1800" u="none" kumimoji="0" normalizeH="0">
+          <a:defRPr kumimoji="0" sz="1800" b="0" i="0" u="none" strike="noStrike" cap="none" spc="0" normalizeH="0" baseline="0">
             <a:ln>
               <a:noFill/>
             </a:ln>
@@ -8063,7 +5694,7 @@
           <a:buFontTx/>
           <a:buNone/>
           <a:tabLst/>
-          <a:defRPr b="0" baseline="0" cap="none" i="0" spc="0" strike="noStrike" sz="1800" u="none" kumimoji="0" normalizeH="0">
+          <a:defRPr kumimoji="0" sz="1800" b="0" i="0" u="none" strike="noStrike" cap="none" spc="0" normalizeH="0" baseline="0">
             <a:ln>
               <a:noFill/>
             </a:ln>
@@ -8089,7 +5720,7 @@
           <a:buFontTx/>
           <a:buNone/>
           <a:tabLst/>
-          <a:defRPr b="0" baseline="0" cap="none" i="0" spc="0" strike="noStrike" sz="1800" u="none" kumimoji="0" normalizeH="0">
+          <a:defRPr kumimoji="0" sz="1800" b="0" i="0" u="none" strike="noStrike" cap="none" spc="0" normalizeH="0" baseline="0">
             <a:ln>
               <a:noFill/>
             </a:ln>
@@ -8102,18 +5733,25 @@
         </a:lvl9pPr>
       </a:lstStyle>
       <a:style>
-        <a:lnRef idx="0"/>
-        <a:fillRef idx="0"/>
-        <a:effectRef idx="0"/>
+        <a:lnRef idx="0">
+          <a:scrgbClr r="0" g="0" b="0"/>
+        </a:lnRef>
+        <a:fillRef idx="0">
+          <a:scrgbClr r="0" g="0" b="0"/>
+        </a:fillRef>
+        <a:effectRef idx="0">
+          <a:scrgbClr r="0" g="0" b="0"/>
+        </a:effectRef>
         <a:fontRef idx="none"/>
       </a:style>
     </a:txDef>
   </a:objectDefaults>
+  <a:extraClrSchemeLst/>
 </a:theme>
 </file>
 
 <file path=ppt/theme/theme2.xml><?xml version="1.0" encoding="utf-8"?>
-<a:theme xmlns:a="http://schemas.openxmlformats.org/drawingml/2006/main" xmlns:r="http://schemas.openxmlformats.org/officeDocument/2006/relationships" name="White">
+<a:theme xmlns:a="http://schemas.openxmlformats.org/drawingml/2006/main" name="White">
   <a:themeElements>
     <a:clrScheme name="White">
       <a:dk1>
@@ -8239,7 +5877,7 @@
       <a:effectStyleLst>
         <a:effectStyle>
           <a:effectLst>
-            <a:outerShdw sx="100000" sy="100000" kx="0" ky="0" algn="b" rotWithShape="0" blurRad="38100" dist="25400" dir="5400000">
+            <a:outerShdw blurRad="38100" dist="25400" dir="5400000" rotWithShape="0">
               <a:srgbClr val="000000">
                 <a:alpha val="50000"/>
               </a:srgbClr>
@@ -8248,7 +5886,7 @@
         </a:effectStyle>
         <a:effectStyle>
           <a:effectLst>
-            <a:outerShdw sx="100000" sy="100000" kx="0" ky="0" algn="b" rotWithShape="0" blurRad="50800" dist="12700" dir="0">
+            <a:outerShdw blurRad="50800" dist="12700" rotWithShape="0">
               <a:srgbClr val="000000">
                 <a:alpha val="50000"/>
               </a:srgbClr>
@@ -8257,7 +5895,7 @@
         </a:effectStyle>
         <a:effectStyle>
           <a:effectLst>
-            <a:outerShdw sx="100000" sy="100000" kx="0" ky="0" algn="b" rotWithShape="0" blurRad="38100" dist="25400" dir="5400000">
+            <a:outerShdw blurRad="38100" dist="25400" dir="5400000" rotWithShape="0">
               <a:srgbClr val="000000">
                 <a:alpha val="50000"/>
               </a:srgbClr>
@@ -8321,8 +5959,8 @@
     <a:spDef>
       <a:spPr>
         <a:blipFill rotWithShape="1">
-          <a:blip r:embed="rId1"/>
-          <a:srcRect l="0" t="0" r="0" b="0"/>
+          <a:blip xmlns:r="http://schemas.openxmlformats.org/officeDocument/2006/relationships" r:embed="rId1"/>
+          <a:srcRect/>
           <a:tile tx="0" ty="0" sx="100000" sy="100000" flip="none" algn="tl"/>
         </a:blipFill>
         <a:ln w="12700" cap="flat">
@@ -8330,14 +5968,14 @@
           <a:miter lim="400000"/>
         </a:ln>
         <a:effectLst>
-          <a:outerShdw sx="100000" sy="100000" kx="0" ky="0" algn="b" rotWithShape="0" blurRad="38100" dist="25400" dir="5400000">
+          <a:outerShdw blurRad="38100" dist="25400" dir="5400000" rotWithShape="0">
             <a:srgbClr val="000000">
               <a:alpha val="50000"/>
             </a:srgbClr>
           </a:outerShdw>
         </a:effectLst>
       </a:spPr>
-      <a:bodyPr rot="0" spcFirstLastPara="1" vertOverflow="overflow" horzOverflow="overflow" vert="horz" wrap="square" lIns="50800" tIns="50800" rIns="50800" bIns="50800" numCol="1" spcCol="38100" rtlCol="0" anchor="ctr" upright="0">
+      <a:bodyPr rot="0" spcFirstLastPara="1" vertOverflow="overflow" horzOverflow="overflow" vert="horz" wrap="square" lIns="50800" tIns="50800" rIns="50800" bIns="50800" numCol="1" spcCol="38100" rtlCol="0" anchor="ctr">
         <a:spAutoFit/>
       </a:bodyPr>
       <a:lstStyle>
@@ -8356,7 +5994,7 @@
           <a:buFontTx/>
           <a:buNone/>
           <a:tabLst/>
-          <a:defRPr b="0" baseline="0" cap="none" i="0" spc="0" strike="noStrike" sz="2400" u="none" kumimoji="0" normalizeH="0">
+          <a:defRPr kumimoji="0" sz="2400" b="0" i="0" u="none" strike="noStrike" cap="none" spc="0" normalizeH="0" baseline="0">
             <a:ln>
               <a:noFill/>
             </a:ln>
@@ -8386,7 +6024,7 @@
           <a:buFontTx/>
           <a:buNone/>
           <a:tabLst/>
-          <a:defRPr b="0" baseline="0" cap="none" i="0" spc="0" strike="noStrike" sz="1800" u="none" kumimoji="0" normalizeH="0">
+          <a:defRPr kumimoji="0" sz="1800" b="0" i="0" u="none" strike="noStrike" cap="none" spc="0" normalizeH="0" baseline="0">
             <a:ln>
               <a:noFill/>
             </a:ln>
@@ -8412,7 +6050,7 @@
           <a:buFontTx/>
           <a:buNone/>
           <a:tabLst/>
-          <a:defRPr b="0" baseline="0" cap="none" i="0" spc="0" strike="noStrike" sz="1800" u="none" kumimoji="0" normalizeH="0">
+          <a:defRPr kumimoji="0" sz="1800" b="0" i="0" u="none" strike="noStrike" cap="none" spc="0" normalizeH="0" baseline="0">
             <a:ln>
               <a:noFill/>
             </a:ln>
@@ -8438,7 +6076,7 @@
           <a:buFontTx/>
           <a:buNone/>
           <a:tabLst/>
-          <a:defRPr b="0" baseline="0" cap="none" i="0" spc="0" strike="noStrike" sz="1800" u="none" kumimoji="0" normalizeH="0">
+          <a:defRPr kumimoji="0" sz="1800" b="0" i="0" u="none" strike="noStrike" cap="none" spc="0" normalizeH="0" baseline="0">
             <a:ln>
               <a:noFill/>
             </a:ln>
@@ -8464,7 +6102,7 @@
           <a:buFontTx/>
           <a:buNone/>
           <a:tabLst/>
-          <a:defRPr b="0" baseline="0" cap="none" i="0" spc="0" strike="noStrike" sz="1800" u="none" kumimoji="0" normalizeH="0">
+          <a:defRPr kumimoji="0" sz="1800" b="0" i="0" u="none" strike="noStrike" cap="none" spc="0" normalizeH="0" baseline="0">
             <a:ln>
               <a:noFill/>
             </a:ln>
@@ -8490,7 +6128,7 @@
           <a:buFontTx/>
           <a:buNone/>
           <a:tabLst/>
-          <a:defRPr b="0" baseline="0" cap="none" i="0" spc="0" strike="noStrike" sz="1800" u="none" kumimoji="0" normalizeH="0">
+          <a:defRPr kumimoji="0" sz="1800" b="0" i="0" u="none" strike="noStrike" cap="none" spc="0" normalizeH="0" baseline="0">
             <a:ln>
               <a:noFill/>
             </a:ln>
@@ -8516,7 +6154,7 @@
           <a:buFontTx/>
           <a:buNone/>
           <a:tabLst/>
-          <a:defRPr b="0" baseline="0" cap="none" i="0" spc="0" strike="noStrike" sz="1800" u="none" kumimoji="0" normalizeH="0">
+          <a:defRPr kumimoji="0" sz="1800" b="0" i="0" u="none" strike="noStrike" cap="none" spc="0" normalizeH="0" baseline="0">
             <a:ln>
               <a:noFill/>
             </a:ln>
@@ -8542,7 +6180,7 @@
           <a:buFontTx/>
           <a:buNone/>
           <a:tabLst/>
-          <a:defRPr b="0" baseline="0" cap="none" i="0" spc="0" strike="noStrike" sz="1800" u="none" kumimoji="0" normalizeH="0">
+          <a:defRPr kumimoji="0" sz="1800" b="0" i="0" u="none" strike="noStrike" cap="none" spc="0" normalizeH="0" baseline="0">
             <a:ln>
               <a:noFill/>
             </a:ln>
@@ -8568,7 +6206,7 @@
           <a:buFontTx/>
           <a:buNone/>
           <a:tabLst/>
-          <a:defRPr b="0" baseline="0" cap="none" i="0" spc="0" strike="noStrike" sz="1800" u="none" kumimoji="0" normalizeH="0">
+          <a:defRPr kumimoji="0" sz="1800" b="0" i="0" u="none" strike="noStrike" cap="none" spc="0" normalizeH="0" baseline="0">
             <a:ln>
               <a:noFill/>
             </a:ln>
@@ -8594,7 +6232,7 @@
           <a:buFontTx/>
           <a:buNone/>
           <a:tabLst/>
-          <a:defRPr b="0" baseline="0" cap="none" i="0" spc="0" strike="noStrike" sz="1800" u="none" kumimoji="0" normalizeH="0">
+          <a:defRPr kumimoji="0" sz="1800" b="0" i="0" u="none" strike="noStrike" cap="none" spc="0" normalizeH="0" baseline="0">
             <a:ln>
               <a:noFill/>
             </a:ln>
@@ -8607,9 +6245,15 @@
         </a:lvl9pPr>
       </a:lstStyle>
       <a:style>
-        <a:lnRef idx="0"/>
-        <a:fillRef idx="0"/>
-        <a:effectRef idx="0"/>
+        <a:lnRef idx="0">
+          <a:scrgbClr r="0" g="0" b="0"/>
+        </a:lnRef>
+        <a:fillRef idx="0">
+          <a:scrgbClr r="0" g="0" b="0"/>
+        </a:fillRef>
+        <a:effectRef idx="0">
+          <a:scrgbClr r="0" g="0" b="0"/>
+        </a:effectRef>
         <a:fontRef idx="none"/>
       </a:style>
     </a:spDef>
@@ -8625,7 +6269,7 @@
         </a:ln>
         <a:effectLst/>
       </a:spPr>
-      <a:bodyPr rot="0" spcFirstLastPara="1" vertOverflow="overflow" horzOverflow="overflow" vert="horz" wrap="square" lIns="91439" tIns="45719" rIns="91439" bIns="45719" numCol="1" spcCol="38100" rtlCol="0" anchor="t" upright="0">
+      <a:bodyPr rot="0" spcFirstLastPara="1" vertOverflow="overflow" horzOverflow="overflow" vert="horz" wrap="square" lIns="91439" tIns="45719" rIns="91439" bIns="45719" numCol="1" spcCol="38100" rtlCol="0" anchor="t">
         <a:noAutofit/>
       </a:bodyPr>
       <a:lstStyle>
@@ -8644,7 +6288,7 @@
           <a:buFontTx/>
           <a:buNone/>
           <a:tabLst/>
-          <a:defRPr b="0" baseline="0" cap="none" i="0" spc="0" strike="noStrike" sz="1800" u="none" kumimoji="0" normalizeH="0">
+          <a:defRPr kumimoji="0" sz="1800" b="0" i="0" u="none" strike="noStrike" cap="none" spc="0" normalizeH="0" baseline="0">
             <a:ln>
               <a:noFill/>
             </a:ln>
@@ -8670,7 +6314,7 @@
           <a:buFontTx/>
           <a:buNone/>
           <a:tabLst/>
-          <a:defRPr b="0" baseline="0" cap="none" i="0" spc="0" strike="noStrike" sz="1800" u="none" kumimoji="0" normalizeH="0">
+          <a:defRPr kumimoji="0" sz="1800" b="0" i="0" u="none" strike="noStrike" cap="none" spc="0" normalizeH="0" baseline="0">
             <a:ln>
               <a:noFill/>
             </a:ln>
@@ -8696,7 +6340,7 @@
           <a:buFontTx/>
           <a:buNone/>
           <a:tabLst/>
-          <a:defRPr b="0" baseline="0" cap="none" i="0" spc="0" strike="noStrike" sz="1800" u="none" kumimoji="0" normalizeH="0">
+          <a:defRPr kumimoji="0" sz="1800" b="0" i="0" u="none" strike="noStrike" cap="none" spc="0" normalizeH="0" baseline="0">
             <a:ln>
               <a:noFill/>
             </a:ln>
@@ -8722,7 +6366,7 @@
           <a:buFontTx/>
           <a:buNone/>
           <a:tabLst/>
-          <a:defRPr b="0" baseline="0" cap="none" i="0" spc="0" strike="noStrike" sz="1800" u="none" kumimoji="0" normalizeH="0">
+          <a:defRPr kumimoji="0" sz="1800" b="0" i="0" u="none" strike="noStrike" cap="none" spc="0" normalizeH="0" baseline="0">
             <a:ln>
               <a:noFill/>
             </a:ln>
@@ -8748,7 +6392,7 @@
           <a:buFontTx/>
           <a:buNone/>
           <a:tabLst/>
-          <a:defRPr b="0" baseline="0" cap="none" i="0" spc="0" strike="noStrike" sz="1800" u="none" kumimoji="0" normalizeH="0">
+          <a:defRPr kumimoji="0" sz="1800" b="0" i="0" u="none" strike="noStrike" cap="none" spc="0" normalizeH="0" baseline="0">
             <a:ln>
               <a:noFill/>
             </a:ln>
@@ -8774,7 +6418,7 @@
           <a:buFontTx/>
           <a:buNone/>
           <a:tabLst/>
-          <a:defRPr b="0" baseline="0" cap="none" i="0" spc="0" strike="noStrike" sz="1800" u="none" kumimoji="0" normalizeH="0">
+          <a:defRPr kumimoji="0" sz="1800" b="0" i="0" u="none" strike="noStrike" cap="none" spc="0" normalizeH="0" baseline="0">
             <a:ln>
               <a:noFill/>
             </a:ln>
@@ -8800,7 +6444,7 @@
           <a:buFontTx/>
           <a:buNone/>
           <a:tabLst/>
-          <a:defRPr b="0" baseline="0" cap="none" i="0" spc="0" strike="noStrike" sz="1800" u="none" kumimoji="0" normalizeH="0">
+          <a:defRPr kumimoji="0" sz="1800" b="0" i="0" u="none" strike="noStrike" cap="none" spc="0" normalizeH="0" baseline="0">
             <a:ln>
               <a:noFill/>
             </a:ln>
@@ -8826,7 +6470,7 @@
           <a:buFontTx/>
           <a:buNone/>
           <a:tabLst/>
-          <a:defRPr b="0" baseline="0" cap="none" i="0" spc="0" strike="noStrike" sz="1800" u="none" kumimoji="0" normalizeH="0">
+          <a:defRPr kumimoji="0" sz="1800" b="0" i="0" u="none" strike="noStrike" cap="none" spc="0" normalizeH="0" baseline="0">
             <a:ln>
               <a:noFill/>
             </a:ln>
@@ -8852,7 +6496,7 @@
           <a:buFontTx/>
           <a:buNone/>
           <a:tabLst/>
-          <a:defRPr b="0" baseline="0" cap="none" i="0" spc="0" strike="noStrike" sz="1800" u="none" kumimoji="0" normalizeH="0">
+          <a:defRPr kumimoji="0" sz="1800" b="0" i="0" u="none" strike="noStrike" cap="none" spc="0" normalizeH="0" baseline="0">
             <a:ln>
               <a:noFill/>
             </a:ln>
@@ -8878,7 +6522,7 @@
           <a:buFontTx/>
           <a:buNone/>
           <a:tabLst/>
-          <a:defRPr b="0" baseline="0" cap="none" i="0" spc="0" strike="noStrike" sz="1800" u="none" kumimoji="0" normalizeH="0">
+          <a:defRPr kumimoji="0" sz="1800" b="0" i="0" u="none" strike="noStrike" cap="none" spc="0" normalizeH="0" baseline="0">
             <a:ln>
               <a:noFill/>
             </a:ln>
@@ -8891,9 +6535,15 @@
         </a:lvl9pPr>
       </a:lstStyle>
       <a:style>
-        <a:lnRef idx="0"/>
-        <a:fillRef idx="0"/>
-        <a:effectRef idx="0"/>
+        <a:lnRef idx="0">
+          <a:scrgbClr r="0" g="0" b="0"/>
+        </a:lnRef>
+        <a:fillRef idx="0">
+          <a:scrgbClr r="0" g="0" b="0"/>
+        </a:fillRef>
+        <a:effectRef idx="0">
+          <a:scrgbClr r="0" g="0" b="0"/>
+        </a:effectRef>
         <a:fontRef idx="none"/>
       </a:style>
     </a:lnDef>
@@ -8906,7 +6556,7 @@
         </a:ln>
         <a:effectLst/>
       </a:spPr>
-      <a:bodyPr rot="0" spcFirstLastPara="1" vertOverflow="overflow" horzOverflow="overflow" vert="horz" wrap="square" lIns="50800" tIns="50800" rIns="50800" bIns="50800" numCol="1" spcCol="38100" rtlCol="0" anchor="ctr" upright="0">
+      <a:bodyPr rot="0" spcFirstLastPara="1" vertOverflow="overflow" horzOverflow="overflow" vert="horz" wrap="square" lIns="50800" tIns="50800" rIns="50800" bIns="50800" numCol="1" spcCol="38100" rtlCol="0" anchor="ctr">
         <a:spAutoFit/>
       </a:bodyPr>
       <a:lstStyle>
@@ -8925,7 +6575,7 @@
           <a:buFontTx/>
           <a:buNone/>
           <a:tabLst/>
-          <a:defRPr b="0" baseline="0" cap="none" i="0" spc="0" strike="noStrike" sz="3600" u="none" kumimoji="0" normalizeH="0">
+          <a:defRPr kumimoji="0" sz="3600" b="0" i="0" u="none" strike="noStrike" cap="none" spc="0" normalizeH="0" baseline="0">
             <a:ln>
               <a:noFill/>
             </a:ln>
@@ -8955,7 +6605,7 @@
           <a:buFontTx/>
           <a:buNone/>
           <a:tabLst/>
-          <a:defRPr b="0" baseline="0" cap="none" i="0" spc="0" strike="noStrike" sz="1800" u="none" kumimoji="0" normalizeH="0">
+          <a:defRPr kumimoji="0" sz="1800" b="0" i="0" u="none" strike="noStrike" cap="none" spc="0" normalizeH="0" baseline="0">
             <a:ln>
               <a:noFill/>
             </a:ln>
@@ -8981,7 +6631,7 @@
           <a:buFontTx/>
           <a:buNone/>
           <a:tabLst/>
-          <a:defRPr b="0" baseline="0" cap="none" i="0" spc="0" strike="noStrike" sz="1800" u="none" kumimoji="0" normalizeH="0">
+          <a:defRPr kumimoji="0" sz="1800" b="0" i="0" u="none" strike="noStrike" cap="none" spc="0" normalizeH="0" baseline="0">
             <a:ln>
               <a:noFill/>
             </a:ln>
@@ -9007,7 +6657,7 @@
           <a:buFontTx/>
           <a:buNone/>
           <a:tabLst/>
-          <a:defRPr b="0" baseline="0" cap="none" i="0" spc="0" strike="noStrike" sz="1800" u="none" kumimoji="0" normalizeH="0">
+          <a:defRPr kumimoji="0" sz="1800" b="0" i="0" u="none" strike="noStrike" cap="none" spc="0" normalizeH="0" baseline="0">
             <a:ln>
               <a:noFill/>
             </a:ln>
@@ -9033,7 +6683,7 @@
           <a:buFontTx/>
           <a:buNone/>
           <a:tabLst/>
-          <a:defRPr b="0" baseline="0" cap="none" i="0" spc="0" strike="noStrike" sz="1800" u="none" kumimoji="0" normalizeH="0">
+          <a:defRPr kumimoji="0" sz="1800" b="0" i="0" u="none" strike="noStrike" cap="none" spc="0" normalizeH="0" baseline="0">
             <a:ln>
               <a:noFill/>
             </a:ln>
@@ -9059,7 +6709,7 @@
           <a:buFontTx/>
           <a:buNone/>
           <a:tabLst/>
-          <a:defRPr b="0" baseline="0" cap="none" i="0" spc="0" strike="noStrike" sz="1800" u="none" kumimoji="0" normalizeH="0">
+          <a:defRPr kumimoji="0" sz="1800" b="0" i="0" u="none" strike="noStrike" cap="none" spc="0" normalizeH="0" baseline="0">
             <a:ln>
               <a:noFill/>
             </a:ln>
@@ -9085,7 +6735,7 @@
           <a:buFontTx/>
           <a:buNone/>
           <a:tabLst/>
-          <a:defRPr b="0" baseline="0" cap="none" i="0" spc="0" strike="noStrike" sz="1800" u="none" kumimoji="0" normalizeH="0">
+          <a:defRPr kumimoji="0" sz="1800" b="0" i="0" u="none" strike="noStrike" cap="none" spc="0" normalizeH="0" baseline="0">
             <a:ln>
               <a:noFill/>
             </a:ln>
@@ -9111,7 +6761,7 @@
           <a:buFontTx/>
           <a:buNone/>
           <a:tabLst/>
-          <a:defRPr b="0" baseline="0" cap="none" i="0" spc="0" strike="noStrike" sz="1800" u="none" kumimoji="0" normalizeH="0">
+          <a:defRPr kumimoji="0" sz="1800" b="0" i="0" u="none" strike="noStrike" cap="none" spc="0" normalizeH="0" baseline="0">
             <a:ln>
               <a:noFill/>
             </a:ln>
@@ -9137,7 +6787,7 @@
           <a:buFontTx/>
           <a:buNone/>
           <a:tabLst/>
-          <a:defRPr b="0" baseline="0" cap="none" i="0" spc="0" strike="noStrike" sz="1800" u="none" kumimoji="0" normalizeH="0">
+          <a:defRPr kumimoji="0" sz="1800" b="0" i="0" u="none" strike="noStrike" cap="none" spc="0" normalizeH="0" baseline="0">
             <a:ln>
               <a:noFill/>
             </a:ln>
@@ -9163,7 +6813,7 @@
           <a:buFontTx/>
           <a:buNone/>
           <a:tabLst/>
-          <a:defRPr b="0" baseline="0" cap="none" i="0" spc="0" strike="noStrike" sz="1800" u="none" kumimoji="0" normalizeH="0">
+          <a:defRPr kumimoji="0" sz="1800" b="0" i="0" u="none" strike="noStrike" cap="none" spc="0" normalizeH="0" baseline="0">
             <a:ln>
               <a:noFill/>
             </a:ln>
@@ -9176,12 +6826,19 @@
         </a:lvl9pPr>
       </a:lstStyle>
       <a:style>
-        <a:lnRef idx="0"/>
-        <a:fillRef idx="0"/>
-        <a:effectRef idx="0"/>
+        <a:lnRef idx="0">
+          <a:scrgbClr r="0" g="0" b="0"/>
+        </a:lnRef>
+        <a:fillRef idx="0">
+          <a:scrgbClr r="0" g="0" b="0"/>
+        </a:fillRef>
+        <a:effectRef idx="0">
+          <a:scrgbClr r="0" g="0" b="0"/>
+        </a:effectRef>
         <a:fontRef idx="none"/>
       </a:style>
     </a:txDef>
   </a:objectDefaults>
+  <a:extraClrSchemeLst/>
 </a:theme>
 </file>